--- a/0 발표용 파워포인트/0515 2차발표/0515 project06 - 파워포인트 - 기범.pptx
+++ b/0 발표용 파워포인트/0515 2차발표/0515 project06 - 파워포인트 - 기범.pptx
@@ -5,10 +5,16 @@
     <p:sldMasterId id="2147483648" r:id="rId1"/>
   </p:sldMasterIdLst>
   <p:notesMasterIdLst>
-    <p:notesMasterId r:id="rId3"/>
+    <p:notesMasterId r:id="rId9"/>
   </p:notesMasterIdLst>
   <p:sldIdLst>
     <p:sldId id="256" r:id="rId2"/>
+    <p:sldId id="257" r:id="rId3"/>
+    <p:sldId id="258" r:id="rId4"/>
+    <p:sldId id="259" r:id="rId5"/>
+    <p:sldId id="260" r:id="rId6"/>
+    <p:sldId id="261" r:id="rId7"/>
+    <p:sldId id="262" r:id="rId8"/>
   </p:sldIdLst>
   <p:sldSz cx="12192000" cy="6858000"/>
   <p:notesSz cx="6858000" cy="9144000"/>
@@ -209,7 +215,7 @@
             <a:fld id="{EFE7F2A0-C7D9-4DBD-AE3B-C1A712DCE501}" type="datetimeFigureOut">
               <a:rPr lang="ko-KR" altLang="en-US" smtClean="0"/>
               <a:pPr/>
-              <a:t>2020-05-04</a:t>
+              <a:t>2020-05-14</a:t>
             </a:fld>
             <a:endParaRPr lang="ko-KR" altLang="en-US"/>
           </a:p>
@@ -610,7 +616,7 @@
             <a:fld id="{272C3D53-FEDF-49EC-8F65-FFFC138B637E}" type="datetimeFigureOut">
               <a:rPr lang="ko-KR" altLang="en-US" smtClean="0"/>
               <a:pPr/>
-              <a:t>2020-05-04</a:t>
+              <a:t>2020-05-14</a:t>
             </a:fld>
             <a:endParaRPr lang="ko-KR" altLang="en-US"/>
           </a:p>
@@ -782,7 +788,7 @@
             <a:fld id="{272C3D53-FEDF-49EC-8F65-FFFC138B637E}" type="datetimeFigureOut">
               <a:rPr lang="ko-KR" altLang="en-US" smtClean="0"/>
               <a:pPr/>
-              <a:t>2020-05-04</a:t>
+              <a:t>2020-05-14</a:t>
             </a:fld>
             <a:endParaRPr lang="ko-KR" altLang="en-US"/>
           </a:p>
@@ -964,7 +970,7 @@
             <a:fld id="{272C3D53-FEDF-49EC-8F65-FFFC138B637E}" type="datetimeFigureOut">
               <a:rPr lang="ko-KR" altLang="en-US" smtClean="0"/>
               <a:pPr/>
-              <a:t>2020-05-04</a:t>
+              <a:t>2020-05-14</a:t>
             </a:fld>
             <a:endParaRPr lang="ko-KR" altLang="en-US"/>
           </a:p>
@@ -1136,7 +1142,7 @@
             <a:fld id="{272C3D53-FEDF-49EC-8F65-FFFC138B637E}" type="datetimeFigureOut">
               <a:rPr lang="ko-KR" altLang="en-US" smtClean="0"/>
               <a:pPr/>
-              <a:t>2020-05-04</a:t>
+              <a:t>2020-05-14</a:t>
             </a:fld>
             <a:endParaRPr lang="ko-KR" altLang="en-US"/>
           </a:p>
@@ -1384,7 +1390,7 @@
             <a:fld id="{272C3D53-FEDF-49EC-8F65-FFFC138B637E}" type="datetimeFigureOut">
               <a:rPr lang="ko-KR" altLang="en-US" smtClean="0"/>
               <a:pPr/>
-              <a:t>2020-05-04</a:t>
+              <a:t>2020-05-14</a:t>
             </a:fld>
             <a:endParaRPr lang="ko-KR" altLang="en-US"/>
           </a:p>
@@ -1618,7 +1624,7 @@
             <a:fld id="{272C3D53-FEDF-49EC-8F65-FFFC138B637E}" type="datetimeFigureOut">
               <a:rPr lang="ko-KR" altLang="en-US" smtClean="0"/>
               <a:pPr/>
-              <a:t>2020-05-04</a:t>
+              <a:t>2020-05-14</a:t>
             </a:fld>
             <a:endParaRPr lang="ko-KR" altLang="en-US"/>
           </a:p>
@@ -1987,7 +1993,7 @@
             <a:fld id="{272C3D53-FEDF-49EC-8F65-FFFC138B637E}" type="datetimeFigureOut">
               <a:rPr lang="ko-KR" altLang="en-US" smtClean="0"/>
               <a:pPr/>
-              <a:t>2020-05-04</a:t>
+              <a:t>2020-05-14</a:t>
             </a:fld>
             <a:endParaRPr lang="ko-KR" altLang="en-US"/>
           </a:p>
@@ -2107,7 +2113,7 @@
             <a:fld id="{272C3D53-FEDF-49EC-8F65-FFFC138B637E}" type="datetimeFigureOut">
               <a:rPr lang="ko-KR" altLang="en-US" smtClean="0"/>
               <a:pPr/>
-              <a:t>2020-05-04</a:t>
+              <a:t>2020-05-14</a:t>
             </a:fld>
             <a:endParaRPr lang="ko-KR" altLang="en-US"/>
           </a:p>
@@ -2204,7 +2210,7 @@
             <a:fld id="{272C3D53-FEDF-49EC-8F65-FFFC138B637E}" type="datetimeFigureOut">
               <a:rPr lang="ko-KR" altLang="en-US" smtClean="0"/>
               <a:pPr/>
-              <a:t>2020-05-04</a:t>
+              <a:t>2020-05-14</a:t>
             </a:fld>
             <a:endParaRPr lang="ko-KR" altLang="en-US"/>
           </a:p>
@@ -2483,7 +2489,7 @@
             <a:fld id="{272C3D53-FEDF-49EC-8F65-FFFC138B637E}" type="datetimeFigureOut">
               <a:rPr lang="ko-KR" altLang="en-US" smtClean="0"/>
               <a:pPr/>
-              <a:t>2020-05-04</a:t>
+              <a:t>2020-05-14</a:t>
             </a:fld>
             <a:endParaRPr lang="ko-KR" altLang="en-US"/>
           </a:p>
@@ -2738,7 +2744,7 @@
             <a:fld id="{272C3D53-FEDF-49EC-8F65-FFFC138B637E}" type="datetimeFigureOut">
               <a:rPr lang="ko-KR" altLang="en-US" smtClean="0"/>
               <a:pPr/>
-              <a:t>2020-05-04</a:t>
+              <a:t>2020-05-14</a:t>
             </a:fld>
             <a:endParaRPr lang="ko-KR" altLang="en-US"/>
           </a:p>
@@ -2953,7 +2959,7 @@
             <a:fld id="{272C3D53-FEDF-49EC-8F65-FFFC138B637E}" type="datetimeFigureOut">
               <a:rPr lang="ko-KR" altLang="en-US" smtClean="0"/>
               <a:pPr/>
-              <a:t>2020-05-04</a:t>
+              <a:t>2020-05-14</a:t>
             </a:fld>
             <a:endParaRPr lang="ko-KR" altLang="en-US"/>
           </a:p>
@@ -3437,6 +3443,6190 @@
     <p:extLst>
       <p:ext uri="{BB962C8B-B14F-4D97-AF65-F5344CB8AC3E}">
         <p14:creationId xmlns:p14="http://schemas.microsoft.com/office/powerpoint/2010/main" val="465175567"/>
+      </p:ext>
+    </p:extLst>
+  </p:cSld>
+  <p:clrMapOvr>
+    <a:masterClrMapping/>
+  </p:clrMapOvr>
+  <p:timing>
+    <p:tnLst>
+      <p:par>
+        <p:cTn id="1" dur="indefinite" restart="never" nodeType="tmRoot"/>
+      </p:par>
+    </p:tnLst>
+  </p:timing>
+</p:sld>
+</file>
+
+<file path=ppt/slides/slide2.xml><?xml version="1.0" encoding="utf-8"?>
+<p:sld xmlns:a="http://schemas.openxmlformats.org/drawingml/2006/main" xmlns:r="http://schemas.openxmlformats.org/officeDocument/2006/relationships" xmlns:p="http://schemas.openxmlformats.org/presentationml/2006/main">
+  <p:cSld>
+    <p:spTree>
+      <p:nvGrpSpPr>
+        <p:cNvPr id="1" name=""/>
+        <p:cNvGrpSpPr/>
+        <p:nvPr/>
+      </p:nvGrpSpPr>
+      <p:grpSpPr>
+        <a:xfrm>
+          <a:off x="0" y="0"/>
+          <a:ext cx="0" cy="0"/>
+          <a:chOff x="0" y="0"/>
+          <a:chExt cx="0" cy="0"/>
+        </a:xfrm>
+      </p:grpSpPr>
+      <p:sp>
+        <p:nvSpPr>
+          <p:cNvPr id="18" name="직사각형 17"/>
+          <p:cNvSpPr/>
+          <p:nvPr/>
+        </p:nvSpPr>
+        <p:spPr>
+          <a:xfrm rot="21409477">
+            <a:off x="832974" y="128931"/>
+            <a:ext cx="9282799" cy="6218171"/>
+          </a:xfrm>
+          <a:prstGeom prst="rect">
+            <a:avLst/>
+          </a:prstGeom>
+          <a:solidFill>
+            <a:schemeClr val="bg1">
+              <a:lumMod val="95000"/>
+            </a:schemeClr>
+          </a:solidFill>
+          <a:ln>
+            <a:noFill/>
+          </a:ln>
+        </p:spPr>
+        <p:style>
+          <a:lnRef idx="2">
+            <a:schemeClr val="accent1">
+              <a:shade val="50000"/>
+            </a:schemeClr>
+          </a:lnRef>
+          <a:fillRef idx="1">
+            <a:schemeClr val="accent1"/>
+          </a:fillRef>
+          <a:effectRef idx="0">
+            <a:schemeClr val="accent1"/>
+          </a:effectRef>
+          <a:fontRef idx="minor">
+            <a:schemeClr val="lt1"/>
+          </a:fontRef>
+        </p:style>
+        <p:txBody>
+          <a:bodyPr lIns="91440" tIns="45720" rIns="91440" bIns="45720" rtlCol="0" anchor="ctr"/>
+          <a:lstStyle/>
+          <a:p>
+            <a:pPr algn="ctr"/>
+            <a:endParaRPr lang="ko-KR" altLang="en-US" sz="2400">
+              <a:latin typeface="나눔고딕" panose="020D0604000000000000" pitchFamily="50" charset="-127"/>
+              <a:ea typeface="나눔고딕" panose="020D0604000000000000" pitchFamily="50" charset="-127"/>
+            </a:endParaRPr>
+          </a:p>
+        </p:txBody>
+      </p:sp>
+      <p:sp>
+        <p:nvSpPr>
+          <p:cNvPr id="5" name="직사각형 4"/>
+          <p:cNvSpPr/>
+          <p:nvPr/>
+        </p:nvSpPr>
+        <p:spPr>
+          <a:xfrm>
+            <a:off x="526742" y="260649"/>
+            <a:ext cx="11425909" cy="6392929"/>
+          </a:xfrm>
+          <a:prstGeom prst="rect">
+            <a:avLst/>
+          </a:prstGeom>
+          <a:gradFill flip="none" rotWithShape="1">
+            <a:gsLst>
+              <a:gs pos="100000">
+                <a:schemeClr val="bg1">
+                  <a:shade val="67500"/>
+                  <a:satMod val="115000"/>
+                </a:schemeClr>
+              </a:gs>
+              <a:gs pos="64000">
+                <a:schemeClr val="bg1">
+                  <a:shade val="100000"/>
+                  <a:satMod val="115000"/>
+                </a:schemeClr>
+              </a:gs>
+            </a:gsLst>
+            <a:lin ang="10800000" scaled="1"/>
+            <a:tileRect/>
+          </a:gradFill>
+          <a:ln>
+            <a:noFill/>
+          </a:ln>
+          <a:effectLst>
+            <a:outerShdw blurRad="228600" dist="76200" dir="16200000" rotWithShape="0">
+              <a:prstClr val="black">
+                <a:alpha val="40000"/>
+              </a:prstClr>
+            </a:outerShdw>
+          </a:effectLst>
+        </p:spPr>
+        <p:style>
+          <a:lnRef idx="2">
+            <a:schemeClr val="accent1">
+              <a:shade val="50000"/>
+            </a:schemeClr>
+          </a:lnRef>
+          <a:fillRef idx="1">
+            <a:schemeClr val="accent1"/>
+          </a:fillRef>
+          <a:effectRef idx="0">
+            <a:schemeClr val="accent1"/>
+          </a:effectRef>
+          <a:fontRef idx="minor">
+            <a:schemeClr val="lt1"/>
+          </a:fontRef>
+        </p:style>
+        <p:txBody>
+          <a:bodyPr lIns="91440" tIns="45720" rIns="91440" bIns="45720" rtlCol="0" anchor="ctr"/>
+          <a:lstStyle/>
+          <a:p>
+            <a:pPr algn="ctr"/>
+            <a:endParaRPr lang="ko-KR" altLang="en-US" sz="2400">
+              <a:latin typeface="나눔고딕" panose="020D0604000000000000" pitchFamily="50" charset="-127"/>
+              <a:ea typeface="나눔고딕" panose="020D0604000000000000" pitchFamily="50" charset="-127"/>
+            </a:endParaRPr>
+          </a:p>
+        </p:txBody>
+      </p:sp>
+      <p:grpSp>
+        <p:nvGrpSpPr>
+          <p:cNvPr id="2" name="그룹 1"/>
+          <p:cNvGrpSpPr/>
+          <p:nvPr/>
+        </p:nvGrpSpPr>
+        <p:grpSpPr>
+          <a:xfrm>
+            <a:off x="143104" y="68627"/>
+            <a:ext cx="768321" cy="6704028"/>
+            <a:chOff x="586490" y="739768"/>
+            <a:chExt cx="1017302" cy="5420168"/>
+          </a:xfrm>
+        </p:grpSpPr>
+        <p:sp>
+          <p:nvSpPr>
+            <p:cNvPr id="39" name="자유형 38"/>
+            <p:cNvSpPr/>
+            <p:nvPr/>
+          </p:nvSpPr>
+          <p:spPr>
+            <a:xfrm rot="10800000">
+              <a:off x="586490" y="1041378"/>
+              <a:ext cx="1017302" cy="4991063"/>
+            </a:xfrm>
+            <a:custGeom>
+              <a:avLst/>
+              <a:gdLst>
+                <a:gd name="connsiteX0" fmla="*/ 194310 w 388620"/>
+                <a:gd name="connsiteY0" fmla="*/ 0 h 2927235"/>
+                <a:gd name="connsiteX1" fmla="*/ 388620 w 388620"/>
+                <a:gd name="connsiteY1" fmla="*/ 194310 h 2927235"/>
+                <a:gd name="connsiteX2" fmla="*/ 388620 w 388620"/>
+                <a:gd name="connsiteY2" fmla="*/ 2927235 h 2927235"/>
+                <a:gd name="connsiteX3" fmla="*/ 379599 w 388620"/>
+                <a:gd name="connsiteY3" fmla="*/ 2898175 h 2927235"/>
+                <a:gd name="connsiteX4" fmla="*/ 194310 w 388620"/>
+                <a:gd name="connsiteY4" fmla="*/ 2775357 h 2927235"/>
+                <a:gd name="connsiteX5" fmla="*/ 9021 w 388620"/>
+                <a:gd name="connsiteY5" fmla="*/ 2898175 h 2927235"/>
+                <a:gd name="connsiteX6" fmla="*/ 0 w 388620"/>
+                <a:gd name="connsiteY6" fmla="*/ 2927235 h 2927235"/>
+                <a:gd name="connsiteX7" fmla="*/ 0 w 388620"/>
+                <a:gd name="connsiteY7" fmla="*/ 194310 h 2927235"/>
+                <a:gd name="connsiteX8" fmla="*/ 194310 w 388620"/>
+                <a:gd name="connsiteY8" fmla="*/ 0 h 2927235"/>
+              </a:gdLst>
+              <a:ahLst/>
+              <a:cxnLst>
+                <a:cxn ang="0">
+                  <a:pos x="connsiteX0" y="connsiteY0"/>
+                </a:cxn>
+                <a:cxn ang="0">
+                  <a:pos x="connsiteX1" y="connsiteY1"/>
+                </a:cxn>
+                <a:cxn ang="0">
+                  <a:pos x="connsiteX2" y="connsiteY2"/>
+                </a:cxn>
+                <a:cxn ang="0">
+                  <a:pos x="connsiteX3" y="connsiteY3"/>
+                </a:cxn>
+                <a:cxn ang="0">
+                  <a:pos x="connsiteX4" y="connsiteY4"/>
+                </a:cxn>
+                <a:cxn ang="0">
+                  <a:pos x="connsiteX5" y="connsiteY5"/>
+                </a:cxn>
+                <a:cxn ang="0">
+                  <a:pos x="connsiteX6" y="connsiteY6"/>
+                </a:cxn>
+                <a:cxn ang="0">
+                  <a:pos x="connsiteX7" y="connsiteY7"/>
+                </a:cxn>
+                <a:cxn ang="0">
+                  <a:pos x="connsiteX8" y="connsiteY8"/>
+                </a:cxn>
+              </a:cxnLst>
+              <a:rect l="l" t="t" r="r" b="b"/>
+              <a:pathLst>
+                <a:path w="388620" h="2927235">
+                  <a:moveTo>
+                    <a:pt x="194310" y="0"/>
+                  </a:moveTo>
+                  <a:cubicBezTo>
+                    <a:pt x="301624" y="0"/>
+                    <a:pt x="388620" y="86996"/>
+                    <a:pt x="388620" y="194310"/>
+                  </a:cubicBezTo>
+                  <a:lnTo>
+                    <a:pt x="388620" y="2927235"/>
+                  </a:lnTo>
+                  <a:lnTo>
+                    <a:pt x="379599" y="2898175"/>
+                  </a:lnTo>
+                  <a:cubicBezTo>
+                    <a:pt x="349072" y="2826000"/>
+                    <a:pt x="277605" y="2775357"/>
+                    <a:pt x="194310" y="2775357"/>
+                  </a:cubicBezTo>
+                  <a:cubicBezTo>
+                    <a:pt x="111015" y="2775357"/>
+                    <a:pt x="39548" y="2826000"/>
+                    <a:pt x="9021" y="2898175"/>
+                  </a:cubicBezTo>
+                  <a:lnTo>
+                    <a:pt x="0" y="2927235"/>
+                  </a:lnTo>
+                  <a:lnTo>
+                    <a:pt x="0" y="194310"/>
+                  </a:lnTo>
+                  <a:cubicBezTo>
+                    <a:pt x="0" y="86996"/>
+                    <a:pt x="86996" y="0"/>
+                    <a:pt x="194310" y="0"/>
+                  </a:cubicBezTo>
+                  <a:close/>
+                </a:path>
+              </a:pathLst>
+            </a:custGeom>
+            <a:gradFill flip="none" rotWithShape="1">
+              <a:gsLst>
+                <a:gs pos="0">
+                  <a:schemeClr val="bg1">
+                    <a:shade val="67500"/>
+                    <a:satMod val="115000"/>
+                  </a:schemeClr>
+                </a:gs>
+                <a:gs pos="100000">
+                  <a:schemeClr val="bg1">
+                    <a:shade val="100000"/>
+                    <a:satMod val="115000"/>
+                  </a:schemeClr>
+                </a:gs>
+              </a:gsLst>
+              <a:lin ang="10800000" scaled="1"/>
+              <a:tileRect/>
+            </a:gradFill>
+            <a:ln>
+              <a:noFill/>
+            </a:ln>
+            <a:effectLst>
+              <a:outerShdw blurRad="88900" dist="139700" dir="5400000" sx="98000" sy="98000" algn="t" rotWithShape="0">
+                <a:prstClr val="black">
+                  <a:alpha val="40000"/>
+                </a:prstClr>
+              </a:outerShdw>
+            </a:effectLst>
+          </p:spPr>
+          <p:style>
+            <a:lnRef idx="2">
+              <a:schemeClr val="accent1">
+                <a:shade val="50000"/>
+              </a:schemeClr>
+            </a:lnRef>
+            <a:fillRef idx="1">
+              <a:schemeClr val="accent1"/>
+            </a:fillRef>
+            <a:effectRef idx="0">
+              <a:schemeClr val="accent1"/>
+            </a:effectRef>
+            <a:fontRef idx="minor">
+              <a:schemeClr val="lt1"/>
+            </a:fontRef>
+          </p:style>
+          <p:txBody>
+            <a:bodyPr rtlCol="0" anchor="ctr"/>
+            <a:lstStyle/>
+            <a:p>
+              <a:pPr algn="ctr"/>
+              <a:endParaRPr lang="ko-KR" altLang="en-US" sz="2400">
+                <a:latin typeface="나눔고딕" panose="020D0604000000000000" pitchFamily="50" charset="-127"/>
+                <a:ea typeface="나눔고딕" panose="020D0604000000000000" pitchFamily="50" charset="-127"/>
+              </a:endParaRPr>
+            </a:p>
+          </p:txBody>
+        </p:sp>
+        <p:sp>
+          <p:nvSpPr>
+            <p:cNvPr id="40" name="자유형 39"/>
+            <p:cNvSpPr/>
+            <p:nvPr/>
+          </p:nvSpPr>
+          <p:spPr>
+            <a:xfrm rot="10800000">
+              <a:off x="754421" y="2816677"/>
+              <a:ext cx="681439" cy="3343259"/>
+            </a:xfrm>
+            <a:custGeom>
+              <a:avLst/>
+              <a:gdLst>
+                <a:gd name="connsiteX0" fmla="*/ 194310 w 388620"/>
+                <a:gd name="connsiteY0" fmla="*/ 0 h 2927235"/>
+                <a:gd name="connsiteX1" fmla="*/ 388620 w 388620"/>
+                <a:gd name="connsiteY1" fmla="*/ 194310 h 2927235"/>
+                <a:gd name="connsiteX2" fmla="*/ 388620 w 388620"/>
+                <a:gd name="connsiteY2" fmla="*/ 2927235 h 2927235"/>
+                <a:gd name="connsiteX3" fmla="*/ 379599 w 388620"/>
+                <a:gd name="connsiteY3" fmla="*/ 2898175 h 2927235"/>
+                <a:gd name="connsiteX4" fmla="*/ 194310 w 388620"/>
+                <a:gd name="connsiteY4" fmla="*/ 2775357 h 2927235"/>
+                <a:gd name="connsiteX5" fmla="*/ 9021 w 388620"/>
+                <a:gd name="connsiteY5" fmla="*/ 2898175 h 2927235"/>
+                <a:gd name="connsiteX6" fmla="*/ 0 w 388620"/>
+                <a:gd name="connsiteY6" fmla="*/ 2927235 h 2927235"/>
+                <a:gd name="connsiteX7" fmla="*/ 0 w 388620"/>
+                <a:gd name="connsiteY7" fmla="*/ 194310 h 2927235"/>
+                <a:gd name="connsiteX8" fmla="*/ 194310 w 388620"/>
+                <a:gd name="connsiteY8" fmla="*/ 0 h 2927235"/>
+              </a:gdLst>
+              <a:ahLst/>
+              <a:cxnLst>
+                <a:cxn ang="0">
+                  <a:pos x="connsiteX0" y="connsiteY0"/>
+                </a:cxn>
+                <a:cxn ang="0">
+                  <a:pos x="connsiteX1" y="connsiteY1"/>
+                </a:cxn>
+                <a:cxn ang="0">
+                  <a:pos x="connsiteX2" y="connsiteY2"/>
+                </a:cxn>
+                <a:cxn ang="0">
+                  <a:pos x="connsiteX3" y="connsiteY3"/>
+                </a:cxn>
+                <a:cxn ang="0">
+                  <a:pos x="connsiteX4" y="connsiteY4"/>
+                </a:cxn>
+                <a:cxn ang="0">
+                  <a:pos x="connsiteX5" y="connsiteY5"/>
+                </a:cxn>
+                <a:cxn ang="0">
+                  <a:pos x="connsiteX6" y="connsiteY6"/>
+                </a:cxn>
+                <a:cxn ang="0">
+                  <a:pos x="connsiteX7" y="connsiteY7"/>
+                </a:cxn>
+                <a:cxn ang="0">
+                  <a:pos x="connsiteX8" y="connsiteY8"/>
+                </a:cxn>
+              </a:cxnLst>
+              <a:rect l="l" t="t" r="r" b="b"/>
+              <a:pathLst>
+                <a:path w="388620" h="2927235">
+                  <a:moveTo>
+                    <a:pt x="194310" y="0"/>
+                  </a:moveTo>
+                  <a:cubicBezTo>
+                    <a:pt x="301624" y="0"/>
+                    <a:pt x="388620" y="86996"/>
+                    <a:pt x="388620" y="194310"/>
+                  </a:cubicBezTo>
+                  <a:lnTo>
+                    <a:pt x="388620" y="2927235"/>
+                  </a:lnTo>
+                  <a:lnTo>
+                    <a:pt x="379599" y="2898175"/>
+                  </a:lnTo>
+                  <a:cubicBezTo>
+                    <a:pt x="349072" y="2826000"/>
+                    <a:pt x="277605" y="2775357"/>
+                    <a:pt x="194310" y="2775357"/>
+                  </a:cubicBezTo>
+                  <a:cubicBezTo>
+                    <a:pt x="111015" y="2775357"/>
+                    <a:pt x="39548" y="2826000"/>
+                    <a:pt x="9021" y="2898175"/>
+                  </a:cubicBezTo>
+                  <a:lnTo>
+                    <a:pt x="0" y="2927235"/>
+                  </a:lnTo>
+                  <a:lnTo>
+                    <a:pt x="0" y="194310"/>
+                  </a:lnTo>
+                  <a:cubicBezTo>
+                    <a:pt x="0" y="86996"/>
+                    <a:pt x="86996" y="0"/>
+                    <a:pt x="194310" y="0"/>
+                  </a:cubicBezTo>
+                  <a:close/>
+                </a:path>
+              </a:pathLst>
+            </a:custGeom>
+            <a:gradFill flip="none" rotWithShape="1">
+              <a:gsLst>
+                <a:gs pos="0">
+                  <a:schemeClr val="bg1">
+                    <a:shade val="67500"/>
+                    <a:satMod val="115000"/>
+                  </a:schemeClr>
+                </a:gs>
+                <a:gs pos="100000">
+                  <a:schemeClr val="bg1">
+                    <a:shade val="100000"/>
+                    <a:satMod val="115000"/>
+                  </a:schemeClr>
+                </a:gs>
+              </a:gsLst>
+              <a:lin ang="10800000" scaled="1"/>
+              <a:tileRect/>
+            </a:gradFill>
+            <a:ln>
+              <a:noFill/>
+            </a:ln>
+            <a:effectLst>
+              <a:outerShdw blurRad="88900" dist="139700" dir="5400000" sx="98000" sy="98000" algn="t" rotWithShape="0">
+                <a:prstClr val="black">
+                  <a:alpha val="40000"/>
+                </a:prstClr>
+              </a:outerShdw>
+            </a:effectLst>
+          </p:spPr>
+          <p:style>
+            <a:lnRef idx="2">
+              <a:schemeClr val="accent1">
+                <a:shade val="50000"/>
+              </a:schemeClr>
+            </a:lnRef>
+            <a:fillRef idx="1">
+              <a:schemeClr val="accent1"/>
+            </a:fillRef>
+            <a:effectRef idx="0">
+              <a:schemeClr val="accent1"/>
+            </a:effectRef>
+            <a:fontRef idx="minor">
+              <a:schemeClr val="lt1"/>
+            </a:fontRef>
+          </p:style>
+          <p:txBody>
+            <a:bodyPr rtlCol="0" anchor="ctr"/>
+            <a:lstStyle/>
+            <a:p>
+              <a:pPr algn="ctr"/>
+              <a:endParaRPr lang="ko-KR" altLang="en-US" sz="2400">
+                <a:latin typeface="나눔고딕" panose="020D0604000000000000" pitchFamily="50" charset="-127"/>
+                <a:ea typeface="나눔고딕" panose="020D0604000000000000" pitchFamily="50" charset="-127"/>
+              </a:endParaRPr>
+            </a:p>
+          </p:txBody>
+        </p:sp>
+        <p:sp>
+          <p:nvSpPr>
+            <p:cNvPr id="41" name="자유형 40"/>
+            <p:cNvSpPr/>
+            <p:nvPr/>
+          </p:nvSpPr>
+          <p:spPr>
+            <a:xfrm>
+              <a:off x="754421" y="2614644"/>
+              <a:ext cx="681439" cy="3343259"/>
+            </a:xfrm>
+            <a:custGeom>
+              <a:avLst/>
+              <a:gdLst>
+                <a:gd name="connsiteX0" fmla="*/ 194310 w 388620"/>
+                <a:gd name="connsiteY0" fmla="*/ 0 h 2927235"/>
+                <a:gd name="connsiteX1" fmla="*/ 388620 w 388620"/>
+                <a:gd name="connsiteY1" fmla="*/ 194310 h 2927235"/>
+                <a:gd name="connsiteX2" fmla="*/ 388620 w 388620"/>
+                <a:gd name="connsiteY2" fmla="*/ 2927235 h 2927235"/>
+                <a:gd name="connsiteX3" fmla="*/ 379599 w 388620"/>
+                <a:gd name="connsiteY3" fmla="*/ 2898175 h 2927235"/>
+                <a:gd name="connsiteX4" fmla="*/ 194310 w 388620"/>
+                <a:gd name="connsiteY4" fmla="*/ 2775357 h 2927235"/>
+                <a:gd name="connsiteX5" fmla="*/ 9021 w 388620"/>
+                <a:gd name="connsiteY5" fmla="*/ 2898175 h 2927235"/>
+                <a:gd name="connsiteX6" fmla="*/ 0 w 388620"/>
+                <a:gd name="connsiteY6" fmla="*/ 2927235 h 2927235"/>
+                <a:gd name="connsiteX7" fmla="*/ 0 w 388620"/>
+                <a:gd name="connsiteY7" fmla="*/ 194310 h 2927235"/>
+                <a:gd name="connsiteX8" fmla="*/ 194310 w 388620"/>
+                <a:gd name="connsiteY8" fmla="*/ 0 h 2927235"/>
+              </a:gdLst>
+              <a:ahLst/>
+              <a:cxnLst>
+                <a:cxn ang="0">
+                  <a:pos x="connsiteX0" y="connsiteY0"/>
+                </a:cxn>
+                <a:cxn ang="0">
+                  <a:pos x="connsiteX1" y="connsiteY1"/>
+                </a:cxn>
+                <a:cxn ang="0">
+                  <a:pos x="connsiteX2" y="connsiteY2"/>
+                </a:cxn>
+                <a:cxn ang="0">
+                  <a:pos x="connsiteX3" y="connsiteY3"/>
+                </a:cxn>
+                <a:cxn ang="0">
+                  <a:pos x="connsiteX4" y="connsiteY4"/>
+                </a:cxn>
+                <a:cxn ang="0">
+                  <a:pos x="connsiteX5" y="connsiteY5"/>
+                </a:cxn>
+                <a:cxn ang="0">
+                  <a:pos x="connsiteX6" y="connsiteY6"/>
+                </a:cxn>
+                <a:cxn ang="0">
+                  <a:pos x="connsiteX7" y="connsiteY7"/>
+                </a:cxn>
+                <a:cxn ang="0">
+                  <a:pos x="connsiteX8" y="connsiteY8"/>
+                </a:cxn>
+              </a:cxnLst>
+              <a:rect l="l" t="t" r="r" b="b"/>
+              <a:pathLst>
+                <a:path w="388620" h="2927235">
+                  <a:moveTo>
+                    <a:pt x="194310" y="0"/>
+                  </a:moveTo>
+                  <a:cubicBezTo>
+                    <a:pt x="301624" y="0"/>
+                    <a:pt x="388620" y="86996"/>
+                    <a:pt x="388620" y="194310"/>
+                  </a:cubicBezTo>
+                  <a:lnTo>
+                    <a:pt x="388620" y="2927235"/>
+                  </a:lnTo>
+                  <a:lnTo>
+                    <a:pt x="379599" y="2898175"/>
+                  </a:lnTo>
+                  <a:cubicBezTo>
+                    <a:pt x="349072" y="2826000"/>
+                    <a:pt x="277605" y="2775357"/>
+                    <a:pt x="194310" y="2775357"/>
+                  </a:cubicBezTo>
+                  <a:cubicBezTo>
+                    <a:pt x="111015" y="2775357"/>
+                    <a:pt x="39548" y="2826000"/>
+                    <a:pt x="9021" y="2898175"/>
+                  </a:cubicBezTo>
+                  <a:lnTo>
+                    <a:pt x="0" y="2927235"/>
+                  </a:lnTo>
+                  <a:lnTo>
+                    <a:pt x="0" y="194310"/>
+                  </a:lnTo>
+                  <a:cubicBezTo>
+                    <a:pt x="0" y="86996"/>
+                    <a:pt x="86996" y="0"/>
+                    <a:pt x="194310" y="0"/>
+                  </a:cubicBezTo>
+                  <a:close/>
+                </a:path>
+              </a:pathLst>
+            </a:custGeom>
+            <a:gradFill flip="none" rotWithShape="1">
+              <a:gsLst>
+                <a:gs pos="0">
+                  <a:schemeClr val="bg1">
+                    <a:shade val="67500"/>
+                    <a:satMod val="115000"/>
+                  </a:schemeClr>
+                </a:gs>
+                <a:gs pos="100000">
+                  <a:schemeClr val="bg1">
+                    <a:shade val="100000"/>
+                    <a:satMod val="115000"/>
+                  </a:schemeClr>
+                </a:gs>
+              </a:gsLst>
+              <a:lin ang="10800000" scaled="1"/>
+              <a:tileRect/>
+            </a:gradFill>
+            <a:ln>
+              <a:noFill/>
+            </a:ln>
+            <a:effectLst>
+              <a:outerShdw blurRad="88900" dist="139700" dir="5400000" sx="98000" sy="98000" algn="t" rotWithShape="0">
+                <a:prstClr val="black">
+                  <a:alpha val="40000"/>
+                </a:prstClr>
+              </a:outerShdw>
+            </a:effectLst>
+          </p:spPr>
+          <p:style>
+            <a:lnRef idx="2">
+              <a:schemeClr val="accent1">
+                <a:shade val="50000"/>
+              </a:schemeClr>
+            </a:lnRef>
+            <a:fillRef idx="1">
+              <a:schemeClr val="accent1"/>
+            </a:fillRef>
+            <a:effectRef idx="0">
+              <a:schemeClr val="accent1"/>
+            </a:effectRef>
+            <a:fontRef idx="minor">
+              <a:schemeClr val="lt1"/>
+            </a:fontRef>
+          </p:style>
+          <p:txBody>
+            <a:bodyPr rtlCol="0" anchor="ctr"/>
+            <a:lstStyle/>
+            <a:p>
+              <a:pPr algn="ctr"/>
+              <a:endParaRPr lang="ko-KR" altLang="en-US" sz="2400">
+                <a:latin typeface="나눔고딕" panose="020D0604000000000000" pitchFamily="50" charset="-127"/>
+                <a:ea typeface="나눔고딕" panose="020D0604000000000000" pitchFamily="50" charset="-127"/>
+              </a:endParaRPr>
+            </a:p>
+          </p:txBody>
+        </p:sp>
+        <p:sp>
+          <p:nvSpPr>
+            <p:cNvPr id="42" name="자유형 41"/>
+            <p:cNvSpPr/>
+            <p:nvPr/>
+          </p:nvSpPr>
+          <p:spPr>
+            <a:xfrm>
+              <a:off x="586490" y="739768"/>
+              <a:ext cx="1017302" cy="4991063"/>
+            </a:xfrm>
+            <a:custGeom>
+              <a:avLst/>
+              <a:gdLst>
+                <a:gd name="connsiteX0" fmla="*/ 194310 w 388620"/>
+                <a:gd name="connsiteY0" fmla="*/ 0 h 2927235"/>
+                <a:gd name="connsiteX1" fmla="*/ 388620 w 388620"/>
+                <a:gd name="connsiteY1" fmla="*/ 194310 h 2927235"/>
+                <a:gd name="connsiteX2" fmla="*/ 388620 w 388620"/>
+                <a:gd name="connsiteY2" fmla="*/ 2927235 h 2927235"/>
+                <a:gd name="connsiteX3" fmla="*/ 379599 w 388620"/>
+                <a:gd name="connsiteY3" fmla="*/ 2898175 h 2927235"/>
+                <a:gd name="connsiteX4" fmla="*/ 194310 w 388620"/>
+                <a:gd name="connsiteY4" fmla="*/ 2775357 h 2927235"/>
+                <a:gd name="connsiteX5" fmla="*/ 9021 w 388620"/>
+                <a:gd name="connsiteY5" fmla="*/ 2898175 h 2927235"/>
+                <a:gd name="connsiteX6" fmla="*/ 0 w 388620"/>
+                <a:gd name="connsiteY6" fmla="*/ 2927235 h 2927235"/>
+                <a:gd name="connsiteX7" fmla="*/ 0 w 388620"/>
+                <a:gd name="connsiteY7" fmla="*/ 194310 h 2927235"/>
+                <a:gd name="connsiteX8" fmla="*/ 194310 w 388620"/>
+                <a:gd name="connsiteY8" fmla="*/ 0 h 2927235"/>
+              </a:gdLst>
+              <a:ahLst/>
+              <a:cxnLst>
+                <a:cxn ang="0">
+                  <a:pos x="connsiteX0" y="connsiteY0"/>
+                </a:cxn>
+                <a:cxn ang="0">
+                  <a:pos x="connsiteX1" y="connsiteY1"/>
+                </a:cxn>
+                <a:cxn ang="0">
+                  <a:pos x="connsiteX2" y="connsiteY2"/>
+                </a:cxn>
+                <a:cxn ang="0">
+                  <a:pos x="connsiteX3" y="connsiteY3"/>
+                </a:cxn>
+                <a:cxn ang="0">
+                  <a:pos x="connsiteX4" y="connsiteY4"/>
+                </a:cxn>
+                <a:cxn ang="0">
+                  <a:pos x="connsiteX5" y="connsiteY5"/>
+                </a:cxn>
+                <a:cxn ang="0">
+                  <a:pos x="connsiteX6" y="connsiteY6"/>
+                </a:cxn>
+                <a:cxn ang="0">
+                  <a:pos x="connsiteX7" y="connsiteY7"/>
+                </a:cxn>
+                <a:cxn ang="0">
+                  <a:pos x="connsiteX8" y="connsiteY8"/>
+                </a:cxn>
+              </a:cxnLst>
+              <a:rect l="l" t="t" r="r" b="b"/>
+              <a:pathLst>
+                <a:path w="388620" h="2927235">
+                  <a:moveTo>
+                    <a:pt x="194310" y="0"/>
+                  </a:moveTo>
+                  <a:cubicBezTo>
+                    <a:pt x="301624" y="0"/>
+                    <a:pt x="388620" y="86996"/>
+                    <a:pt x="388620" y="194310"/>
+                  </a:cubicBezTo>
+                  <a:lnTo>
+                    <a:pt x="388620" y="2927235"/>
+                  </a:lnTo>
+                  <a:lnTo>
+                    <a:pt x="379599" y="2898175"/>
+                  </a:lnTo>
+                  <a:cubicBezTo>
+                    <a:pt x="349072" y="2826000"/>
+                    <a:pt x="277605" y="2775357"/>
+                    <a:pt x="194310" y="2775357"/>
+                  </a:cubicBezTo>
+                  <a:cubicBezTo>
+                    <a:pt x="111015" y="2775357"/>
+                    <a:pt x="39548" y="2826000"/>
+                    <a:pt x="9021" y="2898175"/>
+                  </a:cubicBezTo>
+                  <a:lnTo>
+                    <a:pt x="0" y="2927235"/>
+                  </a:lnTo>
+                  <a:lnTo>
+                    <a:pt x="0" y="194310"/>
+                  </a:lnTo>
+                  <a:cubicBezTo>
+                    <a:pt x="0" y="86996"/>
+                    <a:pt x="86996" y="0"/>
+                    <a:pt x="194310" y="0"/>
+                  </a:cubicBezTo>
+                  <a:close/>
+                </a:path>
+              </a:pathLst>
+            </a:custGeom>
+            <a:gradFill flip="none" rotWithShape="1">
+              <a:gsLst>
+                <a:gs pos="0">
+                  <a:schemeClr val="bg1">
+                    <a:shade val="67500"/>
+                    <a:satMod val="115000"/>
+                  </a:schemeClr>
+                </a:gs>
+                <a:gs pos="100000">
+                  <a:schemeClr val="bg1">
+                    <a:shade val="100000"/>
+                    <a:satMod val="115000"/>
+                  </a:schemeClr>
+                </a:gs>
+              </a:gsLst>
+              <a:lin ang="10800000" scaled="1"/>
+              <a:tileRect/>
+            </a:gradFill>
+            <a:ln>
+              <a:noFill/>
+            </a:ln>
+            <a:effectLst>
+              <a:outerShdw blurRad="88900" dist="139700" dir="5400000" sx="98000" sy="98000" algn="t" rotWithShape="0">
+                <a:prstClr val="black">
+                  <a:alpha val="40000"/>
+                </a:prstClr>
+              </a:outerShdw>
+            </a:effectLst>
+          </p:spPr>
+          <p:style>
+            <a:lnRef idx="2">
+              <a:schemeClr val="accent1">
+                <a:shade val="50000"/>
+              </a:schemeClr>
+            </a:lnRef>
+            <a:fillRef idx="1">
+              <a:schemeClr val="accent1"/>
+            </a:fillRef>
+            <a:effectRef idx="0">
+              <a:schemeClr val="accent1"/>
+            </a:effectRef>
+            <a:fontRef idx="minor">
+              <a:schemeClr val="lt1"/>
+            </a:fontRef>
+          </p:style>
+          <p:txBody>
+            <a:bodyPr rtlCol="0" anchor="ctr"/>
+            <a:lstStyle/>
+            <a:p>
+              <a:pPr algn="ctr"/>
+              <a:endParaRPr lang="ko-KR" altLang="en-US" sz="2400">
+                <a:latin typeface="나눔고딕" panose="020D0604000000000000" pitchFamily="50" charset="-127"/>
+                <a:ea typeface="나눔고딕" panose="020D0604000000000000" pitchFamily="50" charset="-127"/>
+              </a:endParaRPr>
+            </a:p>
+          </p:txBody>
+        </p:sp>
+      </p:grpSp>
+      <p:graphicFrame>
+        <p:nvGraphicFramePr>
+          <p:cNvPr id="4" name="표 3"/>
+          <p:cNvGraphicFramePr>
+            <a:graphicFrameLocks noGrp="1"/>
+          </p:cNvGraphicFramePr>
+          <p:nvPr>
+            <p:extLst/>
+          </p:nvPr>
+        </p:nvGraphicFramePr>
+        <p:xfrm>
+          <a:off x="9168341" y="1433634"/>
+          <a:ext cx="2688299" cy="915066"/>
+        </p:xfrm>
+        <a:graphic>
+          <a:graphicData uri="http://schemas.openxmlformats.org/drawingml/2006/table">
+            <a:tbl>
+              <a:tblPr firstRow="1" bandRow="1"/>
+              <a:tblGrid>
+                <a:gridCol w="2688299"/>
+              </a:tblGrid>
+              <a:tr h="424495">
+                <a:tc>
+                  <a:txBody>
+                    <a:bodyPr/>
+                    <a:lstStyle/>
+                    <a:p>
+                      <a:pPr algn="ctr" latinLnBrk="1"/>
+                      <a:r>
+                        <a:rPr lang="ko-KR" altLang="en-US" sz="1200" b="1" dirty="0" smtClean="0">
+                          <a:solidFill>
+                            <a:schemeClr val="tx1"/>
+                          </a:solidFill>
+                          <a:latin typeface="나눔바른고딕" panose="020B0603020101020101" pitchFamily="50" charset="-127"/>
+                          <a:ea typeface="나눔바른고딕" panose="020B0603020101020101" pitchFamily="50" charset="-127"/>
+                        </a:rPr>
+                        <a:t>화면코드</a:t>
+                      </a:r>
+                      <a:endParaRPr lang="ko-KR" altLang="en-US" sz="1200" b="1" dirty="0">
+                        <a:solidFill>
+                          <a:schemeClr val="tx1"/>
+                        </a:solidFill>
+                        <a:latin typeface="나눔바른고딕" panose="020B0603020101020101" pitchFamily="50" charset="-127"/>
+                        <a:ea typeface="나눔바른고딕" panose="020B0603020101020101" pitchFamily="50" charset="-127"/>
+                      </a:endParaRPr>
+                    </a:p>
+                  </a:txBody>
+                  <a:tcPr marL="121920" marR="121920" marT="60960" marB="60960" anchor="ctr">
+                    <a:solidFill>
+                      <a:srgbClr val="FF9E00"/>
+                    </a:solidFill>
+                  </a:tcPr>
+                </a:tc>
+              </a:tr>
+              <a:tr h="490571">
+                <a:tc>
+                  <a:txBody>
+                    <a:bodyPr/>
+                    <a:lstStyle/>
+                    <a:p>
+                      <a:pPr algn="ctr" latinLnBrk="1"/>
+                      <a:r>
+                        <a:rPr lang="en-US" altLang="ko-KR" sz="1500" smtClean="0">
+                          <a:latin typeface="나눔바른고딕" panose="020B0603020101020101" pitchFamily="50" charset="-127"/>
+                          <a:ea typeface="나눔바른고딕" panose="020B0603020101020101" pitchFamily="50" charset="-127"/>
+                        </a:rPr>
+                        <a:t>Kb_w_user_StoreList</a:t>
+                      </a:r>
+                      <a:endParaRPr lang="ko-KR" altLang="en-US" sz="1500" dirty="0">
+                        <a:latin typeface="나눔바른고딕" panose="020B0603020101020101" pitchFamily="50" charset="-127"/>
+                        <a:ea typeface="나눔바른고딕" panose="020B0603020101020101" pitchFamily="50" charset="-127"/>
+                      </a:endParaRPr>
+                    </a:p>
+                  </a:txBody>
+                  <a:tcPr marL="121920" marR="121920" marT="60960" marB="60960" anchor="ctr"/>
+                </a:tc>
+              </a:tr>
+            </a:tbl>
+          </a:graphicData>
+        </a:graphic>
+      </p:graphicFrame>
+      <p:sp>
+        <p:nvSpPr>
+          <p:cNvPr id="19" name="직사각형 18"/>
+          <p:cNvSpPr/>
+          <p:nvPr/>
+        </p:nvSpPr>
+        <p:spPr>
+          <a:xfrm>
+            <a:off x="1081171" y="1433634"/>
+            <a:ext cx="7895148" cy="4875687"/>
+          </a:xfrm>
+          <a:prstGeom prst="rect">
+            <a:avLst/>
+          </a:prstGeom>
+          <a:noFill/>
+          <a:ln w="9525">
+            <a:solidFill>
+              <a:schemeClr val="tx1"/>
+            </a:solidFill>
+          </a:ln>
+        </p:spPr>
+        <p:style>
+          <a:lnRef idx="2">
+            <a:schemeClr val="accent1">
+              <a:shade val="50000"/>
+            </a:schemeClr>
+          </a:lnRef>
+          <a:fillRef idx="1">
+            <a:schemeClr val="accent1"/>
+          </a:fillRef>
+          <a:effectRef idx="0">
+            <a:schemeClr val="accent1"/>
+          </a:effectRef>
+          <a:fontRef idx="minor">
+            <a:schemeClr val="lt1"/>
+          </a:fontRef>
+        </p:style>
+        <p:txBody>
+          <a:bodyPr rtlCol="0" anchor="ctr"/>
+          <a:lstStyle/>
+          <a:p>
+            <a:pPr algn="ctr"/>
+            <a:endParaRPr lang="ko-KR" altLang="en-US" sz="2400">
+              <a:noFill/>
+              <a:latin typeface="나눔고딕" panose="020D0604000000000000" pitchFamily="50" charset="-127"/>
+              <a:ea typeface="나눔고딕" panose="020D0604000000000000" pitchFamily="50" charset="-127"/>
+            </a:endParaRPr>
+          </a:p>
+        </p:txBody>
+      </p:sp>
+      <p:graphicFrame>
+        <p:nvGraphicFramePr>
+          <p:cNvPr id="6" name="표 5"/>
+          <p:cNvGraphicFramePr>
+            <a:graphicFrameLocks noGrp="1"/>
+          </p:cNvGraphicFramePr>
+          <p:nvPr>
+            <p:extLst/>
+          </p:nvPr>
+        </p:nvGraphicFramePr>
+        <p:xfrm>
+          <a:off x="9168341" y="2479152"/>
+          <a:ext cx="2688299" cy="3570331"/>
+        </p:xfrm>
+        <a:graphic>
+          <a:graphicData uri="http://schemas.openxmlformats.org/drawingml/2006/table">
+            <a:tbl>
+              <a:tblPr firstRow="1" bandRow="1"/>
+              <a:tblGrid>
+                <a:gridCol w="280507"/>
+                <a:gridCol w="2407792"/>
+              </a:tblGrid>
+              <a:tr h="469796">
+                <a:tc>
+                  <a:txBody>
+                    <a:bodyPr/>
+                    <a:lstStyle/>
+                    <a:p>
+                      <a:pPr algn="ctr" latinLnBrk="0"/>
+                      <a:r>
+                        <a:rPr lang="en-US" altLang="ko-KR" sz="1200" b="1" dirty="0" smtClean="0">
+                          <a:latin typeface="나눔바른고딕" panose="020B0603020101020101" pitchFamily="50" charset="-127"/>
+                          <a:ea typeface="나눔바른고딕" panose="020B0603020101020101" pitchFamily="50" charset="-127"/>
+                        </a:rPr>
+                        <a:t>#</a:t>
+                      </a:r>
+                      <a:endParaRPr lang="ko-KR" altLang="en-US" sz="1200" b="1" dirty="0">
+                        <a:latin typeface="나눔바른고딕" panose="020B0603020101020101" pitchFamily="50" charset="-127"/>
+                        <a:ea typeface="나눔바른고딕" panose="020B0603020101020101" pitchFamily="50" charset="-127"/>
+                      </a:endParaRPr>
+                    </a:p>
+                  </a:txBody>
+                  <a:tcPr marL="121920" marR="121920" marT="60960" marB="60960" anchor="ctr">
+                    <a:solidFill>
+                      <a:srgbClr val="FF9E00"/>
+                    </a:solidFill>
+                  </a:tcPr>
+                </a:tc>
+                <a:tc>
+                  <a:txBody>
+                    <a:bodyPr/>
+                    <a:lstStyle/>
+                    <a:p>
+                      <a:pPr algn="ctr" latinLnBrk="0"/>
+                      <a:r>
+                        <a:rPr lang="ko-KR" altLang="en-US" sz="1200" b="1" dirty="0" smtClean="0">
+                          <a:latin typeface="나눔바른고딕" panose="020B0603020101020101" pitchFamily="50" charset="-127"/>
+                          <a:ea typeface="나눔바른고딕" panose="020B0603020101020101" pitchFamily="50" charset="-127"/>
+                        </a:rPr>
+                        <a:t>기능</a:t>
+                      </a:r>
+                      <a:endParaRPr lang="ko-KR" altLang="en-US" sz="1200" b="1" dirty="0">
+                        <a:latin typeface="나눔바른고딕" panose="020B0603020101020101" pitchFamily="50" charset="-127"/>
+                        <a:ea typeface="나눔바른고딕" panose="020B0603020101020101" pitchFamily="50" charset="-127"/>
+                      </a:endParaRPr>
+                    </a:p>
+                  </a:txBody>
+                  <a:tcPr marL="121920" marR="121920" marT="60960" marB="60960" anchor="ctr">
+                    <a:solidFill>
+                      <a:srgbClr val="FF9E00"/>
+                    </a:solidFill>
+                  </a:tcPr>
+                </a:tc>
+              </a:tr>
+              <a:tr h="620107">
+                <a:tc>
+                  <a:txBody>
+                    <a:bodyPr/>
+                    <a:lstStyle/>
+                    <a:p>
+                      <a:pPr algn="ctr" latinLnBrk="0"/>
+                      <a:r>
+                        <a:rPr lang="en-US" altLang="ko-KR" sz="1300" dirty="0" smtClean="0">
+                          <a:latin typeface="나눔바른고딕" panose="020B0603020101020101" pitchFamily="50" charset="-127"/>
+                          <a:ea typeface="나눔바른고딕" panose="020B0603020101020101" pitchFamily="50" charset="-127"/>
+                        </a:rPr>
+                        <a:t>1</a:t>
+                      </a:r>
+                      <a:endParaRPr lang="ko-KR" altLang="en-US" sz="1300" dirty="0">
+                        <a:latin typeface="나눔바른고딕" panose="020B0603020101020101" pitchFamily="50" charset="-127"/>
+                        <a:ea typeface="나눔바른고딕" panose="020B0603020101020101" pitchFamily="50" charset="-127"/>
+                      </a:endParaRPr>
+                    </a:p>
+                  </a:txBody>
+                  <a:tcPr marL="121920" marR="121920" marT="60960" marB="60960" anchor="ctr"/>
+                </a:tc>
+                <a:tc>
+                  <a:txBody>
+                    <a:bodyPr/>
+                    <a:lstStyle/>
+                    <a:p>
+                      <a:pPr algn="l" latinLnBrk="0">
+                        <a:lnSpc>
+                          <a:spcPts val="1300"/>
+                        </a:lnSpc>
+                      </a:pPr>
+                      <a:r>
+                        <a:rPr lang="ko-KR" altLang="en-US" sz="1200" b="1" smtClean="0">
+                          <a:latin typeface="나눔바른고딕" panose="020B0603020101020101" pitchFamily="50" charset="-127"/>
+                          <a:ea typeface="나눔바른고딕" panose="020B0603020101020101" pitchFamily="50" charset="-127"/>
+                        </a:rPr>
+                        <a:t>카테고리</a:t>
+                      </a:r>
+                      <a:endParaRPr lang="en-US" altLang="ko-KR" sz="1200" b="1" smtClean="0">
+                        <a:latin typeface="나눔바른고딕" panose="020B0603020101020101" pitchFamily="50" charset="-127"/>
+                        <a:ea typeface="나눔바른고딕" panose="020B0603020101020101" pitchFamily="50" charset="-127"/>
+                      </a:endParaRPr>
+                    </a:p>
+                    <a:p>
+                      <a:pPr marL="171450" indent="-171450" algn="l" latinLnBrk="0">
+                        <a:lnSpc>
+                          <a:spcPts val="1300"/>
+                        </a:lnSpc>
+                        <a:buFontTx/>
+                        <a:buChar char="-"/>
+                      </a:pPr>
+                      <a:r>
+                        <a:rPr lang="ko-KR" altLang="en-US" sz="1200" b="1" smtClean="0">
+                          <a:latin typeface="나눔바른고딕" panose="020B0603020101020101" pitchFamily="50" charset="-127"/>
+                          <a:ea typeface="나눔바른고딕" panose="020B0603020101020101" pitchFamily="50" charset="-127"/>
+                        </a:rPr>
+                        <a:t>카테고리 별로</a:t>
+                      </a:r>
+                      <a:r>
+                        <a:rPr lang="ko-KR" altLang="en-US" sz="1200" b="1" baseline="0" smtClean="0">
+                          <a:latin typeface="나눔바른고딕" panose="020B0603020101020101" pitchFamily="50" charset="-127"/>
+                          <a:ea typeface="나눔바른고딕" panose="020B0603020101020101" pitchFamily="50" charset="-127"/>
+                        </a:rPr>
+                        <a:t> 상품 목록을 보여줌</a:t>
+                      </a:r>
+                      <a:endParaRPr lang="ko-KR" altLang="en-US" sz="1200" dirty="0">
+                        <a:latin typeface="나눔바른고딕" panose="020B0603020101020101" pitchFamily="50" charset="-127"/>
+                        <a:ea typeface="나눔바른고딕" panose="020B0603020101020101" pitchFamily="50" charset="-127"/>
+                      </a:endParaRPr>
+                    </a:p>
+                  </a:txBody>
+                  <a:tcPr marL="121920" marR="121920" marT="60960" marB="60960"/>
+                </a:tc>
+              </a:tr>
+              <a:tr h="620107">
+                <a:tc>
+                  <a:txBody>
+                    <a:bodyPr/>
+                    <a:lstStyle/>
+                    <a:p>
+                      <a:pPr algn="ctr" latinLnBrk="0"/>
+                      <a:r>
+                        <a:rPr lang="en-US" altLang="ko-KR" sz="1300" dirty="0" smtClean="0">
+                          <a:latin typeface="나눔바른고딕" panose="020B0603020101020101" pitchFamily="50" charset="-127"/>
+                          <a:ea typeface="나눔바른고딕" panose="020B0603020101020101" pitchFamily="50" charset="-127"/>
+                        </a:rPr>
+                        <a:t>2</a:t>
+                      </a:r>
+                      <a:endParaRPr lang="ko-KR" altLang="en-US" sz="1300" dirty="0">
+                        <a:latin typeface="나눔바른고딕" panose="020B0603020101020101" pitchFamily="50" charset="-127"/>
+                        <a:ea typeface="나눔바른고딕" panose="020B0603020101020101" pitchFamily="50" charset="-127"/>
+                      </a:endParaRPr>
+                    </a:p>
+                  </a:txBody>
+                  <a:tcPr marL="121920" marR="121920" marT="60960" marB="60960" anchor="ctr"/>
+                </a:tc>
+                <a:tc>
+                  <a:txBody>
+                    <a:bodyPr/>
+                    <a:lstStyle/>
+                    <a:p>
+                      <a:pPr algn="l" latinLnBrk="0">
+                        <a:lnSpc>
+                          <a:spcPts val="1300"/>
+                        </a:lnSpc>
+                      </a:pPr>
+                      <a:r>
+                        <a:rPr lang="ko-KR" altLang="en-US" sz="1200" b="0" i="0" u="none" strike="noStrike" cap="none" smtClean="0">
+                          <a:solidFill>
+                            <a:srgbClr val="000000"/>
+                          </a:solidFill>
+                          <a:latin typeface="나눔바른고딕" panose="020B0603020101020101" pitchFamily="50" charset="-127"/>
+                          <a:ea typeface="나눔바른고딕" panose="020B0603020101020101" pitchFamily="50" charset="-127"/>
+                          <a:cs typeface="Arial"/>
+                          <a:sym typeface="Arial"/>
+                        </a:rPr>
+                        <a:t>검색</a:t>
+                      </a:r>
+                      <a:endParaRPr lang="en-US" altLang="ko-KR" sz="1200" b="0" i="0" u="none" strike="noStrike" cap="none" smtClean="0">
+                        <a:solidFill>
+                          <a:srgbClr val="000000"/>
+                        </a:solidFill>
+                        <a:latin typeface="나눔바른고딕" panose="020B0603020101020101" pitchFamily="50" charset="-127"/>
+                        <a:ea typeface="나눔바른고딕" panose="020B0603020101020101" pitchFamily="50" charset="-127"/>
+                        <a:cs typeface="Arial"/>
+                        <a:sym typeface="Arial"/>
+                      </a:endParaRPr>
+                    </a:p>
+                    <a:p>
+                      <a:pPr algn="l" latinLnBrk="0">
+                        <a:lnSpc>
+                          <a:spcPts val="1300"/>
+                        </a:lnSpc>
+                      </a:pPr>
+                      <a:r>
+                        <a:rPr lang="ko-KR" altLang="en-US" sz="1200" b="0" i="0" u="none" strike="noStrike" cap="none" smtClean="0">
+                          <a:solidFill>
+                            <a:srgbClr val="000000"/>
+                          </a:solidFill>
+                          <a:latin typeface="나눔바른고딕" panose="020B0603020101020101" pitchFamily="50" charset="-127"/>
+                          <a:ea typeface="나눔바른고딕" panose="020B0603020101020101" pitchFamily="50" charset="-127"/>
+                          <a:cs typeface="Arial"/>
+                          <a:sym typeface="Arial"/>
+                        </a:rPr>
+                        <a:t>해당 키워드</a:t>
+                      </a:r>
+                      <a:r>
+                        <a:rPr lang="ko-KR" altLang="en-US" sz="1200" b="0" i="0" u="none" strike="noStrike" cap="none" baseline="0" smtClean="0">
+                          <a:solidFill>
+                            <a:srgbClr val="000000"/>
+                          </a:solidFill>
+                          <a:latin typeface="나눔바른고딕" panose="020B0603020101020101" pitchFamily="50" charset="-127"/>
+                          <a:ea typeface="나눔바른고딕" panose="020B0603020101020101" pitchFamily="50" charset="-127"/>
+                          <a:cs typeface="Arial"/>
+                          <a:sym typeface="Arial"/>
+                        </a:rPr>
+                        <a:t>를 검색할 수 있음</a:t>
+                      </a:r>
+                      <a:endParaRPr lang="ko-KR" altLang="en-US" sz="1200" b="0" i="0" u="none" strike="noStrike" cap="none" dirty="0" smtClean="0">
+                        <a:solidFill>
+                          <a:srgbClr val="000000"/>
+                        </a:solidFill>
+                        <a:latin typeface="나눔바른고딕" panose="020B0603020101020101" pitchFamily="50" charset="-127"/>
+                        <a:ea typeface="나눔바른고딕" panose="020B0603020101020101" pitchFamily="50" charset="-127"/>
+                        <a:cs typeface="Arial"/>
+                        <a:sym typeface="Arial"/>
+                      </a:endParaRPr>
+                    </a:p>
+                  </a:txBody>
+                  <a:tcPr marL="121920" marR="121920" marT="60960" marB="60960"/>
+                </a:tc>
+              </a:tr>
+              <a:tr h="620107">
+                <a:tc>
+                  <a:txBody>
+                    <a:bodyPr/>
+                    <a:lstStyle/>
+                    <a:p>
+                      <a:pPr algn="ctr" latinLnBrk="0"/>
+                      <a:r>
+                        <a:rPr lang="en-US" altLang="ko-KR" sz="1300" smtClean="0">
+                          <a:latin typeface="나눔바른고딕" panose="020B0603020101020101" pitchFamily="50" charset="-127"/>
+                          <a:ea typeface="나눔바른고딕" panose="020B0603020101020101" pitchFamily="50" charset="-127"/>
+                        </a:rPr>
+                        <a:t>3</a:t>
+                      </a:r>
+                      <a:endParaRPr lang="ko-KR" altLang="en-US" sz="1300" dirty="0">
+                        <a:latin typeface="나눔바른고딕" panose="020B0603020101020101" pitchFamily="50" charset="-127"/>
+                        <a:ea typeface="나눔바른고딕" panose="020B0603020101020101" pitchFamily="50" charset="-127"/>
+                      </a:endParaRPr>
+                    </a:p>
+                  </a:txBody>
+                  <a:tcPr marL="121920" marR="121920" marT="60960" marB="60960" anchor="ctr"/>
+                </a:tc>
+                <a:tc>
+                  <a:txBody>
+                    <a:bodyPr/>
+                    <a:lstStyle/>
+                    <a:p>
+                      <a:pPr algn="l" latinLnBrk="0">
+                        <a:lnSpc>
+                          <a:spcPts val="1300"/>
+                        </a:lnSpc>
+                      </a:pPr>
+                      <a:r>
+                        <a:rPr lang="ko-KR" altLang="en-US" sz="1200" smtClean="0">
+                          <a:latin typeface="나눔바른고딕" panose="020B0603020101020101" pitchFamily="50" charset="-127"/>
+                          <a:ea typeface="나눔바른고딕" panose="020B0603020101020101" pitchFamily="50" charset="-127"/>
+                        </a:rPr>
+                        <a:t>해당 상품 클릭하면 </a:t>
+                      </a:r>
+                      <a:endParaRPr lang="en-US" altLang="ko-KR" sz="1200" smtClean="0">
+                        <a:latin typeface="나눔바른고딕" panose="020B0603020101020101" pitchFamily="50" charset="-127"/>
+                        <a:ea typeface="나눔바른고딕" panose="020B0603020101020101" pitchFamily="50" charset="-127"/>
+                      </a:endParaRPr>
+                    </a:p>
+                    <a:p>
+                      <a:pPr algn="l" latinLnBrk="0">
+                        <a:lnSpc>
+                          <a:spcPts val="1300"/>
+                        </a:lnSpc>
+                      </a:pPr>
+                      <a:r>
+                        <a:rPr lang="ko-KR" altLang="en-US" sz="1200" smtClean="0">
+                          <a:latin typeface="나눔바른고딕" panose="020B0603020101020101" pitchFamily="50" charset="-127"/>
+                          <a:ea typeface="나눔바른고딕" panose="020B0603020101020101" pitchFamily="50" charset="-127"/>
+                        </a:rPr>
+                        <a:t>상세 페이지로 이동</a:t>
+                      </a:r>
+                      <a:endParaRPr lang="ko-KR" altLang="en-US" sz="1200" dirty="0">
+                        <a:latin typeface="나눔바른고딕" panose="020B0603020101020101" pitchFamily="50" charset="-127"/>
+                        <a:ea typeface="나눔바른고딕" panose="020B0603020101020101" pitchFamily="50" charset="-127"/>
+                      </a:endParaRPr>
+                    </a:p>
+                  </a:txBody>
+                  <a:tcPr marL="121920" marR="121920" marT="60960" marB="60960"/>
+                </a:tc>
+              </a:tr>
+              <a:tr h="620107">
+                <a:tc>
+                  <a:txBody>
+                    <a:bodyPr/>
+                    <a:lstStyle/>
+                    <a:p>
+                      <a:pPr algn="ctr" latinLnBrk="0"/>
+                      <a:r>
+                        <a:rPr lang="en-US" altLang="ko-KR" sz="1300" dirty="0" smtClean="0">
+                          <a:latin typeface="나눔바른고딕" panose="020B0603020101020101" pitchFamily="50" charset="-127"/>
+                          <a:ea typeface="나눔바른고딕" panose="020B0603020101020101" pitchFamily="50" charset="-127"/>
+                        </a:rPr>
+                        <a:t>4</a:t>
+                      </a:r>
+                      <a:endParaRPr lang="ko-KR" altLang="en-US" sz="1300" dirty="0">
+                        <a:latin typeface="나눔바른고딕" panose="020B0603020101020101" pitchFamily="50" charset="-127"/>
+                        <a:ea typeface="나눔바른고딕" panose="020B0603020101020101" pitchFamily="50" charset="-127"/>
+                      </a:endParaRPr>
+                    </a:p>
+                  </a:txBody>
+                  <a:tcPr marL="121920" marR="121920" marT="60960" marB="60960" anchor="ctr"/>
+                </a:tc>
+                <a:tc>
+                  <a:txBody>
+                    <a:bodyPr/>
+                    <a:lstStyle/>
+                    <a:p>
+                      <a:pPr algn="l" latinLnBrk="0">
+                        <a:lnSpc>
+                          <a:spcPts val="1300"/>
+                        </a:lnSpc>
+                      </a:pPr>
+                      <a:endParaRPr lang="ko-KR" altLang="en-US" sz="1200" dirty="0">
+                        <a:latin typeface="나눔바른고딕" panose="020B0603020101020101" pitchFamily="50" charset="-127"/>
+                        <a:ea typeface="나눔바른고딕" panose="020B0603020101020101" pitchFamily="50" charset="-127"/>
+                      </a:endParaRPr>
+                    </a:p>
+                  </a:txBody>
+                  <a:tcPr marL="121920" marR="121920" marT="60960" marB="60960"/>
+                </a:tc>
+              </a:tr>
+              <a:tr h="620107">
+                <a:tc>
+                  <a:txBody>
+                    <a:bodyPr/>
+                    <a:lstStyle/>
+                    <a:p>
+                      <a:pPr algn="ctr" latinLnBrk="0"/>
+                      <a:r>
+                        <a:rPr lang="en-US" altLang="ko-KR" sz="1300" dirty="0" smtClean="0">
+                          <a:latin typeface="나눔바른고딕" panose="020B0603020101020101" pitchFamily="50" charset="-127"/>
+                          <a:ea typeface="나눔바른고딕" panose="020B0603020101020101" pitchFamily="50" charset="-127"/>
+                        </a:rPr>
+                        <a:t>5</a:t>
+                      </a:r>
+                      <a:endParaRPr lang="ko-KR" altLang="en-US" sz="1300" dirty="0">
+                        <a:latin typeface="나눔바른고딕" panose="020B0603020101020101" pitchFamily="50" charset="-127"/>
+                        <a:ea typeface="나눔바른고딕" panose="020B0603020101020101" pitchFamily="50" charset="-127"/>
+                      </a:endParaRPr>
+                    </a:p>
+                  </a:txBody>
+                  <a:tcPr marL="121920" marR="121920" marT="60960" marB="60960" anchor="ctr"/>
+                </a:tc>
+                <a:tc>
+                  <a:txBody>
+                    <a:bodyPr/>
+                    <a:lstStyle/>
+                    <a:p>
+                      <a:pPr algn="l" latinLnBrk="0">
+                        <a:lnSpc>
+                          <a:spcPts val="1300"/>
+                        </a:lnSpc>
+                      </a:pPr>
+                      <a:endParaRPr lang="ko-KR" altLang="en-US" sz="1200" dirty="0">
+                        <a:latin typeface="나눔바른고딕" panose="020B0603020101020101" pitchFamily="50" charset="-127"/>
+                        <a:ea typeface="나눔바른고딕" panose="020B0603020101020101" pitchFamily="50" charset="-127"/>
+                      </a:endParaRPr>
+                    </a:p>
+                  </a:txBody>
+                  <a:tcPr marL="121920" marR="121920" marT="60960" marB="60960"/>
+                </a:tc>
+              </a:tr>
+            </a:tbl>
+          </a:graphicData>
+        </a:graphic>
+      </p:graphicFrame>
+      <p:sp>
+        <p:nvSpPr>
+          <p:cNvPr id="8" name="직사각형 7"/>
+          <p:cNvSpPr/>
+          <p:nvPr/>
+        </p:nvSpPr>
+        <p:spPr>
+          <a:xfrm>
+            <a:off x="1168231" y="1614616"/>
+            <a:ext cx="7324980" cy="593125"/>
+          </a:xfrm>
+          <a:prstGeom prst="rect">
+            <a:avLst/>
+          </a:prstGeom>
+          <a:noFill/>
+          <a:ln>
+            <a:solidFill>
+              <a:schemeClr val="tx1"/>
+            </a:solidFill>
+          </a:ln>
+        </p:spPr>
+        <p:style>
+          <a:lnRef idx="2">
+            <a:schemeClr val="accent1">
+              <a:shade val="50000"/>
+            </a:schemeClr>
+          </a:lnRef>
+          <a:fillRef idx="1">
+            <a:schemeClr val="accent1"/>
+          </a:fillRef>
+          <a:effectRef idx="0">
+            <a:schemeClr val="accent1"/>
+          </a:effectRef>
+          <a:fontRef idx="minor">
+            <a:schemeClr val="lt1"/>
+          </a:fontRef>
+        </p:style>
+        <p:txBody>
+          <a:bodyPr rtlCol="0" anchor="ctr"/>
+          <a:lstStyle/>
+          <a:p>
+            <a:pPr algn="ctr"/>
+            <a:r>
+              <a:rPr lang="ko-KR" altLang="en-US" smtClean="0">
+                <a:solidFill>
+                  <a:schemeClr val="tx1"/>
+                </a:solidFill>
+                <a:latin typeface="나눔고딕" panose="020D0604000000000000" pitchFamily="50" charset="-127"/>
+                <a:ea typeface="나눔고딕" panose="020D0604000000000000" pitchFamily="50" charset="-127"/>
+              </a:rPr>
+              <a:t>카테고리</a:t>
+            </a:r>
+            <a:endParaRPr lang="ko-KR" altLang="en-US">
+              <a:solidFill>
+                <a:schemeClr val="tx1"/>
+              </a:solidFill>
+              <a:latin typeface="나눔고딕" panose="020D0604000000000000" pitchFamily="50" charset="-127"/>
+              <a:ea typeface="나눔고딕" panose="020D0604000000000000" pitchFamily="50" charset="-127"/>
+            </a:endParaRPr>
+          </a:p>
+        </p:txBody>
+      </p:sp>
+      <p:sp>
+        <p:nvSpPr>
+          <p:cNvPr id="9" name="직사각형 8"/>
+          <p:cNvSpPr/>
+          <p:nvPr/>
+        </p:nvSpPr>
+        <p:spPr>
+          <a:xfrm>
+            <a:off x="1168231" y="2348700"/>
+            <a:ext cx="7324980" cy="599773"/>
+          </a:xfrm>
+          <a:prstGeom prst="rect">
+            <a:avLst/>
+          </a:prstGeom>
+          <a:noFill/>
+          <a:ln>
+            <a:solidFill>
+              <a:schemeClr val="tx1"/>
+            </a:solidFill>
+          </a:ln>
+        </p:spPr>
+        <p:style>
+          <a:lnRef idx="2">
+            <a:schemeClr val="accent1">
+              <a:shade val="50000"/>
+            </a:schemeClr>
+          </a:lnRef>
+          <a:fillRef idx="1">
+            <a:schemeClr val="accent1"/>
+          </a:fillRef>
+          <a:effectRef idx="0">
+            <a:schemeClr val="accent1"/>
+          </a:effectRef>
+          <a:fontRef idx="minor">
+            <a:schemeClr val="lt1"/>
+          </a:fontRef>
+        </p:style>
+        <p:txBody>
+          <a:bodyPr rtlCol="0" anchor="ctr"/>
+          <a:lstStyle/>
+          <a:p>
+            <a:pPr algn="ctr"/>
+            <a:r>
+              <a:rPr lang="ko-KR" altLang="en-US" smtClean="0">
+                <a:solidFill>
+                  <a:schemeClr val="tx1"/>
+                </a:solidFill>
+                <a:latin typeface="나눔고딕" panose="020D0604000000000000" pitchFamily="50" charset="-127"/>
+                <a:ea typeface="나눔고딕" panose="020D0604000000000000" pitchFamily="50" charset="-127"/>
+              </a:rPr>
+              <a:t>검색창</a:t>
+            </a:r>
+            <a:endParaRPr lang="ko-KR" altLang="en-US">
+              <a:solidFill>
+                <a:schemeClr val="tx1"/>
+              </a:solidFill>
+              <a:latin typeface="나눔고딕" panose="020D0604000000000000" pitchFamily="50" charset="-127"/>
+              <a:ea typeface="나눔고딕" panose="020D0604000000000000" pitchFamily="50" charset="-127"/>
+            </a:endParaRPr>
+          </a:p>
+        </p:txBody>
+      </p:sp>
+      <p:sp>
+        <p:nvSpPr>
+          <p:cNvPr id="10" name="직사각형 9"/>
+          <p:cNvSpPr/>
+          <p:nvPr/>
+        </p:nvSpPr>
+        <p:spPr>
+          <a:xfrm>
+            <a:off x="1168231" y="3133535"/>
+            <a:ext cx="7324980" cy="2407298"/>
+          </a:xfrm>
+          <a:prstGeom prst="rect">
+            <a:avLst/>
+          </a:prstGeom>
+          <a:noFill/>
+          <a:ln>
+            <a:solidFill>
+              <a:schemeClr val="tx1"/>
+            </a:solidFill>
+          </a:ln>
+        </p:spPr>
+        <p:style>
+          <a:lnRef idx="2">
+            <a:schemeClr val="accent1">
+              <a:shade val="50000"/>
+            </a:schemeClr>
+          </a:lnRef>
+          <a:fillRef idx="1">
+            <a:schemeClr val="accent1"/>
+          </a:fillRef>
+          <a:effectRef idx="0">
+            <a:schemeClr val="accent1"/>
+          </a:effectRef>
+          <a:fontRef idx="minor">
+            <a:schemeClr val="lt1"/>
+          </a:fontRef>
+        </p:style>
+        <p:txBody>
+          <a:bodyPr rtlCol="0" anchor="ctr"/>
+          <a:lstStyle/>
+          <a:p>
+            <a:pPr algn="ctr"/>
+            <a:r>
+              <a:rPr lang="ko-KR" altLang="en-US" smtClean="0">
+                <a:solidFill>
+                  <a:schemeClr val="tx1"/>
+                </a:solidFill>
+                <a:latin typeface="나눔고딕" panose="020D0604000000000000" pitchFamily="50" charset="-127"/>
+                <a:ea typeface="나눔고딕" panose="020D0604000000000000" pitchFamily="50" charset="-127"/>
+              </a:rPr>
+              <a:t>상품 목록</a:t>
+            </a:r>
+            <a:endParaRPr lang="ko-KR" altLang="en-US">
+              <a:solidFill>
+                <a:schemeClr val="tx1"/>
+              </a:solidFill>
+              <a:latin typeface="나눔고딕" panose="020D0604000000000000" pitchFamily="50" charset="-127"/>
+              <a:ea typeface="나눔고딕" panose="020D0604000000000000" pitchFamily="50" charset="-127"/>
+            </a:endParaRPr>
+          </a:p>
+        </p:txBody>
+      </p:sp>
+      <p:sp>
+        <p:nvSpPr>
+          <p:cNvPr id="22" name="직사각형 21"/>
+          <p:cNvSpPr/>
+          <p:nvPr/>
+        </p:nvSpPr>
+        <p:spPr>
+          <a:xfrm>
+            <a:off x="1867741" y="687649"/>
+            <a:ext cx="6592433" cy="484748"/>
+          </a:xfrm>
+          <a:prstGeom prst="rect">
+            <a:avLst/>
+          </a:prstGeom>
+        </p:spPr>
+        <p:txBody>
+          <a:bodyPr wrap="square" lIns="68580" tIns="34290" rIns="68580" bIns="34290">
+            <a:spAutoFit/>
+          </a:bodyPr>
+          <a:lstStyle/>
+          <a:p>
+            <a:pPr>
+              <a:lnSpc>
+                <a:spcPct val="150000"/>
+              </a:lnSpc>
+            </a:pPr>
+            <a:r>
+              <a:rPr lang="en-US" altLang="ko-KR" sz="1800" b="1" dirty="0">
+                <a:solidFill>
+                  <a:schemeClr val="tx1">
+                    <a:lumMod val="75000"/>
+                    <a:lumOff val="25000"/>
+                  </a:schemeClr>
+                </a:solidFill>
+                <a:latin typeface="나눔고딕" panose="020D0604000000000000" pitchFamily="50" charset="-127"/>
+                <a:ea typeface="나눔고딕" panose="020D0604000000000000" pitchFamily="50" charset="-127"/>
+              </a:rPr>
+              <a:t>[ </a:t>
+            </a:r>
+            <a:r>
+              <a:rPr lang="ko-KR" altLang="en-US" sz="1800" b="1" dirty="0">
+                <a:solidFill>
+                  <a:schemeClr val="tx1">
+                    <a:lumMod val="75000"/>
+                    <a:lumOff val="25000"/>
+                  </a:schemeClr>
+                </a:solidFill>
+                <a:latin typeface="나눔고딕" panose="020D0604000000000000" pitchFamily="50" charset="-127"/>
+                <a:ea typeface="나눔고딕" panose="020D0604000000000000" pitchFamily="50" charset="-127"/>
+              </a:rPr>
+              <a:t>화면설계 </a:t>
+            </a:r>
+            <a:r>
+              <a:rPr lang="en-US" altLang="ko-KR" sz="1800" b="1" dirty="0">
+                <a:solidFill>
+                  <a:schemeClr val="tx1">
+                    <a:lumMod val="75000"/>
+                    <a:lumOff val="25000"/>
+                  </a:schemeClr>
+                </a:solidFill>
+                <a:latin typeface="나눔고딕" panose="020D0604000000000000" pitchFamily="50" charset="-127"/>
+                <a:ea typeface="나눔고딕" panose="020D0604000000000000" pitchFamily="50" charset="-127"/>
+              </a:rPr>
+              <a:t>] </a:t>
+            </a:r>
+            <a:r>
+              <a:rPr lang="ko-KR" altLang="en-US" sz="1800" b="1" dirty="0" smtClean="0">
+                <a:solidFill>
+                  <a:schemeClr val="tx1">
+                    <a:lumMod val="75000"/>
+                    <a:lumOff val="25000"/>
+                  </a:schemeClr>
+                </a:solidFill>
+                <a:latin typeface="나눔고딕" panose="020D0604000000000000" pitchFamily="50" charset="-127"/>
+                <a:ea typeface="나눔고딕" panose="020D0604000000000000" pitchFamily="50" charset="-127"/>
+              </a:rPr>
+              <a:t>상품목록 </a:t>
+            </a:r>
+            <a:r>
+              <a:rPr lang="en-US" altLang="ko-KR" sz="1800" b="1" dirty="0" smtClean="0">
+                <a:solidFill>
+                  <a:schemeClr val="tx1">
+                    <a:lumMod val="75000"/>
+                    <a:lumOff val="25000"/>
+                  </a:schemeClr>
+                </a:solidFill>
+                <a:latin typeface="나눔고딕" panose="020D0604000000000000" pitchFamily="50" charset="-127"/>
+                <a:ea typeface="나눔고딕" panose="020D0604000000000000" pitchFamily="50" charset="-127"/>
+              </a:rPr>
+              <a:t>– </a:t>
+            </a:r>
+            <a:r>
+              <a:rPr lang="ko-KR" altLang="en-US" sz="1800" b="1" dirty="0" err="1">
+                <a:solidFill>
+                  <a:schemeClr val="tx1">
+                    <a:lumMod val="75000"/>
+                    <a:lumOff val="25000"/>
+                  </a:schemeClr>
+                </a:solidFill>
+                <a:latin typeface="나눔고딕" panose="020D0604000000000000" pitchFamily="50" charset="-127"/>
+                <a:ea typeface="나눔고딕" panose="020D0604000000000000" pitchFamily="50" charset="-127"/>
+              </a:rPr>
+              <a:t>리워드</a:t>
+            </a:r>
+            <a:r>
+              <a:rPr lang="ko-KR" altLang="en-US" sz="1800" b="1" dirty="0">
+                <a:solidFill>
+                  <a:schemeClr val="tx1">
+                    <a:lumMod val="75000"/>
+                    <a:lumOff val="25000"/>
+                  </a:schemeClr>
+                </a:solidFill>
+                <a:latin typeface="나눔고딕" panose="020D0604000000000000" pitchFamily="50" charset="-127"/>
+                <a:ea typeface="나눔고딕" panose="020D0604000000000000" pitchFamily="50" charset="-127"/>
+              </a:rPr>
+              <a:t> 스토어 </a:t>
+            </a:r>
+            <a:r>
+              <a:rPr lang="en-US" altLang="ko-KR" sz="1800" b="1" dirty="0">
+                <a:solidFill>
+                  <a:schemeClr val="tx1">
+                    <a:lumMod val="75000"/>
+                    <a:lumOff val="25000"/>
+                  </a:schemeClr>
+                </a:solidFill>
+                <a:latin typeface="나눔고딕" panose="020D0604000000000000" pitchFamily="50" charset="-127"/>
+                <a:ea typeface="나눔고딕" panose="020D0604000000000000" pitchFamily="50" charset="-127"/>
+              </a:rPr>
+              <a:t>- </a:t>
+            </a:r>
+            <a:r>
+              <a:rPr lang="ko-KR" altLang="en-US" sz="1800" b="1" dirty="0" smtClean="0">
+                <a:solidFill>
+                  <a:schemeClr val="tx1">
+                    <a:lumMod val="75000"/>
+                    <a:lumOff val="25000"/>
+                  </a:schemeClr>
+                </a:solidFill>
+                <a:latin typeface="나눔고딕" panose="020D0604000000000000" pitchFamily="50" charset="-127"/>
+                <a:ea typeface="나눔고딕" panose="020D0604000000000000" pitchFamily="50" charset="-127"/>
+              </a:rPr>
+              <a:t>사용</a:t>
+            </a:r>
+            <a:r>
+              <a:rPr lang="ko-KR" altLang="en-US" sz="1800" b="1" dirty="0">
+                <a:solidFill>
+                  <a:schemeClr val="tx1">
+                    <a:lumMod val="75000"/>
+                    <a:lumOff val="25000"/>
+                  </a:schemeClr>
+                </a:solidFill>
+                <a:latin typeface="나눔고딕" panose="020D0604000000000000" pitchFamily="50" charset="-127"/>
+                <a:ea typeface="나눔고딕" panose="020D0604000000000000" pitchFamily="50" charset="-127"/>
+              </a:rPr>
+              <a:t>자</a:t>
+            </a:r>
+          </a:p>
+        </p:txBody>
+      </p:sp>
+      <p:pic>
+        <p:nvPicPr>
+          <p:cNvPr id="23" name="그림 22"/>
+          <p:cNvPicPr>
+            <a:picLocks noChangeAspect="1"/>
+          </p:cNvPicPr>
+          <p:nvPr/>
+        </p:nvPicPr>
+        <p:blipFill>
+          <a:blip r:embed="rId2" cstate="print">
+            <a:extLst>
+              <a:ext uri="{28A0092B-C50C-407E-A947-70E740481C1C}">
+                <a14:useLocalDpi xmlns:a14="http://schemas.microsoft.com/office/drawing/2010/main" val="0"/>
+              </a:ext>
+            </a:extLst>
+          </a:blip>
+          <a:stretch>
+            <a:fillRect/>
+          </a:stretch>
+        </p:blipFill>
+        <p:spPr>
+          <a:xfrm>
+            <a:off x="1295063" y="687649"/>
+            <a:ext cx="500395" cy="500395"/>
+          </a:xfrm>
+          <a:prstGeom prst="rect">
+            <a:avLst/>
+          </a:prstGeom>
+        </p:spPr>
+      </p:pic>
+      <p:sp>
+        <p:nvSpPr>
+          <p:cNvPr id="17" name="직사각형 16"/>
+          <p:cNvSpPr/>
+          <p:nvPr/>
+        </p:nvSpPr>
+        <p:spPr>
+          <a:xfrm>
+            <a:off x="5566440" y="1787252"/>
+            <a:ext cx="260566" cy="217585"/>
+          </a:xfrm>
+          <a:prstGeom prst="rect">
+            <a:avLst/>
+          </a:prstGeom>
+          <a:solidFill>
+            <a:srgbClr val="FF9E00"/>
+          </a:solidFill>
+          <a:ln>
+            <a:noFill/>
+          </a:ln>
+        </p:spPr>
+        <p:style>
+          <a:lnRef idx="2">
+            <a:schemeClr val="accent1">
+              <a:shade val="50000"/>
+            </a:schemeClr>
+          </a:lnRef>
+          <a:fillRef idx="1">
+            <a:schemeClr val="accent1"/>
+          </a:fillRef>
+          <a:effectRef idx="0">
+            <a:schemeClr val="accent1"/>
+          </a:effectRef>
+          <a:fontRef idx="minor">
+            <a:schemeClr val="lt1"/>
+          </a:fontRef>
+        </p:style>
+        <p:txBody>
+          <a:bodyPr rtlCol="0" anchor="ctr"/>
+          <a:lstStyle/>
+          <a:p>
+            <a:pPr algn="ctr"/>
+            <a:r>
+              <a:rPr lang="en-US" altLang="ko-KR" sz="1100" b="1" dirty="0" smtClean="0">
+                <a:latin typeface="나눔바른고딕" panose="020B0603020101020101" pitchFamily="50" charset="-127"/>
+                <a:ea typeface="나눔바른고딕" panose="020B0603020101020101" pitchFamily="50" charset="-127"/>
+              </a:rPr>
+              <a:t>1</a:t>
+            </a:r>
+            <a:endParaRPr lang="ko-KR" altLang="en-US" sz="1100" b="1" dirty="0">
+              <a:latin typeface="나눔바른고딕" panose="020B0603020101020101" pitchFamily="50" charset="-127"/>
+              <a:ea typeface="나눔바른고딕" panose="020B0603020101020101" pitchFamily="50" charset="-127"/>
+            </a:endParaRPr>
+          </a:p>
+        </p:txBody>
+      </p:sp>
+      <p:sp>
+        <p:nvSpPr>
+          <p:cNvPr id="20" name="직사각형 19"/>
+          <p:cNvSpPr/>
+          <p:nvPr/>
+        </p:nvSpPr>
+        <p:spPr>
+          <a:xfrm>
+            <a:off x="5574678" y="2553371"/>
+            <a:ext cx="260566" cy="217585"/>
+          </a:xfrm>
+          <a:prstGeom prst="rect">
+            <a:avLst/>
+          </a:prstGeom>
+          <a:solidFill>
+            <a:srgbClr val="FF9E00"/>
+          </a:solidFill>
+          <a:ln>
+            <a:noFill/>
+          </a:ln>
+        </p:spPr>
+        <p:style>
+          <a:lnRef idx="2">
+            <a:schemeClr val="accent1">
+              <a:shade val="50000"/>
+            </a:schemeClr>
+          </a:lnRef>
+          <a:fillRef idx="1">
+            <a:schemeClr val="accent1"/>
+          </a:fillRef>
+          <a:effectRef idx="0">
+            <a:schemeClr val="accent1"/>
+          </a:effectRef>
+          <a:fontRef idx="minor">
+            <a:schemeClr val="lt1"/>
+          </a:fontRef>
+        </p:style>
+        <p:txBody>
+          <a:bodyPr rtlCol="0" anchor="ctr"/>
+          <a:lstStyle/>
+          <a:p>
+            <a:pPr algn="ctr"/>
+            <a:r>
+              <a:rPr lang="en-US" altLang="ko-KR" sz="1100" b="1" smtClean="0">
+                <a:latin typeface="나눔바른고딕" panose="020B0603020101020101" pitchFamily="50" charset="-127"/>
+                <a:ea typeface="나눔바른고딕" panose="020B0603020101020101" pitchFamily="50" charset="-127"/>
+              </a:rPr>
+              <a:t>2</a:t>
+            </a:r>
+            <a:endParaRPr lang="ko-KR" altLang="en-US" sz="1100" b="1" dirty="0">
+              <a:latin typeface="나눔바른고딕" panose="020B0603020101020101" pitchFamily="50" charset="-127"/>
+              <a:ea typeface="나눔바른고딕" panose="020B0603020101020101" pitchFamily="50" charset="-127"/>
+            </a:endParaRPr>
+          </a:p>
+        </p:txBody>
+      </p:sp>
+      <p:sp>
+        <p:nvSpPr>
+          <p:cNvPr id="21" name="직사각형 20"/>
+          <p:cNvSpPr/>
+          <p:nvPr/>
+        </p:nvSpPr>
+        <p:spPr>
+          <a:xfrm>
+            <a:off x="5459349" y="4242128"/>
+            <a:ext cx="260566" cy="217585"/>
+          </a:xfrm>
+          <a:prstGeom prst="rect">
+            <a:avLst/>
+          </a:prstGeom>
+          <a:solidFill>
+            <a:srgbClr val="FF9E00"/>
+          </a:solidFill>
+          <a:ln>
+            <a:noFill/>
+          </a:ln>
+        </p:spPr>
+        <p:style>
+          <a:lnRef idx="2">
+            <a:schemeClr val="accent1">
+              <a:shade val="50000"/>
+            </a:schemeClr>
+          </a:lnRef>
+          <a:fillRef idx="1">
+            <a:schemeClr val="accent1"/>
+          </a:fillRef>
+          <a:effectRef idx="0">
+            <a:schemeClr val="accent1"/>
+          </a:effectRef>
+          <a:fontRef idx="minor">
+            <a:schemeClr val="lt1"/>
+          </a:fontRef>
+        </p:style>
+        <p:txBody>
+          <a:bodyPr rtlCol="0" anchor="ctr"/>
+          <a:lstStyle/>
+          <a:p>
+            <a:pPr algn="ctr"/>
+            <a:r>
+              <a:rPr lang="en-US" altLang="ko-KR" sz="1100" b="1">
+                <a:latin typeface="나눔바른고딕" panose="020B0603020101020101" pitchFamily="50" charset="-127"/>
+                <a:ea typeface="나눔바른고딕" panose="020B0603020101020101" pitchFamily="50" charset="-127"/>
+              </a:rPr>
+              <a:t>3</a:t>
+            </a:r>
+            <a:endParaRPr lang="ko-KR" altLang="en-US" sz="1100" b="1" dirty="0">
+              <a:latin typeface="나눔바른고딕" panose="020B0603020101020101" pitchFamily="50" charset="-127"/>
+              <a:ea typeface="나눔바른고딕" panose="020B0603020101020101" pitchFamily="50" charset="-127"/>
+            </a:endParaRPr>
+          </a:p>
+        </p:txBody>
+      </p:sp>
+    </p:spTree>
+    <p:extLst>
+      <p:ext uri="{BB962C8B-B14F-4D97-AF65-F5344CB8AC3E}">
+        <p14:creationId xmlns:p14="http://schemas.microsoft.com/office/powerpoint/2010/main" val="2402390178"/>
+      </p:ext>
+    </p:extLst>
+  </p:cSld>
+  <p:clrMapOvr>
+    <a:masterClrMapping/>
+  </p:clrMapOvr>
+  <p:timing>
+    <p:tnLst>
+      <p:par>
+        <p:cTn id="1" dur="indefinite" restart="never" nodeType="tmRoot"/>
+      </p:par>
+    </p:tnLst>
+  </p:timing>
+</p:sld>
+</file>
+
+<file path=ppt/slides/slide3.xml><?xml version="1.0" encoding="utf-8"?>
+<p:sld xmlns:a="http://schemas.openxmlformats.org/drawingml/2006/main" xmlns:r="http://schemas.openxmlformats.org/officeDocument/2006/relationships" xmlns:p="http://schemas.openxmlformats.org/presentationml/2006/main">
+  <p:cSld>
+    <p:spTree>
+      <p:nvGrpSpPr>
+        <p:cNvPr id="1" name=""/>
+        <p:cNvGrpSpPr/>
+        <p:nvPr/>
+      </p:nvGrpSpPr>
+      <p:grpSpPr>
+        <a:xfrm>
+          <a:off x="0" y="0"/>
+          <a:ext cx="0" cy="0"/>
+          <a:chOff x="0" y="0"/>
+          <a:chExt cx="0" cy="0"/>
+        </a:xfrm>
+      </p:grpSpPr>
+      <p:sp>
+        <p:nvSpPr>
+          <p:cNvPr id="6" name="양쪽 모서리가 둥근 사각형 5"/>
+          <p:cNvSpPr/>
+          <p:nvPr/>
+        </p:nvSpPr>
+        <p:spPr>
+          <a:xfrm>
+            <a:off x="143339" y="548680"/>
+            <a:ext cx="11905323" cy="6144683"/>
+          </a:xfrm>
+          <a:prstGeom prst="round2SameRect">
+            <a:avLst>
+              <a:gd name="adj1" fmla="val 0"/>
+              <a:gd name="adj2" fmla="val 2405"/>
+            </a:avLst>
+          </a:prstGeom>
+          <a:solidFill>
+            <a:schemeClr val="bg1"/>
+          </a:solidFill>
+          <a:ln>
+            <a:noFill/>
+          </a:ln>
+          <a:effectLst>
+            <a:outerShdw dist="254000" dir="5400000" sx="97000" sy="97000" algn="t" rotWithShape="0">
+              <a:prstClr val="black">
+                <a:alpha val="40000"/>
+              </a:prstClr>
+            </a:outerShdw>
+          </a:effectLst>
+        </p:spPr>
+        <p:style>
+          <a:lnRef idx="2">
+            <a:schemeClr val="accent1">
+              <a:shade val="50000"/>
+            </a:schemeClr>
+          </a:lnRef>
+          <a:fillRef idx="1">
+            <a:schemeClr val="accent1"/>
+          </a:fillRef>
+          <a:effectRef idx="0">
+            <a:schemeClr val="accent1"/>
+          </a:effectRef>
+          <a:fontRef idx="minor">
+            <a:schemeClr val="lt1"/>
+          </a:fontRef>
+        </p:style>
+        <p:txBody>
+          <a:bodyPr lIns="91440" tIns="45720" rIns="91440" bIns="45720" rtlCol="0" anchor="ctr"/>
+          <a:lstStyle/>
+          <a:p>
+            <a:pPr algn="ctr"/>
+            <a:endParaRPr lang="ko-KR" altLang="en-US" sz="2400">
+              <a:solidFill>
+                <a:prstClr val="white"/>
+              </a:solidFill>
+            </a:endParaRPr>
+          </a:p>
+        </p:txBody>
+      </p:sp>
+      <p:sp>
+        <p:nvSpPr>
+          <p:cNvPr id="5" name="양쪽 모서리가 둥근 사각형 4"/>
+          <p:cNvSpPr/>
+          <p:nvPr/>
+        </p:nvSpPr>
+        <p:spPr>
+          <a:xfrm>
+            <a:off x="143339" y="243880"/>
+            <a:ext cx="11905323" cy="304800"/>
+          </a:xfrm>
+          <a:prstGeom prst="round2SameRect">
+            <a:avLst>
+              <a:gd name="adj1" fmla="val 44667"/>
+              <a:gd name="adj2" fmla="val 0"/>
+            </a:avLst>
+          </a:prstGeom>
+          <a:solidFill>
+            <a:srgbClr val="411F42"/>
+          </a:solidFill>
+          <a:ln>
+            <a:noFill/>
+          </a:ln>
+          <a:effectLst>
+            <a:outerShdw dist="76200" dir="16200000" sx="97000" sy="97000" rotWithShape="0">
+              <a:prstClr val="black">
+                <a:alpha val="40000"/>
+              </a:prstClr>
+            </a:outerShdw>
+          </a:effectLst>
+        </p:spPr>
+        <p:style>
+          <a:lnRef idx="2">
+            <a:schemeClr val="accent1">
+              <a:shade val="50000"/>
+            </a:schemeClr>
+          </a:lnRef>
+          <a:fillRef idx="1">
+            <a:schemeClr val="accent1"/>
+          </a:fillRef>
+          <a:effectRef idx="0">
+            <a:schemeClr val="accent1"/>
+          </a:effectRef>
+          <a:fontRef idx="minor">
+            <a:schemeClr val="lt1"/>
+          </a:fontRef>
+        </p:style>
+        <p:txBody>
+          <a:bodyPr lIns="91440" tIns="45720" rIns="91440" bIns="45720" rtlCol="0" anchor="ctr"/>
+          <a:lstStyle/>
+          <a:p>
+            <a:pPr algn="ctr"/>
+            <a:endParaRPr lang="ko-KR" altLang="en-US" sz="2400">
+              <a:solidFill>
+                <a:prstClr val="white"/>
+              </a:solidFill>
+            </a:endParaRPr>
+          </a:p>
+        </p:txBody>
+      </p:sp>
+      <p:sp>
+        <p:nvSpPr>
+          <p:cNvPr id="7" name="직사각형 6"/>
+          <p:cNvSpPr/>
+          <p:nvPr/>
+        </p:nvSpPr>
+        <p:spPr>
+          <a:xfrm>
+            <a:off x="935120" y="366664"/>
+            <a:ext cx="10613801" cy="72000"/>
+          </a:xfrm>
+          <a:prstGeom prst="rect">
+            <a:avLst/>
+          </a:prstGeom>
+          <a:solidFill>
+            <a:schemeClr val="bg1"/>
+          </a:solidFill>
+          <a:ln>
+            <a:noFill/>
+          </a:ln>
+        </p:spPr>
+        <p:style>
+          <a:lnRef idx="2">
+            <a:schemeClr val="accent1">
+              <a:shade val="50000"/>
+            </a:schemeClr>
+          </a:lnRef>
+          <a:fillRef idx="1">
+            <a:schemeClr val="accent1"/>
+          </a:fillRef>
+          <a:effectRef idx="0">
+            <a:schemeClr val="accent1"/>
+          </a:effectRef>
+          <a:fontRef idx="minor">
+            <a:schemeClr val="lt1"/>
+          </a:fontRef>
+        </p:style>
+        <p:txBody>
+          <a:bodyPr lIns="91440" tIns="45720" rIns="91440" bIns="45720" rtlCol="0" anchor="ctr"/>
+          <a:lstStyle/>
+          <a:p>
+            <a:pPr algn="ctr"/>
+            <a:endParaRPr lang="ko-KR" altLang="en-US" sz="2400">
+              <a:solidFill>
+                <a:prstClr val="white"/>
+              </a:solidFill>
+            </a:endParaRPr>
+          </a:p>
+        </p:txBody>
+      </p:sp>
+      <p:sp>
+        <p:nvSpPr>
+          <p:cNvPr id="8" name="타원 7"/>
+          <p:cNvSpPr/>
+          <p:nvPr/>
+        </p:nvSpPr>
+        <p:spPr>
+          <a:xfrm>
+            <a:off x="576949" y="366664"/>
+            <a:ext cx="75276" cy="72000"/>
+          </a:xfrm>
+          <a:prstGeom prst="ellipse">
+            <a:avLst/>
+          </a:prstGeom>
+          <a:solidFill>
+            <a:srgbClr val="FF6189"/>
+          </a:solidFill>
+          <a:ln>
+            <a:noFill/>
+          </a:ln>
+        </p:spPr>
+        <p:style>
+          <a:lnRef idx="2">
+            <a:schemeClr val="accent1">
+              <a:shade val="50000"/>
+            </a:schemeClr>
+          </a:lnRef>
+          <a:fillRef idx="1">
+            <a:schemeClr val="accent1"/>
+          </a:fillRef>
+          <a:effectRef idx="0">
+            <a:schemeClr val="accent1"/>
+          </a:effectRef>
+          <a:fontRef idx="minor">
+            <a:schemeClr val="lt1"/>
+          </a:fontRef>
+        </p:style>
+        <p:txBody>
+          <a:bodyPr lIns="91440" tIns="45720" rIns="91440" bIns="45720" rtlCol="0" anchor="ctr"/>
+          <a:lstStyle/>
+          <a:p>
+            <a:pPr algn="ctr"/>
+            <a:endParaRPr lang="ko-KR" altLang="en-US" sz="2400">
+              <a:solidFill>
+                <a:prstClr val="white"/>
+              </a:solidFill>
+            </a:endParaRPr>
+          </a:p>
+        </p:txBody>
+      </p:sp>
+      <p:sp>
+        <p:nvSpPr>
+          <p:cNvPr id="9" name="타원 8"/>
+          <p:cNvSpPr/>
+          <p:nvPr/>
+        </p:nvSpPr>
+        <p:spPr>
+          <a:xfrm>
+            <a:off x="766826" y="366664"/>
+            <a:ext cx="75276" cy="72000"/>
+          </a:xfrm>
+          <a:prstGeom prst="ellipse">
+            <a:avLst/>
+          </a:prstGeom>
+          <a:solidFill>
+            <a:srgbClr val="00B0F0"/>
+          </a:solidFill>
+          <a:ln>
+            <a:noFill/>
+          </a:ln>
+        </p:spPr>
+        <p:style>
+          <a:lnRef idx="2">
+            <a:schemeClr val="accent1">
+              <a:shade val="50000"/>
+            </a:schemeClr>
+          </a:lnRef>
+          <a:fillRef idx="1">
+            <a:schemeClr val="accent1"/>
+          </a:fillRef>
+          <a:effectRef idx="0">
+            <a:schemeClr val="accent1"/>
+          </a:effectRef>
+          <a:fontRef idx="minor">
+            <a:schemeClr val="lt1"/>
+          </a:fontRef>
+        </p:style>
+        <p:txBody>
+          <a:bodyPr lIns="91440" tIns="45720" rIns="91440" bIns="45720" rtlCol="0" anchor="ctr"/>
+          <a:lstStyle/>
+          <a:p>
+            <a:pPr algn="ctr"/>
+            <a:endParaRPr lang="ko-KR" altLang="en-US" sz="2400">
+              <a:solidFill>
+                <a:prstClr val="white"/>
+              </a:solidFill>
+            </a:endParaRPr>
+          </a:p>
+        </p:txBody>
+      </p:sp>
+      <p:sp>
+        <p:nvSpPr>
+          <p:cNvPr id="10" name="타원 9"/>
+          <p:cNvSpPr/>
+          <p:nvPr/>
+        </p:nvSpPr>
+        <p:spPr>
+          <a:xfrm>
+            <a:off x="956703" y="366664"/>
+            <a:ext cx="75276" cy="72000"/>
+          </a:xfrm>
+          <a:prstGeom prst="ellipse">
+            <a:avLst/>
+          </a:prstGeom>
+          <a:solidFill>
+            <a:schemeClr val="accent4"/>
+          </a:solidFill>
+          <a:ln>
+            <a:noFill/>
+          </a:ln>
+        </p:spPr>
+        <p:style>
+          <a:lnRef idx="2">
+            <a:schemeClr val="accent1">
+              <a:shade val="50000"/>
+            </a:schemeClr>
+          </a:lnRef>
+          <a:fillRef idx="1">
+            <a:schemeClr val="accent1"/>
+          </a:fillRef>
+          <a:effectRef idx="0">
+            <a:schemeClr val="accent1"/>
+          </a:effectRef>
+          <a:fontRef idx="minor">
+            <a:schemeClr val="lt1"/>
+          </a:fontRef>
+        </p:style>
+        <p:txBody>
+          <a:bodyPr lIns="91440" tIns="45720" rIns="91440" bIns="45720" rtlCol="0" anchor="ctr"/>
+          <a:lstStyle/>
+          <a:p>
+            <a:pPr algn="ctr"/>
+            <a:endParaRPr lang="ko-KR" altLang="en-US" sz="2400">
+              <a:solidFill>
+                <a:prstClr val="white"/>
+              </a:solidFill>
+            </a:endParaRPr>
+          </a:p>
+        </p:txBody>
+      </p:sp>
+      <p:pic>
+        <p:nvPicPr>
+          <p:cNvPr id="11" name="그림 10"/>
+          <p:cNvPicPr>
+            <a:picLocks noChangeAspect="1"/>
+          </p:cNvPicPr>
+          <p:nvPr/>
+        </p:nvPicPr>
+        <p:blipFill>
+          <a:blip r:embed="rId2"/>
+          <a:stretch>
+            <a:fillRect/>
+          </a:stretch>
+        </p:blipFill>
+        <p:spPr>
+          <a:xfrm>
+            <a:off x="248858" y="1382549"/>
+            <a:ext cx="11646580" cy="1513323"/>
+          </a:xfrm>
+          <a:prstGeom prst="rect">
+            <a:avLst/>
+          </a:prstGeom>
+        </p:spPr>
+      </p:pic>
+      <p:pic>
+        <p:nvPicPr>
+          <p:cNvPr id="13" name="그림 12"/>
+          <p:cNvPicPr>
+            <a:picLocks noChangeAspect="1"/>
+          </p:cNvPicPr>
+          <p:nvPr/>
+        </p:nvPicPr>
+        <p:blipFill>
+          <a:blip r:embed="rId3"/>
+          <a:stretch>
+            <a:fillRect/>
+          </a:stretch>
+        </p:blipFill>
+        <p:spPr>
+          <a:xfrm>
+            <a:off x="2331307" y="2895872"/>
+            <a:ext cx="8089557" cy="2172881"/>
+          </a:xfrm>
+          <a:prstGeom prst="rect">
+            <a:avLst/>
+          </a:prstGeom>
+        </p:spPr>
+      </p:pic>
+      <p:pic>
+        <p:nvPicPr>
+          <p:cNvPr id="14" name="그림 13"/>
+          <p:cNvPicPr>
+            <a:picLocks noChangeAspect="1"/>
+          </p:cNvPicPr>
+          <p:nvPr/>
+        </p:nvPicPr>
+        <p:blipFill>
+          <a:blip r:embed="rId4"/>
+          <a:stretch>
+            <a:fillRect/>
+          </a:stretch>
+        </p:blipFill>
+        <p:spPr>
+          <a:xfrm>
+            <a:off x="2331306" y="5068753"/>
+            <a:ext cx="7842423" cy="1359244"/>
+          </a:xfrm>
+          <a:prstGeom prst="rect">
+            <a:avLst/>
+          </a:prstGeom>
+        </p:spPr>
+      </p:pic>
+      <p:sp>
+        <p:nvSpPr>
+          <p:cNvPr id="15" name="직사각형 14"/>
+          <p:cNvSpPr/>
+          <p:nvPr/>
+        </p:nvSpPr>
+        <p:spPr>
+          <a:xfrm>
+            <a:off x="935120" y="743464"/>
+            <a:ext cx="6592433" cy="484748"/>
+          </a:xfrm>
+          <a:prstGeom prst="rect">
+            <a:avLst/>
+          </a:prstGeom>
+        </p:spPr>
+        <p:txBody>
+          <a:bodyPr wrap="square" lIns="68580" tIns="34290" rIns="68580" bIns="34290">
+            <a:spAutoFit/>
+          </a:bodyPr>
+          <a:lstStyle/>
+          <a:p>
+            <a:pPr>
+              <a:lnSpc>
+                <a:spcPct val="150000"/>
+              </a:lnSpc>
+            </a:pPr>
+            <a:r>
+              <a:rPr lang="en-US" altLang="ko-KR" sz="1800" b="1">
+                <a:solidFill>
+                  <a:schemeClr val="tx1">
+                    <a:lumMod val="75000"/>
+                    <a:lumOff val="25000"/>
+                  </a:schemeClr>
+                </a:solidFill>
+                <a:latin typeface="나눔고딕" panose="020D0604000000000000" pitchFamily="50" charset="-127"/>
+                <a:ea typeface="나눔고딕" panose="020D0604000000000000" pitchFamily="50" charset="-127"/>
+              </a:rPr>
+              <a:t>[ </a:t>
+            </a:r>
+            <a:r>
+              <a:rPr lang="ko-KR" altLang="en-US" sz="1800" b="1" smtClean="0">
+                <a:solidFill>
+                  <a:schemeClr val="tx1">
+                    <a:lumMod val="75000"/>
+                    <a:lumOff val="25000"/>
+                  </a:schemeClr>
+                </a:solidFill>
+                <a:latin typeface="나눔고딕" panose="020D0604000000000000" pitchFamily="50" charset="-127"/>
+                <a:ea typeface="나눔고딕" panose="020D0604000000000000" pitchFamily="50" charset="-127"/>
+              </a:rPr>
+              <a:t>화면구현 </a:t>
+            </a:r>
+            <a:r>
+              <a:rPr lang="en-US" altLang="ko-KR" sz="1800" b="1" dirty="0">
+                <a:solidFill>
+                  <a:schemeClr val="tx1">
+                    <a:lumMod val="75000"/>
+                    <a:lumOff val="25000"/>
+                  </a:schemeClr>
+                </a:solidFill>
+                <a:latin typeface="나눔고딕" panose="020D0604000000000000" pitchFamily="50" charset="-127"/>
+                <a:ea typeface="나눔고딕" panose="020D0604000000000000" pitchFamily="50" charset="-127"/>
+              </a:rPr>
+              <a:t>] </a:t>
+            </a:r>
+            <a:r>
+              <a:rPr lang="ko-KR" altLang="en-US" sz="1800" b="1" dirty="0" smtClean="0">
+                <a:solidFill>
+                  <a:schemeClr val="tx1">
+                    <a:lumMod val="75000"/>
+                    <a:lumOff val="25000"/>
+                  </a:schemeClr>
+                </a:solidFill>
+                <a:latin typeface="나눔고딕" panose="020D0604000000000000" pitchFamily="50" charset="-127"/>
+                <a:ea typeface="나눔고딕" panose="020D0604000000000000" pitchFamily="50" charset="-127"/>
+              </a:rPr>
+              <a:t>상품목록 </a:t>
+            </a:r>
+            <a:r>
+              <a:rPr lang="en-US" altLang="ko-KR" sz="1800" b="1" dirty="0" smtClean="0">
+                <a:solidFill>
+                  <a:schemeClr val="tx1">
+                    <a:lumMod val="75000"/>
+                    <a:lumOff val="25000"/>
+                  </a:schemeClr>
+                </a:solidFill>
+                <a:latin typeface="나눔고딕" panose="020D0604000000000000" pitchFamily="50" charset="-127"/>
+                <a:ea typeface="나눔고딕" panose="020D0604000000000000" pitchFamily="50" charset="-127"/>
+              </a:rPr>
+              <a:t>– </a:t>
+            </a:r>
+            <a:r>
+              <a:rPr lang="ko-KR" altLang="en-US" sz="1800" b="1" dirty="0" err="1">
+                <a:solidFill>
+                  <a:schemeClr val="tx1">
+                    <a:lumMod val="75000"/>
+                    <a:lumOff val="25000"/>
+                  </a:schemeClr>
+                </a:solidFill>
+                <a:latin typeface="나눔고딕" panose="020D0604000000000000" pitchFamily="50" charset="-127"/>
+                <a:ea typeface="나눔고딕" panose="020D0604000000000000" pitchFamily="50" charset="-127"/>
+              </a:rPr>
+              <a:t>리워드</a:t>
+            </a:r>
+            <a:r>
+              <a:rPr lang="ko-KR" altLang="en-US" sz="1800" b="1" dirty="0">
+                <a:solidFill>
+                  <a:schemeClr val="tx1">
+                    <a:lumMod val="75000"/>
+                    <a:lumOff val="25000"/>
+                  </a:schemeClr>
+                </a:solidFill>
+                <a:latin typeface="나눔고딕" panose="020D0604000000000000" pitchFamily="50" charset="-127"/>
+                <a:ea typeface="나눔고딕" panose="020D0604000000000000" pitchFamily="50" charset="-127"/>
+              </a:rPr>
+              <a:t> 스토어 </a:t>
+            </a:r>
+            <a:r>
+              <a:rPr lang="en-US" altLang="ko-KR" sz="1800" b="1" dirty="0">
+                <a:solidFill>
+                  <a:schemeClr val="tx1">
+                    <a:lumMod val="75000"/>
+                    <a:lumOff val="25000"/>
+                  </a:schemeClr>
+                </a:solidFill>
+                <a:latin typeface="나눔고딕" panose="020D0604000000000000" pitchFamily="50" charset="-127"/>
+                <a:ea typeface="나눔고딕" panose="020D0604000000000000" pitchFamily="50" charset="-127"/>
+              </a:rPr>
+              <a:t>- </a:t>
+            </a:r>
+            <a:r>
+              <a:rPr lang="ko-KR" altLang="en-US" sz="1800" b="1" dirty="0" smtClean="0">
+                <a:solidFill>
+                  <a:schemeClr val="tx1">
+                    <a:lumMod val="75000"/>
+                    <a:lumOff val="25000"/>
+                  </a:schemeClr>
+                </a:solidFill>
+                <a:latin typeface="나눔고딕" panose="020D0604000000000000" pitchFamily="50" charset="-127"/>
+                <a:ea typeface="나눔고딕" panose="020D0604000000000000" pitchFamily="50" charset="-127"/>
+              </a:rPr>
+              <a:t>사용</a:t>
+            </a:r>
+            <a:r>
+              <a:rPr lang="ko-KR" altLang="en-US" sz="1800" b="1" dirty="0">
+                <a:solidFill>
+                  <a:schemeClr val="tx1">
+                    <a:lumMod val="75000"/>
+                    <a:lumOff val="25000"/>
+                  </a:schemeClr>
+                </a:solidFill>
+                <a:latin typeface="나눔고딕" panose="020D0604000000000000" pitchFamily="50" charset="-127"/>
+                <a:ea typeface="나눔고딕" panose="020D0604000000000000" pitchFamily="50" charset="-127"/>
+              </a:rPr>
+              <a:t>자</a:t>
+            </a:r>
+          </a:p>
+        </p:txBody>
+      </p:sp>
+      <p:pic>
+        <p:nvPicPr>
+          <p:cNvPr id="16" name="그림 15"/>
+          <p:cNvPicPr>
+            <a:picLocks noChangeAspect="1"/>
+          </p:cNvPicPr>
+          <p:nvPr/>
+        </p:nvPicPr>
+        <p:blipFill>
+          <a:blip r:embed="rId5" cstate="print">
+            <a:extLst>
+              <a:ext uri="{28A0092B-C50C-407E-A947-70E740481C1C}">
+                <a14:useLocalDpi xmlns:a14="http://schemas.microsoft.com/office/drawing/2010/main" val="0"/>
+              </a:ext>
+            </a:extLst>
+          </a:blip>
+          <a:stretch>
+            <a:fillRect/>
+          </a:stretch>
+        </p:blipFill>
+        <p:spPr>
+          <a:xfrm>
+            <a:off x="362442" y="743464"/>
+            <a:ext cx="500395" cy="500395"/>
+          </a:xfrm>
+          <a:prstGeom prst="rect">
+            <a:avLst/>
+          </a:prstGeom>
+        </p:spPr>
+      </p:pic>
+    </p:spTree>
+    <p:extLst>
+      <p:ext uri="{BB962C8B-B14F-4D97-AF65-F5344CB8AC3E}">
+        <p14:creationId xmlns:p14="http://schemas.microsoft.com/office/powerpoint/2010/main" val="3620856966"/>
+      </p:ext>
+    </p:extLst>
+  </p:cSld>
+  <p:clrMapOvr>
+    <a:masterClrMapping/>
+  </p:clrMapOvr>
+  <p:timing>
+    <p:tnLst>
+      <p:par>
+        <p:cTn id="1" dur="indefinite" restart="never" nodeType="tmRoot"/>
+      </p:par>
+    </p:tnLst>
+  </p:timing>
+</p:sld>
+</file>
+
+<file path=ppt/slides/slide4.xml><?xml version="1.0" encoding="utf-8"?>
+<p:sld xmlns:a="http://schemas.openxmlformats.org/drawingml/2006/main" xmlns:r="http://schemas.openxmlformats.org/officeDocument/2006/relationships" xmlns:p="http://schemas.openxmlformats.org/presentationml/2006/main">
+  <p:cSld>
+    <p:spTree>
+      <p:nvGrpSpPr>
+        <p:cNvPr id="1" name=""/>
+        <p:cNvGrpSpPr/>
+        <p:nvPr/>
+      </p:nvGrpSpPr>
+      <p:grpSpPr>
+        <a:xfrm>
+          <a:off x="0" y="0"/>
+          <a:ext cx="0" cy="0"/>
+          <a:chOff x="0" y="0"/>
+          <a:chExt cx="0" cy="0"/>
+        </a:xfrm>
+      </p:grpSpPr>
+      <p:sp>
+        <p:nvSpPr>
+          <p:cNvPr id="6" name="양쪽 모서리가 둥근 사각형 5"/>
+          <p:cNvSpPr/>
+          <p:nvPr/>
+        </p:nvSpPr>
+        <p:spPr>
+          <a:xfrm>
+            <a:off x="143339" y="548680"/>
+            <a:ext cx="11905323" cy="6144683"/>
+          </a:xfrm>
+          <a:prstGeom prst="round2SameRect">
+            <a:avLst>
+              <a:gd name="adj1" fmla="val 0"/>
+              <a:gd name="adj2" fmla="val 2405"/>
+            </a:avLst>
+          </a:prstGeom>
+          <a:solidFill>
+            <a:schemeClr val="bg1"/>
+          </a:solidFill>
+          <a:ln>
+            <a:noFill/>
+          </a:ln>
+          <a:effectLst>
+            <a:outerShdw dist="254000" dir="5400000" sx="97000" sy="97000" algn="t" rotWithShape="0">
+              <a:prstClr val="black">
+                <a:alpha val="40000"/>
+              </a:prstClr>
+            </a:outerShdw>
+          </a:effectLst>
+        </p:spPr>
+        <p:style>
+          <a:lnRef idx="2">
+            <a:schemeClr val="accent1">
+              <a:shade val="50000"/>
+            </a:schemeClr>
+          </a:lnRef>
+          <a:fillRef idx="1">
+            <a:schemeClr val="accent1"/>
+          </a:fillRef>
+          <a:effectRef idx="0">
+            <a:schemeClr val="accent1"/>
+          </a:effectRef>
+          <a:fontRef idx="minor">
+            <a:schemeClr val="lt1"/>
+          </a:fontRef>
+        </p:style>
+        <p:txBody>
+          <a:bodyPr lIns="91440" tIns="45720" rIns="91440" bIns="45720" rtlCol="0" anchor="ctr"/>
+          <a:lstStyle/>
+          <a:p>
+            <a:pPr algn="ctr"/>
+            <a:endParaRPr lang="ko-KR" altLang="en-US" sz="2400">
+              <a:solidFill>
+                <a:prstClr val="white"/>
+              </a:solidFill>
+            </a:endParaRPr>
+          </a:p>
+        </p:txBody>
+      </p:sp>
+      <p:sp>
+        <p:nvSpPr>
+          <p:cNvPr id="5" name="양쪽 모서리가 둥근 사각형 4"/>
+          <p:cNvSpPr/>
+          <p:nvPr/>
+        </p:nvSpPr>
+        <p:spPr>
+          <a:xfrm>
+            <a:off x="143339" y="243880"/>
+            <a:ext cx="11905323" cy="304800"/>
+          </a:xfrm>
+          <a:prstGeom prst="round2SameRect">
+            <a:avLst>
+              <a:gd name="adj1" fmla="val 44667"/>
+              <a:gd name="adj2" fmla="val 0"/>
+            </a:avLst>
+          </a:prstGeom>
+          <a:solidFill>
+            <a:srgbClr val="411F42"/>
+          </a:solidFill>
+          <a:ln>
+            <a:noFill/>
+          </a:ln>
+          <a:effectLst>
+            <a:outerShdw dist="76200" dir="16200000" sx="97000" sy="97000" rotWithShape="0">
+              <a:prstClr val="black">
+                <a:alpha val="40000"/>
+              </a:prstClr>
+            </a:outerShdw>
+          </a:effectLst>
+        </p:spPr>
+        <p:style>
+          <a:lnRef idx="2">
+            <a:schemeClr val="accent1">
+              <a:shade val="50000"/>
+            </a:schemeClr>
+          </a:lnRef>
+          <a:fillRef idx="1">
+            <a:schemeClr val="accent1"/>
+          </a:fillRef>
+          <a:effectRef idx="0">
+            <a:schemeClr val="accent1"/>
+          </a:effectRef>
+          <a:fontRef idx="minor">
+            <a:schemeClr val="lt1"/>
+          </a:fontRef>
+        </p:style>
+        <p:txBody>
+          <a:bodyPr lIns="91440" tIns="45720" rIns="91440" bIns="45720" rtlCol="0" anchor="ctr"/>
+          <a:lstStyle/>
+          <a:p>
+            <a:pPr algn="ctr"/>
+            <a:endParaRPr lang="ko-KR" altLang="en-US" sz="2400">
+              <a:solidFill>
+                <a:prstClr val="white"/>
+              </a:solidFill>
+            </a:endParaRPr>
+          </a:p>
+        </p:txBody>
+      </p:sp>
+      <p:sp>
+        <p:nvSpPr>
+          <p:cNvPr id="7" name="직사각형 6"/>
+          <p:cNvSpPr/>
+          <p:nvPr/>
+        </p:nvSpPr>
+        <p:spPr>
+          <a:xfrm>
+            <a:off x="935120" y="366664"/>
+            <a:ext cx="10613801" cy="72000"/>
+          </a:xfrm>
+          <a:prstGeom prst="rect">
+            <a:avLst/>
+          </a:prstGeom>
+          <a:solidFill>
+            <a:schemeClr val="bg1"/>
+          </a:solidFill>
+          <a:ln>
+            <a:noFill/>
+          </a:ln>
+        </p:spPr>
+        <p:style>
+          <a:lnRef idx="2">
+            <a:schemeClr val="accent1">
+              <a:shade val="50000"/>
+            </a:schemeClr>
+          </a:lnRef>
+          <a:fillRef idx="1">
+            <a:schemeClr val="accent1"/>
+          </a:fillRef>
+          <a:effectRef idx="0">
+            <a:schemeClr val="accent1"/>
+          </a:effectRef>
+          <a:fontRef idx="minor">
+            <a:schemeClr val="lt1"/>
+          </a:fontRef>
+        </p:style>
+        <p:txBody>
+          <a:bodyPr lIns="91440" tIns="45720" rIns="91440" bIns="45720" rtlCol="0" anchor="ctr"/>
+          <a:lstStyle/>
+          <a:p>
+            <a:pPr algn="ctr"/>
+            <a:endParaRPr lang="ko-KR" altLang="en-US" sz="2400">
+              <a:solidFill>
+                <a:prstClr val="white"/>
+              </a:solidFill>
+            </a:endParaRPr>
+          </a:p>
+        </p:txBody>
+      </p:sp>
+      <p:sp>
+        <p:nvSpPr>
+          <p:cNvPr id="8" name="타원 7"/>
+          <p:cNvSpPr/>
+          <p:nvPr/>
+        </p:nvSpPr>
+        <p:spPr>
+          <a:xfrm>
+            <a:off x="576949" y="366664"/>
+            <a:ext cx="75276" cy="72000"/>
+          </a:xfrm>
+          <a:prstGeom prst="ellipse">
+            <a:avLst/>
+          </a:prstGeom>
+          <a:solidFill>
+            <a:srgbClr val="FF6189"/>
+          </a:solidFill>
+          <a:ln>
+            <a:noFill/>
+          </a:ln>
+        </p:spPr>
+        <p:style>
+          <a:lnRef idx="2">
+            <a:schemeClr val="accent1">
+              <a:shade val="50000"/>
+            </a:schemeClr>
+          </a:lnRef>
+          <a:fillRef idx="1">
+            <a:schemeClr val="accent1"/>
+          </a:fillRef>
+          <a:effectRef idx="0">
+            <a:schemeClr val="accent1"/>
+          </a:effectRef>
+          <a:fontRef idx="minor">
+            <a:schemeClr val="lt1"/>
+          </a:fontRef>
+        </p:style>
+        <p:txBody>
+          <a:bodyPr lIns="91440" tIns="45720" rIns="91440" bIns="45720" rtlCol="0" anchor="ctr"/>
+          <a:lstStyle/>
+          <a:p>
+            <a:pPr algn="ctr"/>
+            <a:endParaRPr lang="ko-KR" altLang="en-US" sz="2400">
+              <a:solidFill>
+                <a:prstClr val="white"/>
+              </a:solidFill>
+            </a:endParaRPr>
+          </a:p>
+        </p:txBody>
+      </p:sp>
+      <p:sp>
+        <p:nvSpPr>
+          <p:cNvPr id="9" name="타원 8"/>
+          <p:cNvSpPr/>
+          <p:nvPr/>
+        </p:nvSpPr>
+        <p:spPr>
+          <a:xfrm>
+            <a:off x="766826" y="366664"/>
+            <a:ext cx="75276" cy="72000"/>
+          </a:xfrm>
+          <a:prstGeom prst="ellipse">
+            <a:avLst/>
+          </a:prstGeom>
+          <a:solidFill>
+            <a:srgbClr val="00B0F0"/>
+          </a:solidFill>
+          <a:ln>
+            <a:noFill/>
+          </a:ln>
+        </p:spPr>
+        <p:style>
+          <a:lnRef idx="2">
+            <a:schemeClr val="accent1">
+              <a:shade val="50000"/>
+            </a:schemeClr>
+          </a:lnRef>
+          <a:fillRef idx="1">
+            <a:schemeClr val="accent1"/>
+          </a:fillRef>
+          <a:effectRef idx="0">
+            <a:schemeClr val="accent1"/>
+          </a:effectRef>
+          <a:fontRef idx="minor">
+            <a:schemeClr val="lt1"/>
+          </a:fontRef>
+        </p:style>
+        <p:txBody>
+          <a:bodyPr lIns="91440" tIns="45720" rIns="91440" bIns="45720" rtlCol="0" anchor="ctr"/>
+          <a:lstStyle/>
+          <a:p>
+            <a:pPr algn="ctr"/>
+            <a:endParaRPr lang="ko-KR" altLang="en-US" sz="2400">
+              <a:solidFill>
+                <a:prstClr val="white"/>
+              </a:solidFill>
+            </a:endParaRPr>
+          </a:p>
+        </p:txBody>
+      </p:sp>
+      <p:sp>
+        <p:nvSpPr>
+          <p:cNvPr id="10" name="타원 9"/>
+          <p:cNvSpPr/>
+          <p:nvPr/>
+        </p:nvSpPr>
+        <p:spPr>
+          <a:xfrm>
+            <a:off x="956703" y="366664"/>
+            <a:ext cx="75276" cy="72000"/>
+          </a:xfrm>
+          <a:prstGeom prst="ellipse">
+            <a:avLst/>
+          </a:prstGeom>
+          <a:solidFill>
+            <a:schemeClr val="accent4"/>
+          </a:solidFill>
+          <a:ln>
+            <a:noFill/>
+          </a:ln>
+        </p:spPr>
+        <p:style>
+          <a:lnRef idx="2">
+            <a:schemeClr val="accent1">
+              <a:shade val="50000"/>
+            </a:schemeClr>
+          </a:lnRef>
+          <a:fillRef idx="1">
+            <a:schemeClr val="accent1"/>
+          </a:fillRef>
+          <a:effectRef idx="0">
+            <a:schemeClr val="accent1"/>
+          </a:effectRef>
+          <a:fontRef idx="minor">
+            <a:schemeClr val="lt1"/>
+          </a:fontRef>
+        </p:style>
+        <p:txBody>
+          <a:bodyPr lIns="91440" tIns="45720" rIns="91440" bIns="45720" rtlCol="0" anchor="ctr"/>
+          <a:lstStyle/>
+          <a:p>
+            <a:pPr algn="ctr"/>
+            <a:endParaRPr lang="ko-KR" altLang="en-US" sz="2400">
+              <a:solidFill>
+                <a:prstClr val="white"/>
+              </a:solidFill>
+            </a:endParaRPr>
+          </a:p>
+        </p:txBody>
+      </p:sp>
+      <p:sp>
+        <p:nvSpPr>
+          <p:cNvPr id="15" name="직사각형 14"/>
+          <p:cNvSpPr/>
+          <p:nvPr/>
+        </p:nvSpPr>
+        <p:spPr>
+          <a:xfrm>
+            <a:off x="935120" y="743464"/>
+            <a:ext cx="6592433" cy="484748"/>
+          </a:xfrm>
+          <a:prstGeom prst="rect">
+            <a:avLst/>
+          </a:prstGeom>
+        </p:spPr>
+        <p:txBody>
+          <a:bodyPr wrap="square" lIns="68580" tIns="34290" rIns="68580" bIns="34290">
+            <a:spAutoFit/>
+          </a:bodyPr>
+          <a:lstStyle/>
+          <a:p>
+            <a:pPr>
+              <a:lnSpc>
+                <a:spcPct val="150000"/>
+              </a:lnSpc>
+            </a:pPr>
+            <a:r>
+              <a:rPr lang="en-US" altLang="ko-KR" sz="1800" b="1">
+                <a:solidFill>
+                  <a:schemeClr val="tx1">
+                    <a:lumMod val="75000"/>
+                    <a:lumOff val="25000"/>
+                  </a:schemeClr>
+                </a:solidFill>
+                <a:latin typeface="나눔고딕" panose="020D0604000000000000" pitchFamily="50" charset="-127"/>
+                <a:ea typeface="나눔고딕" panose="020D0604000000000000" pitchFamily="50" charset="-127"/>
+              </a:rPr>
+              <a:t>[ </a:t>
+            </a:r>
+            <a:r>
+              <a:rPr lang="ko-KR" altLang="en-US" sz="1800" b="1" smtClean="0">
+                <a:solidFill>
+                  <a:schemeClr val="tx1">
+                    <a:lumMod val="75000"/>
+                    <a:lumOff val="25000"/>
+                  </a:schemeClr>
+                </a:solidFill>
+                <a:latin typeface="나눔고딕" panose="020D0604000000000000" pitchFamily="50" charset="-127"/>
+                <a:ea typeface="나눔고딕" panose="020D0604000000000000" pitchFamily="50" charset="-127"/>
+              </a:rPr>
+              <a:t>화면구현 </a:t>
+            </a:r>
+            <a:r>
+              <a:rPr lang="en-US" altLang="ko-KR" sz="1800" b="1" dirty="0">
+                <a:solidFill>
+                  <a:schemeClr val="tx1">
+                    <a:lumMod val="75000"/>
+                    <a:lumOff val="25000"/>
+                  </a:schemeClr>
+                </a:solidFill>
+                <a:latin typeface="나눔고딕" panose="020D0604000000000000" pitchFamily="50" charset="-127"/>
+                <a:ea typeface="나눔고딕" panose="020D0604000000000000" pitchFamily="50" charset="-127"/>
+              </a:rPr>
+              <a:t>] </a:t>
+            </a:r>
+            <a:r>
+              <a:rPr lang="ko-KR" altLang="en-US" sz="1800" b="1" dirty="0" smtClean="0">
+                <a:solidFill>
+                  <a:schemeClr val="tx1">
+                    <a:lumMod val="75000"/>
+                    <a:lumOff val="25000"/>
+                  </a:schemeClr>
+                </a:solidFill>
+                <a:latin typeface="나눔고딕" panose="020D0604000000000000" pitchFamily="50" charset="-127"/>
+                <a:ea typeface="나눔고딕" panose="020D0604000000000000" pitchFamily="50" charset="-127"/>
+              </a:rPr>
+              <a:t>상품목록 </a:t>
+            </a:r>
+            <a:r>
+              <a:rPr lang="en-US" altLang="ko-KR" sz="1800" b="1" dirty="0" smtClean="0">
+                <a:solidFill>
+                  <a:schemeClr val="tx1">
+                    <a:lumMod val="75000"/>
+                    <a:lumOff val="25000"/>
+                  </a:schemeClr>
+                </a:solidFill>
+                <a:latin typeface="나눔고딕" panose="020D0604000000000000" pitchFamily="50" charset="-127"/>
+                <a:ea typeface="나눔고딕" panose="020D0604000000000000" pitchFamily="50" charset="-127"/>
+              </a:rPr>
+              <a:t>– </a:t>
+            </a:r>
+            <a:r>
+              <a:rPr lang="ko-KR" altLang="en-US" sz="1800" b="1" dirty="0" err="1">
+                <a:solidFill>
+                  <a:schemeClr val="tx1">
+                    <a:lumMod val="75000"/>
+                    <a:lumOff val="25000"/>
+                  </a:schemeClr>
+                </a:solidFill>
+                <a:latin typeface="나눔고딕" panose="020D0604000000000000" pitchFamily="50" charset="-127"/>
+                <a:ea typeface="나눔고딕" panose="020D0604000000000000" pitchFamily="50" charset="-127"/>
+              </a:rPr>
+              <a:t>리워드</a:t>
+            </a:r>
+            <a:r>
+              <a:rPr lang="ko-KR" altLang="en-US" sz="1800" b="1" dirty="0">
+                <a:solidFill>
+                  <a:schemeClr val="tx1">
+                    <a:lumMod val="75000"/>
+                    <a:lumOff val="25000"/>
+                  </a:schemeClr>
+                </a:solidFill>
+                <a:latin typeface="나눔고딕" panose="020D0604000000000000" pitchFamily="50" charset="-127"/>
+                <a:ea typeface="나눔고딕" panose="020D0604000000000000" pitchFamily="50" charset="-127"/>
+              </a:rPr>
+              <a:t> 스토어 </a:t>
+            </a:r>
+            <a:r>
+              <a:rPr lang="en-US" altLang="ko-KR" sz="1800" b="1" dirty="0">
+                <a:solidFill>
+                  <a:schemeClr val="tx1">
+                    <a:lumMod val="75000"/>
+                    <a:lumOff val="25000"/>
+                  </a:schemeClr>
+                </a:solidFill>
+                <a:latin typeface="나눔고딕" panose="020D0604000000000000" pitchFamily="50" charset="-127"/>
+                <a:ea typeface="나눔고딕" panose="020D0604000000000000" pitchFamily="50" charset="-127"/>
+              </a:rPr>
+              <a:t>- </a:t>
+            </a:r>
+            <a:r>
+              <a:rPr lang="ko-KR" altLang="en-US" sz="1800" b="1" dirty="0" smtClean="0">
+                <a:solidFill>
+                  <a:schemeClr val="tx1">
+                    <a:lumMod val="75000"/>
+                    <a:lumOff val="25000"/>
+                  </a:schemeClr>
+                </a:solidFill>
+                <a:latin typeface="나눔고딕" panose="020D0604000000000000" pitchFamily="50" charset="-127"/>
+                <a:ea typeface="나눔고딕" panose="020D0604000000000000" pitchFamily="50" charset="-127"/>
+              </a:rPr>
+              <a:t>사용</a:t>
+            </a:r>
+            <a:r>
+              <a:rPr lang="ko-KR" altLang="en-US" sz="1800" b="1" dirty="0">
+                <a:solidFill>
+                  <a:schemeClr val="tx1">
+                    <a:lumMod val="75000"/>
+                    <a:lumOff val="25000"/>
+                  </a:schemeClr>
+                </a:solidFill>
+                <a:latin typeface="나눔고딕" panose="020D0604000000000000" pitchFamily="50" charset="-127"/>
+                <a:ea typeface="나눔고딕" panose="020D0604000000000000" pitchFamily="50" charset="-127"/>
+              </a:rPr>
+              <a:t>자</a:t>
+            </a:r>
+          </a:p>
+        </p:txBody>
+      </p:sp>
+      <p:pic>
+        <p:nvPicPr>
+          <p:cNvPr id="16" name="그림 15"/>
+          <p:cNvPicPr>
+            <a:picLocks noChangeAspect="1"/>
+          </p:cNvPicPr>
+          <p:nvPr/>
+        </p:nvPicPr>
+        <p:blipFill>
+          <a:blip r:embed="rId2" cstate="print">
+            <a:extLst>
+              <a:ext uri="{28A0092B-C50C-407E-A947-70E740481C1C}">
+                <a14:useLocalDpi xmlns:a14="http://schemas.microsoft.com/office/drawing/2010/main" val="0"/>
+              </a:ext>
+            </a:extLst>
+          </a:blip>
+          <a:stretch>
+            <a:fillRect/>
+          </a:stretch>
+        </p:blipFill>
+        <p:spPr>
+          <a:xfrm>
+            <a:off x="362442" y="743464"/>
+            <a:ext cx="500395" cy="500395"/>
+          </a:xfrm>
+          <a:prstGeom prst="rect">
+            <a:avLst/>
+          </a:prstGeom>
+        </p:spPr>
+      </p:pic>
+      <p:sp>
+        <p:nvSpPr>
+          <p:cNvPr id="17" name="TextBox 16"/>
+          <p:cNvSpPr txBox="1"/>
+          <p:nvPr/>
+        </p:nvSpPr>
+        <p:spPr>
+          <a:xfrm>
+            <a:off x="1375719" y="1364419"/>
+            <a:ext cx="679994" cy="369332"/>
+          </a:xfrm>
+          <a:prstGeom prst="rect">
+            <a:avLst/>
+          </a:prstGeom>
+          <a:noFill/>
+        </p:spPr>
+        <p:txBody>
+          <a:bodyPr wrap="none" rtlCol="0">
+            <a:spAutoFit/>
+          </a:bodyPr>
+          <a:lstStyle/>
+          <a:p>
+            <a:r>
+              <a:rPr lang="en-US" altLang="ko-KR" smtClean="0"/>
+              <a:t>View</a:t>
+            </a:r>
+            <a:endParaRPr lang="ko-KR" altLang="en-US"/>
+          </a:p>
+        </p:txBody>
+      </p:sp>
+      <p:pic>
+        <p:nvPicPr>
+          <p:cNvPr id="18" name="그림 17"/>
+          <p:cNvPicPr>
+            <a:picLocks noChangeAspect="1"/>
+          </p:cNvPicPr>
+          <p:nvPr/>
+        </p:nvPicPr>
+        <p:blipFill>
+          <a:blip r:embed="rId3"/>
+          <a:stretch>
+            <a:fillRect/>
+          </a:stretch>
+        </p:blipFill>
+        <p:spPr>
+          <a:xfrm>
+            <a:off x="1295063" y="1794864"/>
+            <a:ext cx="8985804" cy="2371725"/>
+          </a:xfrm>
+          <a:prstGeom prst="rect">
+            <a:avLst/>
+          </a:prstGeom>
+          <a:ln>
+            <a:solidFill>
+              <a:schemeClr val="tx1"/>
+            </a:solidFill>
+          </a:ln>
+        </p:spPr>
+      </p:pic>
+      <p:pic>
+        <p:nvPicPr>
+          <p:cNvPr id="19" name="그림 18"/>
+          <p:cNvPicPr>
+            <a:picLocks noChangeAspect="1"/>
+          </p:cNvPicPr>
+          <p:nvPr/>
+        </p:nvPicPr>
+        <p:blipFill>
+          <a:blip r:embed="rId4"/>
+          <a:stretch>
+            <a:fillRect/>
+          </a:stretch>
+        </p:blipFill>
+        <p:spPr>
+          <a:xfrm>
+            <a:off x="1295063" y="4290257"/>
+            <a:ext cx="8985804" cy="1741721"/>
+          </a:xfrm>
+          <a:prstGeom prst="rect">
+            <a:avLst/>
+          </a:prstGeom>
+          <a:ln>
+            <a:solidFill>
+              <a:schemeClr val="tx1"/>
+            </a:solidFill>
+          </a:ln>
+        </p:spPr>
+      </p:pic>
+    </p:spTree>
+    <p:extLst>
+      <p:ext uri="{BB962C8B-B14F-4D97-AF65-F5344CB8AC3E}">
+        <p14:creationId xmlns:p14="http://schemas.microsoft.com/office/powerpoint/2010/main" val="2203540630"/>
+      </p:ext>
+    </p:extLst>
+  </p:cSld>
+  <p:clrMapOvr>
+    <a:masterClrMapping/>
+  </p:clrMapOvr>
+  <p:timing>
+    <p:tnLst>
+      <p:par>
+        <p:cTn id="1" dur="indefinite" restart="never" nodeType="tmRoot"/>
+      </p:par>
+    </p:tnLst>
+  </p:timing>
+</p:sld>
+</file>
+
+<file path=ppt/slides/slide5.xml><?xml version="1.0" encoding="utf-8"?>
+<p:sld xmlns:a="http://schemas.openxmlformats.org/drawingml/2006/main" xmlns:r="http://schemas.openxmlformats.org/officeDocument/2006/relationships" xmlns:p="http://schemas.openxmlformats.org/presentationml/2006/main">
+  <p:cSld>
+    <p:spTree>
+      <p:nvGrpSpPr>
+        <p:cNvPr id="1" name=""/>
+        <p:cNvGrpSpPr/>
+        <p:nvPr/>
+      </p:nvGrpSpPr>
+      <p:grpSpPr>
+        <a:xfrm>
+          <a:off x="0" y="0"/>
+          <a:ext cx="0" cy="0"/>
+          <a:chOff x="0" y="0"/>
+          <a:chExt cx="0" cy="0"/>
+        </a:xfrm>
+      </p:grpSpPr>
+      <p:sp>
+        <p:nvSpPr>
+          <p:cNvPr id="6" name="양쪽 모서리가 둥근 사각형 5"/>
+          <p:cNvSpPr/>
+          <p:nvPr/>
+        </p:nvSpPr>
+        <p:spPr>
+          <a:xfrm>
+            <a:off x="143339" y="548680"/>
+            <a:ext cx="11905323" cy="6144683"/>
+          </a:xfrm>
+          <a:prstGeom prst="round2SameRect">
+            <a:avLst>
+              <a:gd name="adj1" fmla="val 0"/>
+              <a:gd name="adj2" fmla="val 2405"/>
+            </a:avLst>
+          </a:prstGeom>
+          <a:solidFill>
+            <a:schemeClr val="bg1"/>
+          </a:solidFill>
+          <a:ln>
+            <a:noFill/>
+          </a:ln>
+          <a:effectLst>
+            <a:outerShdw dist="254000" dir="5400000" sx="97000" sy="97000" algn="t" rotWithShape="0">
+              <a:prstClr val="black">
+                <a:alpha val="40000"/>
+              </a:prstClr>
+            </a:outerShdw>
+          </a:effectLst>
+        </p:spPr>
+        <p:style>
+          <a:lnRef idx="2">
+            <a:schemeClr val="accent1">
+              <a:shade val="50000"/>
+            </a:schemeClr>
+          </a:lnRef>
+          <a:fillRef idx="1">
+            <a:schemeClr val="accent1"/>
+          </a:fillRef>
+          <a:effectRef idx="0">
+            <a:schemeClr val="accent1"/>
+          </a:effectRef>
+          <a:fontRef idx="minor">
+            <a:schemeClr val="lt1"/>
+          </a:fontRef>
+        </p:style>
+        <p:txBody>
+          <a:bodyPr lIns="91440" tIns="45720" rIns="91440" bIns="45720" rtlCol="0" anchor="ctr"/>
+          <a:lstStyle/>
+          <a:p>
+            <a:pPr algn="ctr"/>
+            <a:endParaRPr lang="ko-KR" altLang="en-US" sz="2400">
+              <a:solidFill>
+                <a:prstClr val="white"/>
+              </a:solidFill>
+            </a:endParaRPr>
+          </a:p>
+        </p:txBody>
+      </p:sp>
+      <p:sp>
+        <p:nvSpPr>
+          <p:cNvPr id="5" name="양쪽 모서리가 둥근 사각형 4"/>
+          <p:cNvSpPr/>
+          <p:nvPr/>
+        </p:nvSpPr>
+        <p:spPr>
+          <a:xfrm>
+            <a:off x="143339" y="243880"/>
+            <a:ext cx="11905323" cy="304800"/>
+          </a:xfrm>
+          <a:prstGeom prst="round2SameRect">
+            <a:avLst>
+              <a:gd name="adj1" fmla="val 44667"/>
+              <a:gd name="adj2" fmla="val 0"/>
+            </a:avLst>
+          </a:prstGeom>
+          <a:solidFill>
+            <a:srgbClr val="411F42"/>
+          </a:solidFill>
+          <a:ln>
+            <a:noFill/>
+          </a:ln>
+          <a:effectLst>
+            <a:outerShdw dist="76200" dir="16200000" sx="97000" sy="97000" rotWithShape="0">
+              <a:prstClr val="black">
+                <a:alpha val="40000"/>
+              </a:prstClr>
+            </a:outerShdw>
+          </a:effectLst>
+        </p:spPr>
+        <p:style>
+          <a:lnRef idx="2">
+            <a:schemeClr val="accent1">
+              <a:shade val="50000"/>
+            </a:schemeClr>
+          </a:lnRef>
+          <a:fillRef idx="1">
+            <a:schemeClr val="accent1"/>
+          </a:fillRef>
+          <a:effectRef idx="0">
+            <a:schemeClr val="accent1"/>
+          </a:effectRef>
+          <a:fontRef idx="minor">
+            <a:schemeClr val="lt1"/>
+          </a:fontRef>
+        </p:style>
+        <p:txBody>
+          <a:bodyPr lIns="91440" tIns="45720" rIns="91440" bIns="45720" rtlCol="0" anchor="ctr"/>
+          <a:lstStyle/>
+          <a:p>
+            <a:pPr algn="ctr"/>
+            <a:endParaRPr lang="ko-KR" altLang="en-US" sz="2400">
+              <a:solidFill>
+                <a:prstClr val="white"/>
+              </a:solidFill>
+            </a:endParaRPr>
+          </a:p>
+        </p:txBody>
+      </p:sp>
+      <p:sp>
+        <p:nvSpPr>
+          <p:cNvPr id="7" name="직사각형 6"/>
+          <p:cNvSpPr/>
+          <p:nvPr/>
+        </p:nvSpPr>
+        <p:spPr>
+          <a:xfrm>
+            <a:off x="935120" y="366664"/>
+            <a:ext cx="10613801" cy="72000"/>
+          </a:xfrm>
+          <a:prstGeom prst="rect">
+            <a:avLst/>
+          </a:prstGeom>
+          <a:solidFill>
+            <a:schemeClr val="bg1"/>
+          </a:solidFill>
+          <a:ln>
+            <a:noFill/>
+          </a:ln>
+        </p:spPr>
+        <p:style>
+          <a:lnRef idx="2">
+            <a:schemeClr val="accent1">
+              <a:shade val="50000"/>
+            </a:schemeClr>
+          </a:lnRef>
+          <a:fillRef idx="1">
+            <a:schemeClr val="accent1"/>
+          </a:fillRef>
+          <a:effectRef idx="0">
+            <a:schemeClr val="accent1"/>
+          </a:effectRef>
+          <a:fontRef idx="minor">
+            <a:schemeClr val="lt1"/>
+          </a:fontRef>
+        </p:style>
+        <p:txBody>
+          <a:bodyPr lIns="91440" tIns="45720" rIns="91440" bIns="45720" rtlCol="0" anchor="ctr"/>
+          <a:lstStyle/>
+          <a:p>
+            <a:pPr algn="ctr"/>
+            <a:endParaRPr lang="ko-KR" altLang="en-US" sz="2400">
+              <a:solidFill>
+                <a:prstClr val="white"/>
+              </a:solidFill>
+            </a:endParaRPr>
+          </a:p>
+        </p:txBody>
+      </p:sp>
+      <p:sp>
+        <p:nvSpPr>
+          <p:cNvPr id="8" name="타원 7"/>
+          <p:cNvSpPr/>
+          <p:nvPr/>
+        </p:nvSpPr>
+        <p:spPr>
+          <a:xfrm>
+            <a:off x="576949" y="366664"/>
+            <a:ext cx="75276" cy="72000"/>
+          </a:xfrm>
+          <a:prstGeom prst="ellipse">
+            <a:avLst/>
+          </a:prstGeom>
+          <a:solidFill>
+            <a:srgbClr val="FF6189"/>
+          </a:solidFill>
+          <a:ln>
+            <a:noFill/>
+          </a:ln>
+        </p:spPr>
+        <p:style>
+          <a:lnRef idx="2">
+            <a:schemeClr val="accent1">
+              <a:shade val="50000"/>
+            </a:schemeClr>
+          </a:lnRef>
+          <a:fillRef idx="1">
+            <a:schemeClr val="accent1"/>
+          </a:fillRef>
+          <a:effectRef idx="0">
+            <a:schemeClr val="accent1"/>
+          </a:effectRef>
+          <a:fontRef idx="minor">
+            <a:schemeClr val="lt1"/>
+          </a:fontRef>
+        </p:style>
+        <p:txBody>
+          <a:bodyPr lIns="91440" tIns="45720" rIns="91440" bIns="45720" rtlCol="0" anchor="ctr"/>
+          <a:lstStyle/>
+          <a:p>
+            <a:pPr algn="ctr"/>
+            <a:endParaRPr lang="ko-KR" altLang="en-US" sz="2400">
+              <a:solidFill>
+                <a:prstClr val="white"/>
+              </a:solidFill>
+            </a:endParaRPr>
+          </a:p>
+        </p:txBody>
+      </p:sp>
+      <p:sp>
+        <p:nvSpPr>
+          <p:cNvPr id="9" name="타원 8"/>
+          <p:cNvSpPr/>
+          <p:nvPr/>
+        </p:nvSpPr>
+        <p:spPr>
+          <a:xfrm>
+            <a:off x="766826" y="366664"/>
+            <a:ext cx="75276" cy="72000"/>
+          </a:xfrm>
+          <a:prstGeom prst="ellipse">
+            <a:avLst/>
+          </a:prstGeom>
+          <a:solidFill>
+            <a:srgbClr val="00B0F0"/>
+          </a:solidFill>
+          <a:ln>
+            <a:noFill/>
+          </a:ln>
+        </p:spPr>
+        <p:style>
+          <a:lnRef idx="2">
+            <a:schemeClr val="accent1">
+              <a:shade val="50000"/>
+            </a:schemeClr>
+          </a:lnRef>
+          <a:fillRef idx="1">
+            <a:schemeClr val="accent1"/>
+          </a:fillRef>
+          <a:effectRef idx="0">
+            <a:schemeClr val="accent1"/>
+          </a:effectRef>
+          <a:fontRef idx="minor">
+            <a:schemeClr val="lt1"/>
+          </a:fontRef>
+        </p:style>
+        <p:txBody>
+          <a:bodyPr lIns="91440" tIns="45720" rIns="91440" bIns="45720" rtlCol="0" anchor="ctr"/>
+          <a:lstStyle/>
+          <a:p>
+            <a:pPr algn="ctr"/>
+            <a:endParaRPr lang="ko-KR" altLang="en-US" sz="2400">
+              <a:solidFill>
+                <a:prstClr val="white"/>
+              </a:solidFill>
+            </a:endParaRPr>
+          </a:p>
+        </p:txBody>
+      </p:sp>
+      <p:sp>
+        <p:nvSpPr>
+          <p:cNvPr id="10" name="타원 9"/>
+          <p:cNvSpPr/>
+          <p:nvPr/>
+        </p:nvSpPr>
+        <p:spPr>
+          <a:xfrm>
+            <a:off x="956703" y="366664"/>
+            <a:ext cx="75276" cy="72000"/>
+          </a:xfrm>
+          <a:prstGeom prst="ellipse">
+            <a:avLst/>
+          </a:prstGeom>
+          <a:solidFill>
+            <a:schemeClr val="accent4"/>
+          </a:solidFill>
+          <a:ln>
+            <a:noFill/>
+          </a:ln>
+        </p:spPr>
+        <p:style>
+          <a:lnRef idx="2">
+            <a:schemeClr val="accent1">
+              <a:shade val="50000"/>
+            </a:schemeClr>
+          </a:lnRef>
+          <a:fillRef idx="1">
+            <a:schemeClr val="accent1"/>
+          </a:fillRef>
+          <a:effectRef idx="0">
+            <a:schemeClr val="accent1"/>
+          </a:effectRef>
+          <a:fontRef idx="minor">
+            <a:schemeClr val="lt1"/>
+          </a:fontRef>
+        </p:style>
+        <p:txBody>
+          <a:bodyPr lIns="91440" tIns="45720" rIns="91440" bIns="45720" rtlCol="0" anchor="ctr"/>
+          <a:lstStyle/>
+          <a:p>
+            <a:pPr algn="ctr"/>
+            <a:endParaRPr lang="ko-KR" altLang="en-US" sz="2400">
+              <a:solidFill>
+                <a:prstClr val="white"/>
+              </a:solidFill>
+            </a:endParaRPr>
+          </a:p>
+        </p:txBody>
+      </p:sp>
+      <p:sp>
+        <p:nvSpPr>
+          <p:cNvPr id="15" name="직사각형 14"/>
+          <p:cNvSpPr/>
+          <p:nvPr/>
+        </p:nvSpPr>
+        <p:spPr>
+          <a:xfrm>
+            <a:off x="935120" y="743464"/>
+            <a:ext cx="6592433" cy="484748"/>
+          </a:xfrm>
+          <a:prstGeom prst="rect">
+            <a:avLst/>
+          </a:prstGeom>
+        </p:spPr>
+        <p:txBody>
+          <a:bodyPr wrap="square" lIns="68580" tIns="34290" rIns="68580" bIns="34290">
+            <a:spAutoFit/>
+          </a:bodyPr>
+          <a:lstStyle/>
+          <a:p>
+            <a:pPr>
+              <a:lnSpc>
+                <a:spcPct val="150000"/>
+              </a:lnSpc>
+            </a:pPr>
+            <a:r>
+              <a:rPr lang="en-US" altLang="ko-KR" sz="1800" b="1">
+                <a:solidFill>
+                  <a:schemeClr val="tx1">
+                    <a:lumMod val="75000"/>
+                    <a:lumOff val="25000"/>
+                  </a:schemeClr>
+                </a:solidFill>
+                <a:latin typeface="나눔고딕" panose="020D0604000000000000" pitchFamily="50" charset="-127"/>
+                <a:ea typeface="나눔고딕" panose="020D0604000000000000" pitchFamily="50" charset="-127"/>
+              </a:rPr>
+              <a:t>[ </a:t>
+            </a:r>
+            <a:r>
+              <a:rPr lang="ko-KR" altLang="en-US" sz="1800" b="1" smtClean="0">
+                <a:solidFill>
+                  <a:schemeClr val="tx1">
+                    <a:lumMod val="75000"/>
+                    <a:lumOff val="25000"/>
+                  </a:schemeClr>
+                </a:solidFill>
+                <a:latin typeface="나눔고딕" panose="020D0604000000000000" pitchFamily="50" charset="-127"/>
+                <a:ea typeface="나눔고딕" panose="020D0604000000000000" pitchFamily="50" charset="-127"/>
+              </a:rPr>
+              <a:t>화면구현 </a:t>
+            </a:r>
+            <a:r>
+              <a:rPr lang="en-US" altLang="ko-KR" sz="1800" b="1" dirty="0">
+                <a:solidFill>
+                  <a:schemeClr val="tx1">
+                    <a:lumMod val="75000"/>
+                    <a:lumOff val="25000"/>
+                  </a:schemeClr>
+                </a:solidFill>
+                <a:latin typeface="나눔고딕" panose="020D0604000000000000" pitchFamily="50" charset="-127"/>
+                <a:ea typeface="나눔고딕" panose="020D0604000000000000" pitchFamily="50" charset="-127"/>
+              </a:rPr>
+              <a:t>] </a:t>
+            </a:r>
+            <a:r>
+              <a:rPr lang="ko-KR" altLang="en-US" sz="1800" b="1" dirty="0" smtClean="0">
+                <a:solidFill>
+                  <a:schemeClr val="tx1">
+                    <a:lumMod val="75000"/>
+                    <a:lumOff val="25000"/>
+                  </a:schemeClr>
+                </a:solidFill>
+                <a:latin typeface="나눔고딕" panose="020D0604000000000000" pitchFamily="50" charset="-127"/>
+                <a:ea typeface="나눔고딕" panose="020D0604000000000000" pitchFamily="50" charset="-127"/>
+              </a:rPr>
+              <a:t>상품목록 </a:t>
+            </a:r>
+            <a:r>
+              <a:rPr lang="en-US" altLang="ko-KR" sz="1800" b="1" dirty="0" smtClean="0">
+                <a:solidFill>
+                  <a:schemeClr val="tx1">
+                    <a:lumMod val="75000"/>
+                    <a:lumOff val="25000"/>
+                  </a:schemeClr>
+                </a:solidFill>
+                <a:latin typeface="나눔고딕" panose="020D0604000000000000" pitchFamily="50" charset="-127"/>
+                <a:ea typeface="나눔고딕" panose="020D0604000000000000" pitchFamily="50" charset="-127"/>
+              </a:rPr>
+              <a:t>– </a:t>
+            </a:r>
+            <a:r>
+              <a:rPr lang="ko-KR" altLang="en-US" sz="1800" b="1" dirty="0" err="1">
+                <a:solidFill>
+                  <a:schemeClr val="tx1">
+                    <a:lumMod val="75000"/>
+                    <a:lumOff val="25000"/>
+                  </a:schemeClr>
+                </a:solidFill>
+                <a:latin typeface="나눔고딕" panose="020D0604000000000000" pitchFamily="50" charset="-127"/>
+                <a:ea typeface="나눔고딕" panose="020D0604000000000000" pitchFamily="50" charset="-127"/>
+              </a:rPr>
+              <a:t>리워드</a:t>
+            </a:r>
+            <a:r>
+              <a:rPr lang="ko-KR" altLang="en-US" sz="1800" b="1" dirty="0">
+                <a:solidFill>
+                  <a:schemeClr val="tx1">
+                    <a:lumMod val="75000"/>
+                    <a:lumOff val="25000"/>
+                  </a:schemeClr>
+                </a:solidFill>
+                <a:latin typeface="나눔고딕" panose="020D0604000000000000" pitchFamily="50" charset="-127"/>
+                <a:ea typeface="나눔고딕" panose="020D0604000000000000" pitchFamily="50" charset="-127"/>
+              </a:rPr>
+              <a:t> 스토어 </a:t>
+            </a:r>
+            <a:r>
+              <a:rPr lang="en-US" altLang="ko-KR" sz="1800" b="1" dirty="0">
+                <a:solidFill>
+                  <a:schemeClr val="tx1">
+                    <a:lumMod val="75000"/>
+                    <a:lumOff val="25000"/>
+                  </a:schemeClr>
+                </a:solidFill>
+                <a:latin typeface="나눔고딕" panose="020D0604000000000000" pitchFamily="50" charset="-127"/>
+                <a:ea typeface="나눔고딕" panose="020D0604000000000000" pitchFamily="50" charset="-127"/>
+              </a:rPr>
+              <a:t>- </a:t>
+            </a:r>
+            <a:r>
+              <a:rPr lang="ko-KR" altLang="en-US" sz="1800" b="1" dirty="0" smtClean="0">
+                <a:solidFill>
+                  <a:schemeClr val="tx1">
+                    <a:lumMod val="75000"/>
+                    <a:lumOff val="25000"/>
+                  </a:schemeClr>
+                </a:solidFill>
+                <a:latin typeface="나눔고딕" panose="020D0604000000000000" pitchFamily="50" charset="-127"/>
+                <a:ea typeface="나눔고딕" panose="020D0604000000000000" pitchFamily="50" charset="-127"/>
+              </a:rPr>
+              <a:t>사용</a:t>
+            </a:r>
+            <a:r>
+              <a:rPr lang="ko-KR" altLang="en-US" sz="1800" b="1" dirty="0">
+                <a:solidFill>
+                  <a:schemeClr val="tx1">
+                    <a:lumMod val="75000"/>
+                    <a:lumOff val="25000"/>
+                  </a:schemeClr>
+                </a:solidFill>
+                <a:latin typeface="나눔고딕" panose="020D0604000000000000" pitchFamily="50" charset="-127"/>
+                <a:ea typeface="나눔고딕" panose="020D0604000000000000" pitchFamily="50" charset="-127"/>
+              </a:rPr>
+              <a:t>자</a:t>
+            </a:r>
+          </a:p>
+        </p:txBody>
+      </p:sp>
+      <p:pic>
+        <p:nvPicPr>
+          <p:cNvPr id="16" name="그림 15"/>
+          <p:cNvPicPr>
+            <a:picLocks noChangeAspect="1"/>
+          </p:cNvPicPr>
+          <p:nvPr/>
+        </p:nvPicPr>
+        <p:blipFill>
+          <a:blip r:embed="rId2" cstate="print">
+            <a:extLst>
+              <a:ext uri="{28A0092B-C50C-407E-A947-70E740481C1C}">
+                <a14:useLocalDpi xmlns:a14="http://schemas.microsoft.com/office/drawing/2010/main" val="0"/>
+              </a:ext>
+            </a:extLst>
+          </a:blip>
+          <a:stretch>
+            <a:fillRect/>
+          </a:stretch>
+        </p:blipFill>
+        <p:spPr>
+          <a:xfrm>
+            <a:off x="362442" y="743464"/>
+            <a:ext cx="500395" cy="500395"/>
+          </a:xfrm>
+          <a:prstGeom prst="rect">
+            <a:avLst/>
+          </a:prstGeom>
+        </p:spPr>
+      </p:pic>
+      <p:sp>
+        <p:nvSpPr>
+          <p:cNvPr id="13" name="TextBox 12"/>
+          <p:cNvSpPr txBox="1"/>
+          <p:nvPr/>
+        </p:nvSpPr>
+        <p:spPr>
+          <a:xfrm>
+            <a:off x="1375719" y="1364419"/>
+            <a:ext cx="1930080" cy="369332"/>
+          </a:xfrm>
+          <a:prstGeom prst="rect">
+            <a:avLst/>
+          </a:prstGeom>
+          <a:noFill/>
+        </p:spPr>
+        <p:txBody>
+          <a:bodyPr wrap="none" rtlCol="0">
+            <a:spAutoFit/>
+          </a:bodyPr>
+          <a:lstStyle/>
+          <a:p>
+            <a:r>
+              <a:rPr lang="en-US" altLang="ko-KR" smtClean="0"/>
+              <a:t>StoreMapper.xml</a:t>
+            </a:r>
+            <a:endParaRPr lang="ko-KR" altLang="en-US"/>
+          </a:p>
+        </p:txBody>
+      </p:sp>
+      <p:pic>
+        <p:nvPicPr>
+          <p:cNvPr id="14" name="그림 13"/>
+          <p:cNvPicPr>
+            <a:picLocks noChangeAspect="1"/>
+          </p:cNvPicPr>
+          <p:nvPr/>
+        </p:nvPicPr>
+        <p:blipFill>
+          <a:blip r:embed="rId3"/>
+          <a:stretch>
+            <a:fillRect/>
+          </a:stretch>
+        </p:blipFill>
+        <p:spPr>
+          <a:xfrm>
+            <a:off x="1375719" y="1910126"/>
+            <a:ext cx="4789973" cy="3057525"/>
+          </a:xfrm>
+          <a:prstGeom prst="rect">
+            <a:avLst/>
+          </a:prstGeom>
+          <a:ln>
+            <a:solidFill>
+              <a:schemeClr val="tx1"/>
+            </a:solidFill>
+          </a:ln>
+        </p:spPr>
+      </p:pic>
+      <p:sp>
+        <p:nvSpPr>
+          <p:cNvPr id="20" name="TextBox 19"/>
+          <p:cNvSpPr txBox="1"/>
+          <p:nvPr/>
+        </p:nvSpPr>
+        <p:spPr>
+          <a:xfrm>
+            <a:off x="6549330" y="1406032"/>
+            <a:ext cx="1215333" cy="369332"/>
+          </a:xfrm>
+          <a:prstGeom prst="rect">
+            <a:avLst/>
+          </a:prstGeom>
+          <a:noFill/>
+        </p:spPr>
+        <p:txBody>
+          <a:bodyPr wrap="none" rtlCol="0">
+            <a:spAutoFit/>
+          </a:bodyPr>
+          <a:lstStyle/>
+          <a:p>
+            <a:r>
+              <a:rPr lang="en-US" altLang="ko-KR" smtClean="0"/>
+              <a:t>Controller</a:t>
+            </a:r>
+            <a:endParaRPr lang="ko-KR" altLang="en-US"/>
+          </a:p>
+        </p:txBody>
+      </p:sp>
+      <p:pic>
+        <p:nvPicPr>
+          <p:cNvPr id="21" name="그림 20"/>
+          <p:cNvPicPr>
+            <a:picLocks noChangeAspect="1"/>
+          </p:cNvPicPr>
+          <p:nvPr/>
+        </p:nvPicPr>
+        <p:blipFill>
+          <a:blip r:embed="rId4"/>
+          <a:stretch>
+            <a:fillRect/>
+          </a:stretch>
+        </p:blipFill>
+        <p:spPr>
+          <a:xfrm>
+            <a:off x="6549330" y="1871375"/>
+            <a:ext cx="5058418" cy="1343025"/>
+          </a:xfrm>
+          <a:prstGeom prst="rect">
+            <a:avLst/>
+          </a:prstGeom>
+          <a:ln>
+            <a:solidFill>
+              <a:schemeClr val="tx1"/>
+            </a:solidFill>
+          </a:ln>
+        </p:spPr>
+      </p:pic>
+      <p:pic>
+        <p:nvPicPr>
+          <p:cNvPr id="22" name="그림 21"/>
+          <p:cNvPicPr>
+            <a:picLocks noChangeAspect="1"/>
+          </p:cNvPicPr>
+          <p:nvPr/>
+        </p:nvPicPr>
+        <p:blipFill>
+          <a:blip r:embed="rId5"/>
+          <a:stretch>
+            <a:fillRect/>
+          </a:stretch>
+        </p:blipFill>
+        <p:spPr>
+          <a:xfrm>
+            <a:off x="7156996" y="3421901"/>
+            <a:ext cx="2473335" cy="2820008"/>
+          </a:xfrm>
+          <a:prstGeom prst="rect">
+            <a:avLst/>
+          </a:prstGeom>
+          <a:ln>
+            <a:solidFill>
+              <a:schemeClr val="tx1"/>
+            </a:solidFill>
+          </a:ln>
+        </p:spPr>
+      </p:pic>
+    </p:spTree>
+    <p:extLst>
+      <p:ext uri="{BB962C8B-B14F-4D97-AF65-F5344CB8AC3E}">
+        <p14:creationId xmlns:p14="http://schemas.microsoft.com/office/powerpoint/2010/main" val="3680464827"/>
+      </p:ext>
+    </p:extLst>
+  </p:cSld>
+  <p:clrMapOvr>
+    <a:masterClrMapping/>
+  </p:clrMapOvr>
+  <p:timing>
+    <p:tnLst>
+      <p:par>
+        <p:cTn id="1" dur="indefinite" restart="never" nodeType="tmRoot"/>
+      </p:par>
+    </p:tnLst>
+  </p:timing>
+</p:sld>
+</file>
+
+<file path=ppt/slides/slide6.xml><?xml version="1.0" encoding="utf-8"?>
+<p:sld xmlns:a="http://schemas.openxmlformats.org/drawingml/2006/main" xmlns:r="http://schemas.openxmlformats.org/officeDocument/2006/relationships" xmlns:p="http://schemas.openxmlformats.org/presentationml/2006/main">
+  <p:cSld>
+    <p:spTree>
+      <p:nvGrpSpPr>
+        <p:cNvPr id="1" name=""/>
+        <p:cNvGrpSpPr/>
+        <p:nvPr/>
+      </p:nvGrpSpPr>
+      <p:grpSpPr>
+        <a:xfrm>
+          <a:off x="0" y="0"/>
+          <a:ext cx="0" cy="0"/>
+          <a:chOff x="0" y="0"/>
+          <a:chExt cx="0" cy="0"/>
+        </a:xfrm>
+      </p:grpSpPr>
+      <p:sp>
+        <p:nvSpPr>
+          <p:cNvPr id="18" name="직사각형 17"/>
+          <p:cNvSpPr/>
+          <p:nvPr/>
+        </p:nvSpPr>
+        <p:spPr>
+          <a:xfrm rot="21409477">
+            <a:off x="832974" y="128931"/>
+            <a:ext cx="9282799" cy="6218171"/>
+          </a:xfrm>
+          <a:prstGeom prst="rect">
+            <a:avLst/>
+          </a:prstGeom>
+          <a:solidFill>
+            <a:schemeClr val="bg1">
+              <a:lumMod val="95000"/>
+            </a:schemeClr>
+          </a:solidFill>
+          <a:ln>
+            <a:noFill/>
+          </a:ln>
+        </p:spPr>
+        <p:style>
+          <a:lnRef idx="2">
+            <a:schemeClr val="accent1">
+              <a:shade val="50000"/>
+            </a:schemeClr>
+          </a:lnRef>
+          <a:fillRef idx="1">
+            <a:schemeClr val="accent1"/>
+          </a:fillRef>
+          <a:effectRef idx="0">
+            <a:schemeClr val="accent1"/>
+          </a:effectRef>
+          <a:fontRef idx="minor">
+            <a:schemeClr val="lt1"/>
+          </a:fontRef>
+        </p:style>
+        <p:txBody>
+          <a:bodyPr lIns="91440" tIns="45720" rIns="91440" bIns="45720" rtlCol="0" anchor="ctr"/>
+          <a:lstStyle/>
+          <a:p>
+            <a:pPr algn="ctr"/>
+            <a:endParaRPr lang="ko-KR" altLang="en-US" sz="2400">
+              <a:latin typeface="나눔바른고딕" panose="020B0603020101020101" pitchFamily="50" charset="-127"/>
+              <a:ea typeface="나눔바른고딕" panose="020B0603020101020101" pitchFamily="50" charset="-127"/>
+            </a:endParaRPr>
+          </a:p>
+        </p:txBody>
+      </p:sp>
+      <p:sp>
+        <p:nvSpPr>
+          <p:cNvPr id="5" name="직사각형 4"/>
+          <p:cNvSpPr/>
+          <p:nvPr/>
+        </p:nvSpPr>
+        <p:spPr>
+          <a:xfrm>
+            <a:off x="667880" y="331855"/>
+            <a:ext cx="11425909" cy="6392929"/>
+          </a:xfrm>
+          <a:prstGeom prst="rect">
+            <a:avLst/>
+          </a:prstGeom>
+          <a:gradFill flip="none" rotWithShape="1">
+            <a:gsLst>
+              <a:gs pos="100000">
+                <a:schemeClr val="bg1">
+                  <a:shade val="67500"/>
+                  <a:satMod val="115000"/>
+                </a:schemeClr>
+              </a:gs>
+              <a:gs pos="64000">
+                <a:schemeClr val="bg1">
+                  <a:shade val="100000"/>
+                  <a:satMod val="115000"/>
+                </a:schemeClr>
+              </a:gs>
+            </a:gsLst>
+            <a:lin ang="10800000" scaled="1"/>
+            <a:tileRect/>
+          </a:gradFill>
+          <a:ln>
+            <a:noFill/>
+          </a:ln>
+          <a:effectLst>
+            <a:outerShdw blurRad="228600" dist="76200" dir="16200000" rotWithShape="0">
+              <a:prstClr val="black">
+                <a:alpha val="40000"/>
+              </a:prstClr>
+            </a:outerShdw>
+          </a:effectLst>
+        </p:spPr>
+        <p:style>
+          <a:lnRef idx="2">
+            <a:schemeClr val="accent1">
+              <a:shade val="50000"/>
+            </a:schemeClr>
+          </a:lnRef>
+          <a:fillRef idx="1">
+            <a:schemeClr val="accent1"/>
+          </a:fillRef>
+          <a:effectRef idx="0">
+            <a:schemeClr val="accent1"/>
+          </a:effectRef>
+          <a:fontRef idx="minor">
+            <a:schemeClr val="lt1"/>
+          </a:fontRef>
+        </p:style>
+        <p:txBody>
+          <a:bodyPr lIns="91440" tIns="45720" rIns="91440" bIns="45720" rtlCol="0" anchor="ctr"/>
+          <a:lstStyle/>
+          <a:p>
+            <a:pPr algn="ctr"/>
+            <a:endParaRPr lang="ko-KR" altLang="en-US" sz="2400">
+              <a:latin typeface="나눔바른고딕" panose="020B0603020101020101" pitchFamily="50" charset="-127"/>
+              <a:ea typeface="나눔바른고딕" panose="020B0603020101020101" pitchFamily="50" charset="-127"/>
+            </a:endParaRPr>
+          </a:p>
+        </p:txBody>
+      </p:sp>
+      <p:grpSp>
+        <p:nvGrpSpPr>
+          <p:cNvPr id="2" name="그룹 1"/>
+          <p:cNvGrpSpPr/>
+          <p:nvPr/>
+        </p:nvGrpSpPr>
+        <p:grpSpPr>
+          <a:xfrm>
+            <a:off x="143104" y="68627"/>
+            <a:ext cx="768321" cy="6704028"/>
+            <a:chOff x="586490" y="739768"/>
+            <a:chExt cx="1017302" cy="5420168"/>
+          </a:xfrm>
+        </p:grpSpPr>
+        <p:sp>
+          <p:nvSpPr>
+            <p:cNvPr id="39" name="자유형 38"/>
+            <p:cNvSpPr/>
+            <p:nvPr/>
+          </p:nvSpPr>
+          <p:spPr>
+            <a:xfrm rot="10800000">
+              <a:off x="586490" y="1041378"/>
+              <a:ext cx="1017302" cy="4991063"/>
+            </a:xfrm>
+            <a:custGeom>
+              <a:avLst/>
+              <a:gdLst>
+                <a:gd name="connsiteX0" fmla="*/ 194310 w 388620"/>
+                <a:gd name="connsiteY0" fmla="*/ 0 h 2927235"/>
+                <a:gd name="connsiteX1" fmla="*/ 388620 w 388620"/>
+                <a:gd name="connsiteY1" fmla="*/ 194310 h 2927235"/>
+                <a:gd name="connsiteX2" fmla="*/ 388620 w 388620"/>
+                <a:gd name="connsiteY2" fmla="*/ 2927235 h 2927235"/>
+                <a:gd name="connsiteX3" fmla="*/ 379599 w 388620"/>
+                <a:gd name="connsiteY3" fmla="*/ 2898175 h 2927235"/>
+                <a:gd name="connsiteX4" fmla="*/ 194310 w 388620"/>
+                <a:gd name="connsiteY4" fmla="*/ 2775357 h 2927235"/>
+                <a:gd name="connsiteX5" fmla="*/ 9021 w 388620"/>
+                <a:gd name="connsiteY5" fmla="*/ 2898175 h 2927235"/>
+                <a:gd name="connsiteX6" fmla="*/ 0 w 388620"/>
+                <a:gd name="connsiteY6" fmla="*/ 2927235 h 2927235"/>
+                <a:gd name="connsiteX7" fmla="*/ 0 w 388620"/>
+                <a:gd name="connsiteY7" fmla="*/ 194310 h 2927235"/>
+                <a:gd name="connsiteX8" fmla="*/ 194310 w 388620"/>
+                <a:gd name="connsiteY8" fmla="*/ 0 h 2927235"/>
+              </a:gdLst>
+              <a:ahLst/>
+              <a:cxnLst>
+                <a:cxn ang="0">
+                  <a:pos x="connsiteX0" y="connsiteY0"/>
+                </a:cxn>
+                <a:cxn ang="0">
+                  <a:pos x="connsiteX1" y="connsiteY1"/>
+                </a:cxn>
+                <a:cxn ang="0">
+                  <a:pos x="connsiteX2" y="connsiteY2"/>
+                </a:cxn>
+                <a:cxn ang="0">
+                  <a:pos x="connsiteX3" y="connsiteY3"/>
+                </a:cxn>
+                <a:cxn ang="0">
+                  <a:pos x="connsiteX4" y="connsiteY4"/>
+                </a:cxn>
+                <a:cxn ang="0">
+                  <a:pos x="connsiteX5" y="connsiteY5"/>
+                </a:cxn>
+                <a:cxn ang="0">
+                  <a:pos x="connsiteX6" y="connsiteY6"/>
+                </a:cxn>
+                <a:cxn ang="0">
+                  <a:pos x="connsiteX7" y="connsiteY7"/>
+                </a:cxn>
+                <a:cxn ang="0">
+                  <a:pos x="connsiteX8" y="connsiteY8"/>
+                </a:cxn>
+              </a:cxnLst>
+              <a:rect l="l" t="t" r="r" b="b"/>
+              <a:pathLst>
+                <a:path w="388620" h="2927235">
+                  <a:moveTo>
+                    <a:pt x="194310" y="0"/>
+                  </a:moveTo>
+                  <a:cubicBezTo>
+                    <a:pt x="301624" y="0"/>
+                    <a:pt x="388620" y="86996"/>
+                    <a:pt x="388620" y="194310"/>
+                  </a:cubicBezTo>
+                  <a:lnTo>
+                    <a:pt x="388620" y="2927235"/>
+                  </a:lnTo>
+                  <a:lnTo>
+                    <a:pt x="379599" y="2898175"/>
+                  </a:lnTo>
+                  <a:cubicBezTo>
+                    <a:pt x="349072" y="2826000"/>
+                    <a:pt x="277605" y="2775357"/>
+                    <a:pt x="194310" y="2775357"/>
+                  </a:cubicBezTo>
+                  <a:cubicBezTo>
+                    <a:pt x="111015" y="2775357"/>
+                    <a:pt x="39548" y="2826000"/>
+                    <a:pt x="9021" y="2898175"/>
+                  </a:cubicBezTo>
+                  <a:lnTo>
+                    <a:pt x="0" y="2927235"/>
+                  </a:lnTo>
+                  <a:lnTo>
+                    <a:pt x="0" y="194310"/>
+                  </a:lnTo>
+                  <a:cubicBezTo>
+                    <a:pt x="0" y="86996"/>
+                    <a:pt x="86996" y="0"/>
+                    <a:pt x="194310" y="0"/>
+                  </a:cubicBezTo>
+                  <a:close/>
+                </a:path>
+              </a:pathLst>
+            </a:custGeom>
+            <a:gradFill flip="none" rotWithShape="1">
+              <a:gsLst>
+                <a:gs pos="0">
+                  <a:schemeClr val="bg1">
+                    <a:shade val="67500"/>
+                    <a:satMod val="115000"/>
+                  </a:schemeClr>
+                </a:gs>
+                <a:gs pos="100000">
+                  <a:schemeClr val="bg1">
+                    <a:shade val="100000"/>
+                    <a:satMod val="115000"/>
+                  </a:schemeClr>
+                </a:gs>
+              </a:gsLst>
+              <a:lin ang="10800000" scaled="1"/>
+              <a:tileRect/>
+            </a:gradFill>
+            <a:ln>
+              <a:noFill/>
+            </a:ln>
+            <a:effectLst>
+              <a:outerShdw blurRad="88900" dist="139700" dir="5400000" sx="98000" sy="98000" algn="t" rotWithShape="0">
+                <a:prstClr val="black">
+                  <a:alpha val="40000"/>
+                </a:prstClr>
+              </a:outerShdw>
+            </a:effectLst>
+          </p:spPr>
+          <p:style>
+            <a:lnRef idx="2">
+              <a:schemeClr val="accent1">
+                <a:shade val="50000"/>
+              </a:schemeClr>
+            </a:lnRef>
+            <a:fillRef idx="1">
+              <a:schemeClr val="accent1"/>
+            </a:fillRef>
+            <a:effectRef idx="0">
+              <a:schemeClr val="accent1"/>
+            </a:effectRef>
+            <a:fontRef idx="minor">
+              <a:schemeClr val="lt1"/>
+            </a:fontRef>
+          </p:style>
+          <p:txBody>
+            <a:bodyPr rtlCol="0" anchor="ctr"/>
+            <a:lstStyle/>
+            <a:p>
+              <a:pPr algn="ctr"/>
+              <a:endParaRPr lang="ko-KR" altLang="en-US" sz="2400">
+                <a:latin typeface="나눔바른고딕" panose="020B0603020101020101" pitchFamily="50" charset="-127"/>
+                <a:ea typeface="나눔바른고딕" panose="020B0603020101020101" pitchFamily="50" charset="-127"/>
+              </a:endParaRPr>
+            </a:p>
+          </p:txBody>
+        </p:sp>
+        <p:sp>
+          <p:nvSpPr>
+            <p:cNvPr id="40" name="자유형 39"/>
+            <p:cNvSpPr/>
+            <p:nvPr/>
+          </p:nvSpPr>
+          <p:spPr>
+            <a:xfrm rot="10800000">
+              <a:off x="754421" y="2816677"/>
+              <a:ext cx="681439" cy="3343259"/>
+            </a:xfrm>
+            <a:custGeom>
+              <a:avLst/>
+              <a:gdLst>
+                <a:gd name="connsiteX0" fmla="*/ 194310 w 388620"/>
+                <a:gd name="connsiteY0" fmla="*/ 0 h 2927235"/>
+                <a:gd name="connsiteX1" fmla="*/ 388620 w 388620"/>
+                <a:gd name="connsiteY1" fmla="*/ 194310 h 2927235"/>
+                <a:gd name="connsiteX2" fmla="*/ 388620 w 388620"/>
+                <a:gd name="connsiteY2" fmla="*/ 2927235 h 2927235"/>
+                <a:gd name="connsiteX3" fmla="*/ 379599 w 388620"/>
+                <a:gd name="connsiteY3" fmla="*/ 2898175 h 2927235"/>
+                <a:gd name="connsiteX4" fmla="*/ 194310 w 388620"/>
+                <a:gd name="connsiteY4" fmla="*/ 2775357 h 2927235"/>
+                <a:gd name="connsiteX5" fmla="*/ 9021 w 388620"/>
+                <a:gd name="connsiteY5" fmla="*/ 2898175 h 2927235"/>
+                <a:gd name="connsiteX6" fmla="*/ 0 w 388620"/>
+                <a:gd name="connsiteY6" fmla="*/ 2927235 h 2927235"/>
+                <a:gd name="connsiteX7" fmla="*/ 0 w 388620"/>
+                <a:gd name="connsiteY7" fmla="*/ 194310 h 2927235"/>
+                <a:gd name="connsiteX8" fmla="*/ 194310 w 388620"/>
+                <a:gd name="connsiteY8" fmla="*/ 0 h 2927235"/>
+              </a:gdLst>
+              <a:ahLst/>
+              <a:cxnLst>
+                <a:cxn ang="0">
+                  <a:pos x="connsiteX0" y="connsiteY0"/>
+                </a:cxn>
+                <a:cxn ang="0">
+                  <a:pos x="connsiteX1" y="connsiteY1"/>
+                </a:cxn>
+                <a:cxn ang="0">
+                  <a:pos x="connsiteX2" y="connsiteY2"/>
+                </a:cxn>
+                <a:cxn ang="0">
+                  <a:pos x="connsiteX3" y="connsiteY3"/>
+                </a:cxn>
+                <a:cxn ang="0">
+                  <a:pos x="connsiteX4" y="connsiteY4"/>
+                </a:cxn>
+                <a:cxn ang="0">
+                  <a:pos x="connsiteX5" y="connsiteY5"/>
+                </a:cxn>
+                <a:cxn ang="0">
+                  <a:pos x="connsiteX6" y="connsiteY6"/>
+                </a:cxn>
+                <a:cxn ang="0">
+                  <a:pos x="connsiteX7" y="connsiteY7"/>
+                </a:cxn>
+                <a:cxn ang="0">
+                  <a:pos x="connsiteX8" y="connsiteY8"/>
+                </a:cxn>
+              </a:cxnLst>
+              <a:rect l="l" t="t" r="r" b="b"/>
+              <a:pathLst>
+                <a:path w="388620" h="2927235">
+                  <a:moveTo>
+                    <a:pt x="194310" y="0"/>
+                  </a:moveTo>
+                  <a:cubicBezTo>
+                    <a:pt x="301624" y="0"/>
+                    <a:pt x="388620" y="86996"/>
+                    <a:pt x="388620" y="194310"/>
+                  </a:cubicBezTo>
+                  <a:lnTo>
+                    <a:pt x="388620" y="2927235"/>
+                  </a:lnTo>
+                  <a:lnTo>
+                    <a:pt x="379599" y="2898175"/>
+                  </a:lnTo>
+                  <a:cubicBezTo>
+                    <a:pt x="349072" y="2826000"/>
+                    <a:pt x="277605" y="2775357"/>
+                    <a:pt x="194310" y="2775357"/>
+                  </a:cubicBezTo>
+                  <a:cubicBezTo>
+                    <a:pt x="111015" y="2775357"/>
+                    <a:pt x="39548" y="2826000"/>
+                    <a:pt x="9021" y="2898175"/>
+                  </a:cubicBezTo>
+                  <a:lnTo>
+                    <a:pt x="0" y="2927235"/>
+                  </a:lnTo>
+                  <a:lnTo>
+                    <a:pt x="0" y="194310"/>
+                  </a:lnTo>
+                  <a:cubicBezTo>
+                    <a:pt x="0" y="86996"/>
+                    <a:pt x="86996" y="0"/>
+                    <a:pt x="194310" y="0"/>
+                  </a:cubicBezTo>
+                  <a:close/>
+                </a:path>
+              </a:pathLst>
+            </a:custGeom>
+            <a:gradFill flip="none" rotWithShape="1">
+              <a:gsLst>
+                <a:gs pos="0">
+                  <a:schemeClr val="bg1">
+                    <a:shade val="67500"/>
+                    <a:satMod val="115000"/>
+                  </a:schemeClr>
+                </a:gs>
+                <a:gs pos="100000">
+                  <a:schemeClr val="bg1">
+                    <a:shade val="100000"/>
+                    <a:satMod val="115000"/>
+                  </a:schemeClr>
+                </a:gs>
+              </a:gsLst>
+              <a:lin ang="10800000" scaled="1"/>
+              <a:tileRect/>
+            </a:gradFill>
+            <a:ln>
+              <a:noFill/>
+            </a:ln>
+            <a:effectLst>
+              <a:outerShdw blurRad="88900" dist="139700" dir="5400000" sx="98000" sy="98000" algn="t" rotWithShape="0">
+                <a:prstClr val="black">
+                  <a:alpha val="40000"/>
+                </a:prstClr>
+              </a:outerShdw>
+            </a:effectLst>
+          </p:spPr>
+          <p:style>
+            <a:lnRef idx="2">
+              <a:schemeClr val="accent1">
+                <a:shade val="50000"/>
+              </a:schemeClr>
+            </a:lnRef>
+            <a:fillRef idx="1">
+              <a:schemeClr val="accent1"/>
+            </a:fillRef>
+            <a:effectRef idx="0">
+              <a:schemeClr val="accent1"/>
+            </a:effectRef>
+            <a:fontRef idx="minor">
+              <a:schemeClr val="lt1"/>
+            </a:fontRef>
+          </p:style>
+          <p:txBody>
+            <a:bodyPr rtlCol="0" anchor="ctr"/>
+            <a:lstStyle/>
+            <a:p>
+              <a:pPr algn="ctr"/>
+              <a:endParaRPr lang="ko-KR" altLang="en-US" sz="2400">
+                <a:latin typeface="나눔바른고딕" panose="020B0603020101020101" pitchFamily="50" charset="-127"/>
+                <a:ea typeface="나눔바른고딕" panose="020B0603020101020101" pitchFamily="50" charset="-127"/>
+              </a:endParaRPr>
+            </a:p>
+          </p:txBody>
+        </p:sp>
+        <p:sp>
+          <p:nvSpPr>
+            <p:cNvPr id="41" name="자유형 40"/>
+            <p:cNvSpPr/>
+            <p:nvPr/>
+          </p:nvSpPr>
+          <p:spPr>
+            <a:xfrm>
+              <a:off x="754421" y="2614644"/>
+              <a:ext cx="681439" cy="3343259"/>
+            </a:xfrm>
+            <a:custGeom>
+              <a:avLst/>
+              <a:gdLst>
+                <a:gd name="connsiteX0" fmla="*/ 194310 w 388620"/>
+                <a:gd name="connsiteY0" fmla="*/ 0 h 2927235"/>
+                <a:gd name="connsiteX1" fmla="*/ 388620 w 388620"/>
+                <a:gd name="connsiteY1" fmla="*/ 194310 h 2927235"/>
+                <a:gd name="connsiteX2" fmla="*/ 388620 w 388620"/>
+                <a:gd name="connsiteY2" fmla="*/ 2927235 h 2927235"/>
+                <a:gd name="connsiteX3" fmla="*/ 379599 w 388620"/>
+                <a:gd name="connsiteY3" fmla="*/ 2898175 h 2927235"/>
+                <a:gd name="connsiteX4" fmla="*/ 194310 w 388620"/>
+                <a:gd name="connsiteY4" fmla="*/ 2775357 h 2927235"/>
+                <a:gd name="connsiteX5" fmla="*/ 9021 w 388620"/>
+                <a:gd name="connsiteY5" fmla="*/ 2898175 h 2927235"/>
+                <a:gd name="connsiteX6" fmla="*/ 0 w 388620"/>
+                <a:gd name="connsiteY6" fmla="*/ 2927235 h 2927235"/>
+                <a:gd name="connsiteX7" fmla="*/ 0 w 388620"/>
+                <a:gd name="connsiteY7" fmla="*/ 194310 h 2927235"/>
+                <a:gd name="connsiteX8" fmla="*/ 194310 w 388620"/>
+                <a:gd name="connsiteY8" fmla="*/ 0 h 2927235"/>
+              </a:gdLst>
+              <a:ahLst/>
+              <a:cxnLst>
+                <a:cxn ang="0">
+                  <a:pos x="connsiteX0" y="connsiteY0"/>
+                </a:cxn>
+                <a:cxn ang="0">
+                  <a:pos x="connsiteX1" y="connsiteY1"/>
+                </a:cxn>
+                <a:cxn ang="0">
+                  <a:pos x="connsiteX2" y="connsiteY2"/>
+                </a:cxn>
+                <a:cxn ang="0">
+                  <a:pos x="connsiteX3" y="connsiteY3"/>
+                </a:cxn>
+                <a:cxn ang="0">
+                  <a:pos x="connsiteX4" y="connsiteY4"/>
+                </a:cxn>
+                <a:cxn ang="0">
+                  <a:pos x="connsiteX5" y="connsiteY5"/>
+                </a:cxn>
+                <a:cxn ang="0">
+                  <a:pos x="connsiteX6" y="connsiteY6"/>
+                </a:cxn>
+                <a:cxn ang="0">
+                  <a:pos x="connsiteX7" y="connsiteY7"/>
+                </a:cxn>
+                <a:cxn ang="0">
+                  <a:pos x="connsiteX8" y="connsiteY8"/>
+                </a:cxn>
+              </a:cxnLst>
+              <a:rect l="l" t="t" r="r" b="b"/>
+              <a:pathLst>
+                <a:path w="388620" h="2927235">
+                  <a:moveTo>
+                    <a:pt x="194310" y="0"/>
+                  </a:moveTo>
+                  <a:cubicBezTo>
+                    <a:pt x="301624" y="0"/>
+                    <a:pt x="388620" y="86996"/>
+                    <a:pt x="388620" y="194310"/>
+                  </a:cubicBezTo>
+                  <a:lnTo>
+                    <a:pt x="388620" y="2927235"/>
+                  </a:lnTo>
+                  <a:lnTo>
+                    <a:pt x="379599" y="2898175"/>
+                  </a:lnTo>
+                  <a:cubicBezTo>
+                    <a:pt x="349072" y="2826000"/>
+                    <a:pt x="277605" y="2775357"/>
+                    <a:pt x="194310" y="2775357"/>
+                  </a:cubicBezTo>
+                  <a:cubicBezTo>
+                    <a:pt x="111015" y="2775357"/>
+                    <a:pt x="39548" y="2826000"/>
+                    <a:pt x="9021" y="2898175"/>
+                  </a:cubicBezTo>
+                  <a:lnTo>
+                    <a:pt x="0" y="2927235"/>
+                  </a:lnTo>
+                  <a:lnTo>
+                    <a:pt x="0" y="194310"/>
+                  </a:lnTo>
+                  <a:cubicBezTo>
+                    <a:pt x="0" y="86996"/>
+                    <a:pt x="86996" y="0"/>
+                    <a:pt x="194310" y="0"/>
+                  </a:cubicBezTo>
+                  <a:close/>
+                </a:path>
+              </a:pathLst>
+            </a:custGeom>
+            <a:gradFill flip="none" rotWithShape="1">
+              <a:gsLst>
+                <a:gs pos="0">
+                  <a:schemeClr val="bg1">
+                    <a:shade val="67500"/>
+                    <a:satMod val="115000"/>
+                  </a:schemeClr>
+                </a:gs>
+                <a:gs pos="100000">
+                  <a:schemeClr val="bg1">
+                    <a:shade val="100000"/>
+                    <a:satMod val="115000"/>
+                  </a:schemeClr>
+                </a:gs>
+              </a:gsLst>
+              <a:lin ang="10800000" scaled="1"/>
+              <a:tileRect/>
+            </a:gradFill>
+            <a:ln>
+              <a:noFill/>
+            </a:ln>
+            <a:effectLst>
+              <a:outerShdw blurRad="88900" dist="139700" dir="5400000" sx="98000" sy="98000" algn="t" rotWithShape="0">
+                <a:prstClr val="black">
+                  <a:alpha val="40000"/>
+                </a:prstClr>
+              </a:outerShdw>
+            </a:effectLst>
+          </p:spPr>
+          <p:style>
+            <a:lnRef idx="2">
+              <a:schemeClr val="accent1">
+                <a:shade val="50000"/>
+              </a:schemeClr>
+            </a:lnRef>
+            <a:fillRef idx="1">
+              <a:schemeClr val="accent1"/>
+            </a:fillRef>
+            <a:effectRef idx="0">
+              <a:schemeClr val="accent1"/>
+            </a:effectRef>
+            <a:fontRef idx="minor">
+              <a:schemeClr val="lt1"/>
+            </a:fontRef>
+          </p:style>
+          <p:txBody>
+            <a:bodyPr rtlCol="0" anchor="ctr"/>
+            <a:lstStyle/>
+            <a:p>
+              <a:pPr algn="ctr"/>
+              <a:endParaRPr lang="ko-KR" altLang="en-US" sz="2400">
+                <a:latin typeface="나눔바른고딕" panose="020B0603020101020101" pitchFamily="50" charset="-127"/>
+                <a:ea typeface="나눔바른고딕" panose="020B0603020101020101" pitchFamily="50" charset="-127"/>
+              </a:endParaRPr>
+            </a:p>
+          </p:txBody>
+        </p:sp>
+        <p:sp>
+          <p:nvSpPr>
+            <p:cNvPr id="42" name="자유형 41"/>
+            <p:cNvSpPr/>
+            <p:nvPr/>
+          </p:nvSpPr>
+          <p:spPr>
+            <a:xfrm>
+              <a:off x="586490" y="739768"/>
+              <a:ext cx="1017302" cy="4991063"/>
+            </a:xfrm>
+            <a:custGeom>
+              <a:avLst/>
+              <a:gdLst>
+                <a:gd name="connsiteX0" fmla="*/ 194310 w 388620"/>
+                <a:gd name="connsiteY0" fmla="*/ 0 h 2927235"/>
+                <a:gd name="connsiteX1" fmla="*/ 388620 w 388620"/>
+                <a:gd name="connsiteY1" fmla="*/ 194310 h 2927235"/>
+                <a:gd name="connsiteX2" fmla="*/ 388620 w 388620"/>
+                <a:gd name="connsiteY2" fmla="*/ 2927235 h 2927235"/>
+                <a:gd name="connsiteX3" fmla="*/ 379599 w 388620"/>
+                <a:gd name="connsiteY3" fmla="*/ 2898175 h 2927235"/>
+                <a:gd name="connsiteX4" fmla="*/ 194310 w 388620"/>
+                <a:gd name="connsiteY4" fmla="*/ 2775357 h 2927235"/>
+                <a:gd name="connsiteX5" fmla="*/ 9021 w 388620"/>
+                <a:gd name="connsiteY5" fmla="*/ 2898175 h 2927235"/>
+                <a:gd name="connsiteX6" fmla="*/ 0 w 388620"/>
+                <a:gd name="connsiteY6" fmla="*/ 2927235 h 2927235"/>
+                <a:gd name="connsiteX7" fmla="*/ 0 w 388620"/>
+                <a:gd name="connsiteY7" fmla="*/ 194310 h 2927235"/>
+                <a:gd name="connsiteX8" fmla="*/ 194310 w 388620"/>
+                <a:gd name="connsiteY8" fmla="*/ 0 h 2927235"/>
+              </a:gdLst>
+              <a:ahLst/>
+              <a:cxnLst>
+                <a:cxn ang="0">
+                  <a:pos x="connsiteX0" y="connsiteY0"/>
+                </a:cxn>
+                <a:cxn ang="0">
+                  <a:pos x="connsiteX1" y="connsiteY1"/>
+                </a:cxn>
+                <a:cxn ang="0">
+                  <a:pos x="connsiteX2" y="connsiteY2"/>
+                </a:cxn>
+                <a:cxn ang="0">
+                  <a:pos x="connsiteX3" y="connsiteY3"/>
+                </a:cxn>
+                <a:cxn ang="0">
+                  <a:pos x="connsiteX4" y="connsiteY4"/>
+                </a:cxn>
+                <a:cxn ang="0">
+                  <a:pos x="connsiteX5" y="connsiteY5"/>
+                </a:cxn>
+                <a:cxn ang="0">
+                  <a:pos x="connsiteX6" y="connsiteY6"/>
+                </a:cxn>
+                <a:cxn ang="0">
+                  <a:pos x="connsiteX7" y="connsiteY7"/>
+                </a:cxn>
+                <a:cxn ang="0">
+                  <a:pos x="connsiteX8" y="connsiteY8"/>
+                </a:cxn>
+              </a:cxnLst>
+              <a:rect l="l" t="t" r="r" b="b"/>
+              <a:pathLst>
+                <a:path w="388620" h="2927235">
+                  <a:moveTo>
+                    <a:pt x="194310" y="0"/>
+                  </a:moveTo>
+                  <a:cubicBezTo>
+                    <a:pt x="301624" y="0"/>
+                    <a:pt x="388620" y="86996"/>
+                    <a:pt x="388620" y="194310"/>
+                  </a:cubicBezTo>
+                  <a:lnTo>
+                    <a:pt x="388620" y="2927235"/>
+                  </a:lnTo>
+                  <a:lnTo>
+                    <a:pt x="379599" y="2898175"/>
+                  </a:lnTo>
+                  <a:cubicBezTo>
+                    <a:pt x="349072" y="2826000"/>
+                    <a:pt x="277605" y="2775357"/>
+                    <a:pt x="194310" y="2775357"/>
+                  </a:cubicBezTo>
+                  <a:cubicBezTo>
+                    <a:pt x="111015" y="2775357"/>
+                    <a:pt x="39548" y="2826000"/>
+                    <a:pt x="9021" y="2898175"/>
+                  </a:cubicBezTo>
+                  <a:lnTo>
+                    <a:pt x="0" y="2927235"/>
+                  </a:lnTo>
+                  <a:lnTo>
+                    <a:pt x="0" y="194310"/>
+                  </a:lnTo>
+                  <a:cubicBezTo>
+                    <a:pt x="0" y="86996"/>
+                    <a:pt x="86996" y="0"/>
+                    <a:pt x="194310" y="0"/>
+                  </a:cubicBezTo>
+                  <a:close/>
+                </a:path>
+              </a:pathLst>
+            </a:custGeom>
+            <a:gradFill flip="none" rotWithShape="1">
+              <a:gsLst>
+                <a:gs pos="0">
+                  <a:schemeClr val="bg1">
+                    <a:shade val="67500"/>
+                    <a:satMod val="115000"/>
+                  </a:schemeClr>
+                </a:gs>
+                <a:gs pos="100000">
+                  <a:schemeClr val="bg1">
+                    <a:shade val="100000"/>
+                    <a:satMod val="115000"/>
+                  </a:schemeClr>
+                </a:gs>
+              </a:gsLst>
+              <a:lin ang="10800000" scaled="1"/>
+              <a:tileRect/>
+            </a:gradFill>
+            <a:ln>
+              <a:noFill/>
+            </a:ln>
+            <a:effectLst>
+              <a:outerShdw blurRad="88900" dist="139700" dir="5400000" sx="98000" sy="98000" algn="t" rotWithShape="0">
+                <a:prstClr val="black">
+                  <a:alpha val="40000"/>
+                </a:prstClr>
+              </a:outerShdw>
+            </a:effectLst>
+          </p:spPr>
+          <p:style>
+            <a:lnRef idx="2">
+              <a:schemeClr val="accent1">
+                <a:shade val="50000"/>
+              </a:schemeClr>
+            </a:lnRef>
+            <a:fillRef idx="1">
+              <a:schemeClr val="accent1"/>
+            </a:fillRef>
+            <a:effectRef idx="0">
+              <a:schemeClr val="accent1"/>
+            </a:effectRef>
+            <a:fontRef idx="minor">
+              <a:schemeClr val="lt1"/>
+            </a:fontRef>
+          </p:style>
+          <p:txBody>
+            <a:bodyPr rtlCol="0" anchor="ctr"/>
+            <a:lstStyle/>
+            <a:p>
+              <a:pPr algn="ctr"/>
+              <a:endParaRPr lang="ko-KR" altLang="en-US" sz="2400">
+                <a:latin typeface="나눔바른고딕" panose="020B0603020101020101" pitchFamily="50" charset="-127"/>
+                <a:ea typeface="나눔바른고딕" panose="020B0603020101020101" pitchFamily="50" charset="-127"/>
+              </a:endParaRPr>
+            </a:p>
+          </p:txBody>
+        </p:sp>
+      </p:grpSp>
+      <p:graphicFrame>
+        <p:nvGraphicFramePr>
+          <p:cNvPr id="4" name="표 3"/>
+          <p:cNvGraphicFramePr>
+            <a:graphicFrameLocks noGrp="1"/>
+          </p:cNvGraphicFramePr>
+          <p:nvPr>
+            <p:extLst/>
+          </p:nvPr>
+        </p:nvGraphicFramePr>
+        <p:xfrm>
+          <a:off x="9168341" y="1433634"/>
+          <a:ext cx="2688299" cy="915066"/>
+        </p:xfrm>
+        <a:graphic>
+          <a:graphicData uri="http://schemas.openxmlformats.org/drawingml/2006/table">
+            <a:tbl>
+              <a:tblPr firstRow="1" bandRow="1"/>
+              <a:tblGrid>
+                <a:gridCol w="2688299"/>
+              </a:tblGrid>
+              <a:tr h="424495">
+                <a:tc>
+                  <a:txBody>
+                    <a:bodyPr/>
+                    <a:lstStyle/>
+                    <a:p>
+                      <a:pPr algn="ctr" latinLnBrk="1"/>
+                      <a:r>
+                        <a:rPr lang="ko-KR" altLang="en-US" sz="1200" b="1" dirty="0" smtClean="0">
+                          <a:solidFill>
+                            <a:schemeClr val="tx1"/>
+                          </a:solidFill>
+                          <a:latin typeface="나눔바른고딕" panose="020B0603020101020101" pitchFamily="50" charset="-127"/>
+                          <a:ea typeface="나눔바른고딕" panose="020B0603020101020101" pitchFamily="50" charset="-127"/>
+                        </a:rPr>
+                        <a:t>화면코드</a:t>
+                      </a:r>
+                      <a:endParaRPr lang="ko-KR" altLang="en-US" sz="1200" b="1" dirty="0">
+                        <a:solidFill>
+                          <a:schemeClr val="tx1"/>
+                        </a:solidFill>
+                        <a:latin typeface="나눔바른고딕" panose="020B0603020101020101" pitchFamily="50" charset="-127"/>
+                        <a:ea typeface="나눔바른고딕" panose="020B0603020101020101" pitchFamily="50" charset="-127"/>
+                      </a:endParaRPr>
+                    </a:p>
+                  </a:txBody>
+                  <a:tcPr marL="121920" marR="121920" marT="60960" marB="60960" anchor="ctr">
+                    <a:solidFill>
+                      <a:srgbClr val="FF9E00"/>
+                    </a:solidFill>
+                  </a:tcPr>
+                </a:tc>
+              </a:tr>
+              <a:tr h="490571">
+                <a:tc>
+                  <a:txBody>
+                    <a:bodyPr/>
+                    <a:lstStyle/>
+                    <a:p>
+                      <a:pPr algn="ctr" latinLnBrk="1"/>
+                      <a:r>
+                        <a:rPr lang="en-US" altLang="ko-KR" sz="1500" smtClean="0">
+                          <a:latin typeface="나눔바른고딕" panose="020B0603020101020101" pitchFamily="50" charset="-127"/>
+                          <a:ea typeface="나눔바른고딕" panose="020B0603020101020101" pitchFamily="50" charset="-127"/>
+                        </a:rPr>
+                        <a:t>Kb_m_user_StoreList</a:t>
+                      </a:r>
+                      <a:endParaRPr lang="ko-KR" altLang="en-US" sz="1500" dirty="0">
+                        <a:latin typeface="나눔바른고딕" panose="020B0603020101020101" pitchFamily="50" charset="-127"/>
+                        <a:ea typeface="나눔바른고딕" panose="020B0603020101020101" pitchFamily="50" charset="-127"/>
+                      </a:endParaRPr>
+                    </a:p>
+                  </a:txBody>
+                  <a:tcPr marL="121920" marR="121920" marT="60960" marB="60960" anchor="ctr"/>
+                </a:tc>
+              </a:tr>
+            </a:tbl>
+          </a:graphicData>
+        </a:graphic>
+      </p:graphicFrame>
+      <p:sp>
+        <p:nvSpPr>
+          <p:cNvPr id="19" name="직사각형 18"/>
+          <p:cNvSpPr/>
+          <p:nvPr/>
+        </p:nvSpPr>
+        <p:spPr>
+          <a:xfrm>
+            <a:off x="1081171" y="1433634"/>
+            <a:ext cx="7895148" cy="4875687"/>
+          </a:xfrm>
+          <a:prstGeom prst="rect">
+            <a:avLst/>
+          </a:prstGeom>
+          <a:noFill/>
+          <a:ln w="9525">
+            <a:solidFill>
+              <a:schemeClr val="tx1"/>
+            </a:solidFill>
+          </a:ln>
+        </p:spPr>
+        <p:style>
+          <a:lnRef idx="2">
+            <a:schemeClr val="accent1">
+              <a:shade val="50000"/>
+            </a:schemeClr>
+          </a:lnRef>
+          <a:fillRef idx="1">
+            <a:schemeClr val="accent1"/>
+          </a:fillRef>
+          <a:effectRef idx="0">
+            <a:schemeClr val="accent1"/>
+          </a:effectRef>
+          <a:fontRef idx="minor">
+            <a:schemeClr val="lt1"/>
+          </a:fontRef>
+        </p:style>
+        <p:txBody>
+          <a:bodyPr rtlCol="0" anchor="ctr"/>
+          <a:lstStyle/>
+          <a:p>
+            <a:pPr algn="ctr"/>
+            <a:endParaRPr lang="ko-KR" altLang="en-US" sz="2400">
+              <a:noFill/>
+              <a:latin typeface="나눔바른고딕" panose="020B0603020101020101" pitchFamily="50" charset="-127"/>
+              <a:ea typeface="나눔바른고딕" panose="020B0603020101020101" pitchFamily="50" charset="-127"/>
+            </a:endParaRPr>
+          </a:p>
+        </p:txBody>
+      </p:sp>
+      <p:pic>
+        <p:nvPicPr>
+          <p:cNvPr id="3" name="그림 2"/>
+          <p:cNvPicPr>
+            <a:picLocks noChangeAspect="1"/>
+          </p:cNvPicPr>
+          <p:nvPr/>
+        </p:nvPicPr>
+        <p:blipFill>
+          <a:blip r:embed="rId2"/>
+          <a:stretch>
+            <a:fillRect/>
+          </a:stretch>
+        </p:blipFill>
+        <p:spPr>
+          <a:xfrm>
+            <a:off x="3658969" y="1761547"/>
+            <a:ext cx="2144672" cy="4350273"/>
+          </a:xfrm>
+          <a:prstGeom prst="rect">
+            <a:avLst/>
+          </a:prstGeom>
+        </p:spPr>
+      </p:pic>
+      <p:graphicFrame>
+        <p:nvGraphicFramePr>
+          <p:cNvPr id="15" name="표 14"/>
+          <p:cNvGraphicFramePr>
+            <a:graphicFrameLocks noGrp="1"/>
+          </p:cNvGraphicFramePr>
+          <p:nvPr>
+            <p:extLst/>
+          </p:nvPr>
+        </p:nvGraphicFramePr>
+        <p:xfrm>
+          <a:off x="9168341" y="2479152"/>
+          <a:ext cx="2688299" cy="3570331"/>
+        </p:xfrm>
+        <a:graphic>
+          <a:graphicData uri="http://schemas.openxmlformats.org/drawingml/2006/table">
+            <a:tbl>
+              <a:tblPr firstRow="1" bandRow="1"/>
+              <a:tblGrid>
+                <a:gridCol w="280507"/>
+                <a:gridCol w="2407792"/>
+              </a:tblGrid>
+              <a:tr h="469796">
+                <a:tc>
+                  <a:txBody>
+                    <a:bodyPr/>
+                    <a:lstStyle/>
+                    <a:p>
+                      <a:pPr algn="ctr" latinLnBrk="0"/>
+                      <a:r>
+                        <a:rPr lang="en-US" altLang="ko-KR" sz="1200" b="1" dirty="0" smtClean="0">
+                          <a:latin typeface="나눔바른고딕" panose="020B0603020101020101" pitchFamily="50" charset="-127"/>
+                          <a:ea typeface="나눔바른고딕" panose="020B0603020101020101" pitchFamily="50" charset="-127"/>
+                        </a:rPr>
+                        <a:t>#</a:t>
+                      </a:r>
+                      <a:endParaRPr lang="ko-KR" altLang="en-US" sz="1200" b="1" dirty="0">
+                        <a:latin typeface="나눔바른고딕" panose="020B0603020101020101" pitchFamily="50" charset="-127"/>
+                        <a:ea typeface="나눔바른고딕" panose="020B0603020101020101" pitchFamily="50" charset="-127"/>
+                      </a:endParaRPr>
+                    </a:p>
+                  </a:txBody>
+                  <a:tcPr marL="121920" marR="121920" marT="60960" marB="60960" anchor="ctr">
+                    <a:solidFill>
+                      <a:srgbClr val="FF9E00"/>
+                    </a:solidFill>
+                  </a:tcPr>
+                </a:tc>
+                <a:tc>
+                  <a:txBody>
+                    <a:bodyPr/>
+                    <a:lstStyle/>
+                    <a:p>
+                      <a:pPr algn="ctr" latinLnBrk="0"/>
+                      <a:r>
+                        <a:rPr lang="ko-KR" altLang="en-US" sz="1200" b="1" dirty="0" smtClean="0">
+                          <a:latin typeface="나눔바른고딕" panose="020B0603020101020101" pitchFamily="50" charset="-127"/>
+                          <a:ea typeface="나눔바른고딕" panose="020B0603020101020101" pitchFamily="50" charset="-127"/>
+                        </a:rPr>
+                        <a:t>기능</a:t>
+                      </a:r>
+                      <a:endParaRPr lang="ko-KR" altLang="en-US" sz="1200" b="1" dirty="0">
+                        <a:latin typeface="나눔바른고딕" panose="020B0603020101020101" pitchFamily="50" charset="-127"/>
+                        <a:ea typeface="나눔바른고딕" panose="020B0603020101020101" pitchFamily="50" charset="-127"/>
+                      </a:endParaRPr>
+                    </a:p>
+                  </a:txBody>
+                  <a:tcPr marL="121920" marR="121920" marT="60960" marB="60960" anchor="ctr">
+                    <a:solidFill>
+                      <a:srgbClr val="FF9E00"/>
+                    </a:solidFill>
+                  </a:tcPr>
+                </a:tc>
+              </a:tr>
+              <a:tr h="620107">
+                <a:tc>
+                  <a:txBody>
+                    <a:bodyPr/>
+                    <a:lstStyle/>
+                    <a:p>
+                      <a:pPr algn="ctr" latinLnBrk="0"/>
+                      <a:r>
+                        <a:rPr lang="en-US" altLang="ko-KR" sz="1300" dirty="0" smtClean="0">
+                          <a:latin typeface="나눔바른고딕" panose="020B0603020101020101" pitchFamily="50" charset="-127"/>
+                          <a:ea typeface="나눔바른고딕" panose="020B0603020101020101" pitchFamily="50" charset="-127"/>
+                        </a:rPr>
+                        <a:t>1</a:t>
+                      </a:r>
+                      <a:endParaRPr lang="ko-KR" altLang="en-US" sz="1300" dirty="0">
+                        <a:latin typeface="나눔바른고딕" panose="020B0603020101020101" pitchFamily="50" charset="-127"/>
+                        <a:ea typeface="나눔바른고딕" panose="020B0603020101020101" pitchFamily="50" charset="-127"/>
+                      </a:endParaRPr>
+                    </a:p>
+                  </a:txBody>
+                  <a:tcPr marL="121920" marR="121920" marT="60960" marB="60960" anchor="ctr"/>
+                </a:tc>
+                <a:tc>
+                  <a:txBody>
+                    <a:bodyPr/>
+                    <a:lstStyle/>
+                    <a:p>
+                      <a:pPr algn="l" latinLnBrk="0">
+                        <a:lnSpc>
+                          <a:spcPts val="1300"/>
+                        </a:lnSpc>
+                      </a:pPr>
+                      <a:r>
+                        <a:rPr lang="ko-KR" altLang="en-US" sz="1200" b="1" smtClean="0">
+                          <a:latin typeface="나눔바른고딕" panose="020B0603020101020101" pitchFamily="50" charset="-127"/>
+                          <a:ea typeface="나눔바른고딕" panose="020B0603020101020101" pitchFamily="50" charset="-127"/>
+                        </a:rPr>
+                        <a:t>카테고리</a:t>
+                      </a:r>
+                      <a:endParaRPr lang="en-US" altLang="ko-KR" sz="1200" b="1" smtClean="0">
+                        <a:latin typeface="나눔바른고딕" panose="020B0603020101020101" pitchFamily="50" charset="-127"/>
+                        <a:ea typeface="나눔바른고딕" panose="020B0603020101020101" pitchFamily="50" charset="-127"/>
+                      </a:endParaRPr>
+                    </a:p>
+                    <a:p>
+                      <a:pPr marL="171450" indent="-171450" algn="l" latinLnBrk="0">
+                        <a:lnSpc>
+                          <a:spcPts val="1300"/>
+                        </a:lnSpc>
+                        <a:buFontTx/>
+                        <a:buChar char="-"/>
+                      </a:pPr>
+                      <a:r>
+                        <a:rPr lang="ko-KR" altLang="en-US" sz="1200" b="1" smtClean="0">
+                          <a:latin typeface="나눔바른고딕" panose="020B0603020101020101" pitchFamily="50" charset="-127"/>
+                          <a:ea typeface="나눔바른고딕" panose="020B0603020101020101" pitchFamily="50" charset="-127"/>
+                        </a:rPr>
+                        <a:t>카테고리 별로</a:t>
+                      </a:r>
+                      <a:r>
+                        <a:rPr lang="ko-KR" altLang="en-US" sz="1200" b="1" baseline="0" smtClean="0">
+                          <a:latin typeface="나눔바른고딕" panose="020B0603020101020101" pitchFamily="50" charset="-127"/>
+                          <a:ea typeface="나눔바른고딕" panose="020B0603020101020101" pitchFamily="50" charset="-127"/>
+                        </a:rPr>
+                        <a:t> 상품 목록을 보여줌</a:t>
+                      </a:r>
+                      <a:endParaRPr lang="ko-KR" altLang="en-US" sz="1200" dirty="0">
+                        <a:latin typeface="나눔바른고딕" panose="020B0603020101020101" pitchFamily="50" charset="-127"/>
+                        <a:ea typeface="나눔바른고딕" panose="020B0603020101020101" pitchFamily="50" charset="-127"/>
+                      </a:endParaRPr>
+                    </a:p>
+                  </a:txBody>
+                  <a:tcPr marL="121920" marR="121920" marT="60960" marB="60960"/>
+                </a:tc>
+              </a:tr>
+              <a:tr h="620107">
+                <a:tc>
+                  <a:txBody>
+                    <a:bodyPr/>
+                    <a:lstStyle/>
+                    <a:p>
+                      <a:pPr algn="ctr" latinLnBrk="0"/>
+                      <a:r>
+                        <a:rPr lang="en-US" altLang="ko-KR" sz="1300" dirty="0" smtClean="0">
+                          <a:latin typeface="나눔바른고딕" panose="020B0603020101020101" pitchFamily="50" charset="-127"/>
+                          <a:ea typeface="나눔바른고딕" panose="020B0603020101020101" pitchFamily="50" charset="-127"/>
+                        </a:rPr>
+                        <a:t>2</a:t>
+                      </a:r>
+                      <a:endParaRPr lang="ko-KR" altLang="en-US" sz="1300" dirty="0">
+                        <a:latin typeface="나눔바른고딕" panose="020B0603020101020101" pitchFamily="50" charset="-127"/>
+                        <a:ea typeface="나눔바른고딕" panose="020B0603020101020101" pitchFamily="50" charset="-127"/>
+                      </a:endParaRPr>
+                    </a:p>
+                  </a:txBody>
+                  <a:tcPr marL="121920" marR="121920" marT="60960" marB="60960" anchor="ctr"/>
+                </a:tc>
+                <a:tc>
+                  <a:txBody>
+                    <a:bodyPr/>
+                    <a:lstStyle/>
+                    <a:p>
+                      <a:pPr algn="l" latinLnBrk="0">
+                        <a:lnSpc>
+                          <a:spcPts val="1300"/>
+                        </a:lnSpc>
+                      </a:pPr>
+                      <a:r>
+                        <a:rPr lang="ko-KR" altLang="en-US" sz="1200" b="0" i="0" u="none" strike="noStrike" cap="none" smtClean="0">
+                          <a:solidFill>
+                            <a:srgbClr val="000000"/>
+                          </a:solidFill>
+                          <a:latin typeface="나눔바른고딕" panose="020B0603020101020101" pitchFamily="50" charset="-127"/>
+                          <a:ea typeface="나눔바른고딕" panose="020B0603020101020101" pitchFamily="50" charset="-127"/>
+                          <a:cs typeface="Arial"/>
+                          <a:sym typeface="Arial"/>
+                        </a:rPr>
+                        <a:t>검색</a:t>
+                      </a:r>
+                      <a:endParaRPr lang="en-US" altLang="ko-KR" sz="1200" b="0" i="0" u="none" strike="noStrike" cap="none" smtClean="0">
+                        <a:solidFill>
+                          <a:srgbClr val="000000"/>
+                        </a:solidFill>
+                        <a:latin typeface="나눔바른고딕" panose="020B0603020101020101" pitchFamily="50" charset="-127"/>
+                        <a:ea typeface="나눔바른고딕" panose="020B0603020101020101" pitchFamily="50" charset="-127"/>
+                        <a:cs typeface="Arial"/>
+                        <a:sym typeface="Arial"/>
+                      </a:endParaRPr>
+                    </a:p>
+                    <a:p>
+                      <a:pPr algn="l" latinLnBrk="0">
+                        <a:lnSpc>
+                          <a:spcPts val="1300"/>
+                        </a:lnSpc>
+                      </a:pPr>
+                      <a:r>
+                        <a:rPr lang="ko-KR" altLang="en-US" sz="1200" b="0" i="0" u="none" strike="noStrike" cap="none" smtClean="0">
+                          <a:solidFill>
+                            <a:srgbClr val="000000"/>
+                          </a:solidFill>
+                          <a:latin typeface="나눔바른고딕" panose="020B0603020101020101" pitchFamily="50" charset="-127"/>
+                          <a:ea typeface="나눔바른고딕" panose="020B0603020101020101" pitchFamily="50" charset="-127"/>
+                          <a:cs typeface="Arial"/>
+                          <a:sym typeface="Arial"/>
+                        </a:rPr>
+                        <a:t>해당 키워드</a:t>
+                      </a:r>
+                      <a:r>
+                        <a:rPr lang="ko-KR" altLang="en-US" sz="1200" b="0" i="0" u="none" strike="noStrike" cap="none" baseline="0" smtClean="0">
+                          <a:solidFill>
+                            <a:srgbClr val="000000"/>
+                          </a:solidFill>
+                          <a:latin typeface="나눔바른고딕" panose="020B0603020101020101" pitchFamily="50" charset="-127"/>
+                          <a:ea typeface="나눔바른고딕" panose="020B0603020101020101" pitchFamily="50" charset="-127"/>
+                          <a:cs typeface="Arial"/>
+                          <a:sym typeface="Arial"/>
+                        </a:rPr>
+                        <a:t>를 검색할 수 있음</a:t>
+                      </a:r>
+                      <a:endParaRPr lang="ko-KR" altLang="en-US" sz="1200" b="0" i="0" u="none" strike="noStrike" cap="none" dirty="0" smtClean="0">
+                        <a:solidFill>
+                          <a:srgbClr val="000000"/>
+                        </a:solidFill>
+                        <a:latin typeface="나눔바른고딕" panose="020B0603020101020101" pitchFamily="50" charset="-127"/>
+                        <a:ea typeface="나눔바른고딕" panose="020B0603020101020101" pitchFamily="50" charset="-127"/>
+                        <a:cs typeface="Arial"/>
+                        <a:sym typeface="Arial"/>
+                      </a:endParaRPr>
+                    </a:p>
+                  </a:txBody>
+                  <a:tcPr marL="121920" marR="121920" marT="60960" marB="60960"/>
+                </a:tc>
+              </a:tr>
+              <a:tr h="620107">
+                <a:tc>
+                  <a:txBody>
+                    <a:bodyPr/>
+                    <a:lstStyle/>
+                    <a:p>
+                      <a:pPr algn="ctr" latinLnBrk="0"/>
+                      <a:r>
+                        <a:rPr lang="en-US" altLang="ko-KR" sz="1300" smtClean="0">
+                          <a:latin typeface="나눔바른고딕" panose="020B0603020101020101" pitchFamily="50" charset="-127"/>
+                          <a:ea typeface="나눔바른고딕" panose="020B0603020101020101" pitchFamily="50" charset="-127"/>
+                        </a:rPr>
+                        <a:t>3</a:t>
+                      </a:r>
+                      <a:endParaRPr lang="ko-KR" altLang="en-US" sz="1300" dirty="0">
+                        <a:latin typeface="나눔바른고딕" panose="020B0603020101020101" pitchFamily="50" charset="-127"/>
+                        <a:ea typeface="나눔바른고딕" panose="020B0603020101020101" pitchFamily="50" charset="-127"/>
+                      </a:endParaRPr>
+                    </a:p>
+                  </a:txBody>
+                  <a:tcPr marL="121920" marR="121920" marT="60960" marB="60960" anchor="ctr"/>
+                </a:tc>
+                <a:tc>
+                  <a:txBody>
+                    <a:bodyPr/>
+                    <a:lstStyle/>
+                    <a:p>
+                      <a:pPr algn="l" latinLnBrk="0">
+                        <a:lnSpc>
+                          <a:spcPts val="1300"/>
+                        </a:lnSpc>
+                      </a:pPr>
+                      <a:r>
+                        <a:rPr lang="ko-KR" altLang="en-US" sz="1200" smtClean="0">
+                          <a:latin typeface="나눔바른고딕" panose="020B0603020101020101" pitchFamily="50" charset="-127"/>
+                          <a:ea typeface="나눔바른고딕" panose="020B0603020101020101" pitchFamily="50" charset="-127"/>
+                        </a:rPr>
+                        <a:t>해당 상품 클릭하면 </a:t>
+                      </a:r>
+                      <a:endParaRPr lang="en-US" altLang="ko-KR" sz="1200" smtClean="0">
+                        <a:latin typeface="나눔바른고딕" panose="020B0603020101020101" pitchFamily="50" charset="-127"/>
+                        <a:ea typeface="나눔바른고딕" panose="020B0603020101020101" pitchFamily="50" charset="-127"/>
+                      </a:endParaRPr>
+                    </a:p>
+                    <a:p>
+                      <a:pPr algn="l" latinLnBrk="0">
+                        <a:lnSpc>
+                          <a:spcPts val="1300"/>
+                        </a:lnSpc>
+                      </a:pPr>
+                      <a:r>
+                        <a:rPr lang="ko-KR" altLang="en-US" sz="1200" smtClean="0">
+                          <a:latin typeface="나눔바른고딕" panose="020B0603020101020101" pitchFamily="50" charset="-127"/>
+                          <a:ea typeface="나눔바른고딕" panose="020B0603020101020101" pitchFamily="50" charset="-127"/>
+                        </a:rPr>
+                        <a:t>상세 페이지로 이동</a:t>
+                      </a:r>
+                      <a:endParaRPr lang="ko-KR" altLang="en-US" sz="1200" dirty="0">
+                        <a:latin typeface="나눔바른고딕" panose="020B0603020101020101" pitchFamily="50" charset="-127"/>
+                        <a:ea typeface="나눔바른고딕" panose="020B0603020101020101" pitchFamily="50" charset="-127"/>
+                      </a:endParaRPr>
+                    </a:p>
+                  </a:txBody>
+                  <a:tcPr marL="121920" marR="121920" marT="60960" marB="60960"/>
+                </a:tc>
+              </a:tr>
+              <a:tr h="620107">
+                <a:tc>
+                  <a:txBody>
+                    <a:bodyPr/>
+                    <a:lstStyle/>
+                    <a:p>
+                      <a:pPr algn="ctr" latinLnBrk="0"/>
+                      <a:r>
+                        <a:rPr lang="en-US" altLang="ko-KR" sz="1300" dirty="0" smtClean="0">
+                          <a:latin typeface="나눔바른고딕" panose="020B0603020101020101" pitchFamily="50" charset="-127"/>
+                          <a:ea typeface="나눔바른고딕" panose="020B0603020101020101" pitchFamily="50" charset="-127"/>
+                        </a:rPr>
+                        <a:t>4</a:t>
+                      </a:r>
+                      <a:endParaRPr lang="ko-KR" altLang="en-US" sz="1300" dirty="0">
+                        <a:latin typeface="나눔바른고딕" panose="020B0603020101020101" pitchFamily="50" charset="-127"/>
+                        <a:ea typeface="나눔바른고딕" panose="020B0603020101020101" pitchFamily="50" charset="-127"/>
+                      </a:endParaRPr>
+                    </a:p>
+                  </a:txBody>
+                  <a:tcPr marL="121920" marR="121920" marT="60960" marB="60960" anchor="ctr"/>
+                </a:tc>
+                <a:tc>
+                  <a:txBody>
+                    <a:bodyPr/>
+                    <a:lstStyle/>
+                    <a:p>
+                      <a:pPr algn="l" latinLnBrk="0">
+                        <a:lnSpc>
+                          <a:spcPts val="1300"/>
+                        </a:lnSpc>
+                      </a:pPr>
+                      <a:endParaRPr lang="ko-KR" altLang="en-US" sz="1200" dirty="0">
+                        <a:latin typeface="나눔바른고딕" panose="020B0603020101020101" pitchFamily="50" charset="-127"/>
+                        <a:ea typeface="나눔바른고딕" panose="020B0603020101020101" pitchFamily="50" charset="-127"/>
+                      </a:endParaRPr>
+                    </a:p>
+                  </a:txBody>
+                  <a:tcPr marL="121920" marR="121920" marT="60960" marB="60960"/>
+                </a:tc>
+              </a:tr>
+              <a:tr h="620107">
+                <a:tc>
+                  <a:txBody>
+                    <a:bodyPr/>
+                    <a:lstStyle/>
+                    <a:p>
+                      <a:pPr algn="ctr" latinLnBrk="0"/>
+                      <a:r>
+                        <a:rPr lang="en-US" altLang="ko-KR" sz="1300" dirty="0" smtClean="0">
+                          <a:latin typeface="나눔바른고딕" panose="020B0603020101020101" pitchFamily="50" charset="-127"/>
+                          <a:ea typeface="나눔바른고딕" panose="020B0603020101020101" pitchFamily="50" charset="-127"/>
+                        </a:rPr>
+                        <a:t>5</a:t>
+                      </a:r>
+                      <a:endParaRPr lang="ko-KR" altLang="en-US" sz="1300" dirty="0">
+                        <a:latin typeface="나눔바른고딕" panose="020B0603020101020101" pitchFamily="50" charset="-127"/>
+                        <a:ea typeface="나눔바른고딕" panose="020B0603020101020101" pitchFamily="50" charset="-127"/>
+                      </a:endParaRPr>
+                    </a:p>
+                  </a:txBody>
+                  <a:tcPr marL="121920" marR="121920" marT="60960" marB="60960" anchor="ctr"/>
+                </a:tc>
+                <a:tc>
+                  <a:txBody>
+                    <a:bodyPr/>
+                    <a:lstStyle/>
+                    <a:p>
+                      <a:pPr algn="l" latinLnBrk="0">
+                        <a:lnSpc>
+                          <a:spcPts val="1300"/>
+                        </a:lnSpc>
+                      </a:pPr>
+                      <a:endParaRPr lang="ko-KR" altLang="en-US" sz="1200" dirty="0">
+                        <a:latin typeface="나눔바른고딕" panose="020B0603020101020101" pitchFamily="50" charset="-127"/>
+                        <a:ea typeface="나눔바른고딕" panose="020B0603020101020101" pitchFamily="50" charset="-127"/>
+                      </a:endParaRPr>
+                    </a:p>
+                  </a:txBody>
+                  <a:tcPr marL="121920" marR="121920" marT="60960" marB="60960"/>
+                </a:tc>
+              </a:tr>
+            </a:tbl>
+          </a:graphicData>
+        </a:graphic>
+      </p:graphicFrame>
+      <p:sp>
+        <p:nvSpPr>
+          <p:cNvPr id="14" name="직사각형 13"/>
+          <p:cNvSpPr/>
+          <p:nvPr/>
+        </p:nvSpPr>
+        <p:spPr>
+          <a:xfrm>
+            <a:off x="1963839" y="774258"/>
+            <a:ext cx="6592433" cy="784830"/>
+          </a:xfrm>
+          <a:prstGeom prst="rect">
+            <a:avLst/>
+          </a:prstGeom>
+        </p:spPr>
+        <p:txBody>
+          <a:bodyPr wrap="square" lIns="68580" tIns="34290" rIns="68580" bIns="34290">
+            <a:spAutoFit/>
+          </a:bodyPr>
+          <a:lstStyle/>
+          <a:p>
+            <a:pPr>
+              <a:lnSpc>
+                <a:spcPct val="150000"/>
+              </a:lnSpc>
+            </a:pPr>
+            <a:r>
+              <a:rPr lang="en-US" altLang="ko-KR" sz="1600" b="1" smtClean="0">
+                <a:solidFill>
+                  <a:schemeClr val="tx1">
+                    <a:lumMod val="75000"/>
+                    <a:lumOff val="25000"/>
+                  </a:schemeClr>
+                </a:solidFill>
+                <a:latin typeface="나눔바른고딕" panose="020B0603020101020101" pitchFamily="50" charset="-127"/>
+                <a:ea typeface="나눔바른고딕" panose="020B0603020101020101" pitchFamily="50" charset="-127"/>
+              </a:rPr>
+              <a:t>[ </a:t>
+            </a:r>
+            <a:r>
+              <a:rPr lang="ko-KR" altLang="en-US" sz="1600" b="1">
+                <a:solidFill>
+                  <a:schemeClr val="tx1">
+                    <a:lumMod val="75000"/>
+                    <a:lumOff val="25000"/>
+                  </a:schemeClr>
+                </a:solidFill>
+                <a:latin typeface="나눔바른고딕" panose="020B0603020101020101" pitchFamily="50" charset="-127"/>
+                <a:ea typeface="나눔바른고딕" panose="020B0603020101020101" pitchFamily="50" charset="-127"/>
+              </a:rPr>
+              <a:t>화면설계 </a:t>
+            </a:r>
+            <a:r>
+              <a:rPr lang="en-US" altLang="ko-KR" sz="1600" b="1">
+                <a:solidFill>
+                  <a:schemeClr val="tx1">
+                    <a:lumMod val="75000"/>
+                    <a:lumOff val="25000"/>
+                  </a:schemeClr>
+                </a:solidFill>
+                <a:latin typeface="나눔바른고딕" panose="020B0603020101020101" pitchFamily="50" charset="-127"/>
+                <a:ea typeface="나눔바른고딕" panose="020B0603020101020101" pitchFamily="50" charset="-127"/>
+              </a:rPr>
+              <a:t>] </a:t>
+            </a:r>
+            <a:r>
+              <a:rPr lang="ko-KR" altLang="en-US" sz="1600" b="1" smtClean="0">
+                <a:solidFill>
+                  <a:schemeClr val="tx1">
+                    <a:lumMod val="75000"/>
+                    <a:lumOff val="25000"/>
+                  </a:schemeClr>
+                </a:solidFill>
+                <a:latin typeface="나눔바른고딕" panose="020B0603020101020101" pitchFamily="50" charset="-127"/>
+                <a:ea typeface="나눔바른고딕" panose="020B0603020101020101" pitchFamily="50" charset="-127"/>
+              </a:rPr>
+              <a:t>상품목록 </a:t>
+            </a:r>
+            <a:r>
+              <a:rPr lang="en-US" altLang="ko-KR" sz="1600" b="1">
+                <a:solidFill>
+                  <a:schemeClr val="tx1">
+                    <a:lumMod val="75000"/>
+                    <a:lumOff val="25000"/>
+                  </a:schemeClr>
+                </a:solidFill>
+                <a:latin typeface="나눔바른고딕" panose="020B0603020101020101" pitchFamily="50" charset="-127"/>
+                <a:ea typeface="나눔바른고딕" panose="020B0603020101020101" pitchFamily="50" charset="-127"/>
+              </a:rPr>
+              <a:t>– </a:t>
+            </a:r>
+            <a:r>
+              <a:rPr lang="ko-KR" altLang="en-US" sz="1600" b="1">
+                <a:solidFill>
+                  <a:schemeClr val="tx1">
+                    <a:lumMod val="75000"/>
+                    <a:lumOff val="25000"/>
+                  </a:schemeClr>
+                </a:solidFill>
+                <a:latin typeface="나눔바른고딕" panose="020B0603020101020101" pitchFamily="50" charset="-127"/>
+                <a:ea typeface="나눔바른고딕" panose="020B0603020101020101" pitchFamily="50" charset="-127"/>
+              </a:rPr>
+              <a:t>리워드 스토어 </a:t>
+            </a:r>
+            <a:r>
+              <a:rPr lang="en-US" altLang="ko-KR" sz="1600" b="1">
+                <a:solidFill>
+                  <a:schemeClr val="tx1">
+                    <a:lumMod val="75000"/>
+                    <a:lumOff val="25000"/>
+                  </a:schemeClr>
+                </a:solidFill>
+                <a:latin typeface="나눔바른고딕" panose="020B0603020101020101" pitchFamily="50" charset="-127"/>
+                <a:ea typeface="나눔바른고딕" panose="020B0603020101020101" pitchFamily="50" charset="-127"/>
+              </a:rPr>
+              <a:t>- </a:t>
+            </a:r>
+            <a:r>
+              <a:rPr lang="ko-KR" altLang="en-US" sz="1600" b="1" smtClean="0">
+                <a:solidFill>
+                  <a:schemeClr val="tx1">
+                    <a:lumMod val="75000"/>
+                    <a:lumOff val="25000"/>
+                  </a:schemeClr>
+                </a:solidFill>
+                <a:latin typeface="나눔바른고딕" panose="020B0603020101020101" pitchFamily="50" charset="-127"/>
+                <a:ea typeface="나눔바른고딕" panose="020B0603020101020101" pitchFamily="50" charset="-127"/>
+              </a:rPr>
+              <a:t>사용자</a:t>
+            </a:r>
+            <a:endParaRPr lang="ko-KR" altLang="en-US" sz="1600" b="1">
+              <a:solidFill>
+                <a:schemeClr val="tx1">
+                  <a:lumMod val="75000"/>
+                  <a:lumOff val="25000"/>
+                </a:schemeClr>
+              </a:solidFill>
+              <a:latin typeface="나눔바른고딕" panose="020B0603020101020101" pitchFamily="50" charset="-127"/>
+              <a:ea typeface="나눔바른고딕" panose="020B0603020101020101" pitchFamily="50" charset="-127"/>
+            </a:endParaRPr>
+          </a:p>
+          <a:p>
+            <a:pPr>
+              <a:lnSpc>
+                <a:spcPct val="150000"/>
+              </a:lnSpc>
+            </a:pPr>
+            <a:r>
+              <a:rPr lang="en-US" altLang="ko-KR" sz="1500" b="1" smtClean="0">
+                <a:solidFill>
+                  <a:schemeClr val="tx1">
+                    <a:lumMod val="75000"/>
+                    <a:lumOff val="25000"/>
+                  </a:schemeClr>
+                </a:solidFill>
+                <a:latin typeface="나눔바른고딕" panose="020B0603020101020101" pitchFamily="50" charset="-127"/>
+                <a:ea typeface="나눔바른고딕" panose="020B0603020101020101" pitchFamily="50" charset="-127"/>
+              </a:rPr>
+              <a:t> </a:t>
+            </a:r>
+            <a:endParaRPr lang="ko-KR" altLang="en-US" sz="1500" b="1" dirty="0">
+              <a:solidFill>
+                <a:schemeClr val="tx1">
+                  <a:lumMod val="75000"/>
+                  <a:lumOff val="25000"/>
+                </a:schemeClr>
+              </a:solidFill>
+              <a:latin typeface="나눔바른고딕" panose="020B0603020101020101" pitchFamily="50" charset="-127"/>
+              <a:ea typeface="나눔바른고딕" panose="020B0603020101020101" pitchFamily="50" charset="-127"/>
+            </a:endParaRPr>
+          </a:p>
+        </p:txBody>
+      </p:sp>
+      <p:pic>
+        <p:nvPicPr>
+          <p:cNvPr id="16" name="Picture 2"/>
+          <p:cNvPicPr>
+            <a:picLocks noChangeAspect="1" noChangeArrowheads="1"/>
+          </p:cNvPicPr>
+          <p:nvPr/>
+        </p:nvPicPr>
+        <p:blipFill>
+          <a:blip r:embed="rId3" cstate="print">
+            <a:extLst>
+              <a:ext uri="{28A0092B-C50C-407E-A947-70E740481C1C}">
+                <a14:useLocalDpi xmlns:a14="http://schemas.microsoft.com/office/drawing/2010/main" val="0"/>
+              </a:ext>
+            </a:extLst>
+          </a:blip>
+          <a:srcRect/>
+          <a:stretch>
+            <a:fillRect/>
+          </a:stretch>
+        </p:blipFill>
+        <p:spPr bwMode="auto">
+          <a:xfrm>
+            <a:off x="1081171" y="694338"/>
+            <a:ext cx="863854" cy="575340"/>
+          </a:xfrm>
+          <a:prstGeom prst="rect">
+            <a:avLst/>
+          </a:prstGeom>
+          <a:noFill/>
+          <a:ln>
+            <a:noFill/>
+          </a:ln>
+          <a:extLst>
+            <a:ext uri="{909E8E84-426E-40DD-AFC4-6F175D3DCCD1}">
+              <a14:hiddenFill xmlns:a14="http://schemas.microsoft.com/office/drawing/2010/main">
+                <a:solidFill>
+                  <a:schemeClr val="accent1"/>
+                </a:solidFill>
+              </a14:hiddenFill>
+            </a:ext>
+            <a:ext uri="{91240B29-F687-4F45-9708-019B960494DF}">
+              <a14:hiddenLine xmlns:a14="http://schemas.microsoft.com/office/drawing/2010/main" w="9525">
+                <a:solidFill>
+                  <a:schemeClr val="tx1"/>
+                </a:solidFill>
+                <a:miter lim="800000"/>
+                <a:headEnd/>
+                <a:tailEnd/>
+              </a14:hiddenLine>
+            </a:ext>
+          </a:extLst>
+        </p:spPr>
+      </p:pic>
+    </p:spTree>
+    <p:extLst>
+      <p:ext uri="{BB962C8B-B14F-4D97-AF65-F5344CB8AC3E}">
+        <p14:creationId xmlns:p14="http://schemas.microsoft.com/office/powerpoint/2010/main" val="3315707594"/>
+      </p:ext>
+    </p:extLst>
+  </p:cSld>
+  <p:clrMapOvr>
+    <a:masterClrMapping/>
+  </p:clrMapOvr>
+  <p:timing>
+    <p:tnLst>
+      <p:par>
+        <p:cTn id="1" dur="indefinite" restart="never" nodeType="tmRoot"/>
+      </p:par>
+    </p:tnLst>
+  </p:timing>
+</p:sld>
+</file>
+
+<file path=ppt/slides/slide7.xml><?xml version="1.0" encoding="utf-8"?>
+<p:sld xmlns:a="http://schemas.openxmlformats.org/drawingml/2006/main" xmlns:r="http://schemas.openxmlformats.org/officeDocument/2006/relationships" xmlns:p="http://schemas.openxmlformats.org/presentationml/2006/main">
+  <p:cSld>
+    <p:spTree>
+      <p:nvGrpSpPr>
+        <p:cNvPr id="1" name=""/>
+        <p:cNvGrpSpPr/>
+        <p:nvPr/>
+      </p:nvGrpSpPr>
+      <p:grpSpPr>
+        <a:xfrm>
+          <a:off x="0" y="0"/>
+          <a:ext cx="0" cy="0"/>
+          <a:chOff x="0" y="0"/>
+          <a:chExt cx="0" cy="0"/>
+        </a:xfrm>
+      </p:grpSpPr>
+      <p:sp>
+        <p:nvSpPr>
+          <p:cNvPr id="6" name="양쪽 모서리가 둥근 사각형 5"/>
+          <p:cNvSpPr/>
+          <p:nvPr/>
+        </p:nvSpPr>
+        <p:spPr>
+          <a:xfrm>
+            <a:off x="143339" y="548680"/>
+            <a:ext cx="11905323" cy="6144683"/>
+          </a:xfrm>
+          <a:prstGeom prst="round2SameRect">
+            <a:avLst>
+              <a:gd name="adj1" fmla="val 0"/>
+              <a:gd name="adj2" fmla="val 2405"/>
+            </a:avLst>
+          </a:prstGeom>
+          <a:solidFill>
+            <a:schemeClr val="bg1"/>
+          </a:solidFill>
+          <a:ln>
+            <a:noFill/>
+          </a:ln>
+          <a:effectLst>
+            <a:outerShdw dist="254000" dir="5400000" sx="97000" sy="97000" algn="t" rotWithShape="0">
+              <a:prstClr val="black">
+                <a:alpha val="40000"/>
+              </a:prstClr>
+            </a:outerShdw>
+          </a:effectLst>
+        </p:spPr>
+        <p:style>
+          <a:lnRef idx="2">
+            <a:schemeClr val="accent1">
+              <a:shade val="50000"/>
+            </a:schemeClr>
+          </a:lnRef>
+          <a:fillRef idx="1">
+            <a:schemeClr val="accent1"/>
+          </a:fillRef>
+          <a:effectRef idx="0">
+            <a:schemeClr val="accent1"/>
+          </a:effectRef>
+          <a:fontRef idx="minor">
+            <a:schemeClr val="lt1"/>
+          </a:fontRef>
+        </p:style>
+        <p:txBody>
+          <a:bodyPr lIns="91440" tIns="45720" rIns="91440" bIns="45720" rtlCol="0" anchor="ctr"/>
+          <a:lstStyle/>
+          <a:p>
+            <a:pPr algn="ctr"/>
+            <a:endParaRPr lang="ko-KR" altLang="en-US" sz="2400">
+              <a:solidFill>
+                <a:prstClr val="white"/>
+              </a:solidFill>
+            </a:endParaRPr>
+          </a:p>
+        </p:txBody>
+      </p:sp>
+      <p:sp>
+        <p:nvSpPr>
+          <p:cNvPr id="5" name="양쪽 모서리가 둥근 사각형 4"/>
+          <p:cNvSpPr/>
+          <p:nvPr/>
+        </p:nvSpPr>
+        <p:spPr>
+          <a:xfrm>
+            <a:off x="143339" y="243880"/>
+            <a:ext cx="11905323" cy="304800"/>
+          </a:xfrm>
+          <a:prstGeom prst="round2SameRect">
+            <a:avLst>
+              <a:gd name="adj1" fmla="val 44667"/>
+              <a:gd name="adj2" fmla="val 0"/>
+            </a:avLst>
+          </a:prstGeom>
+          <a:solidFill>
+            <a:srgbClr val="411F42"/>
+          </a:solidFill>
+          <a:ln>
+            <a:noFill/>
+          </a:ln>
+          <a:effectLst>
+            <a:outerShdw dist="76200" dir="16200000" sx="97000" sy="97000" rotWithShape="0">
+              <a:prstClr val="black">
+                <a:alpha val="40000"/>
+              </a:prstClr>
+            </a:outerShdw>
+          </a:effectLst>
+        </p:spPr>
+        <p:style>
+          <a:lnRef idx="2">
+            <a:schemeClr val="accent1">
+              <a:shade val="50000"/>
+            </a:schemeClr>
+          </a:lnRef>
+          <a:fillRef idx="1">
+            <a:schemeClr val="accent1"/>
+          </a:fillRef>
+          <a:effectRef idx="0">
+            <a:schemeClr val="accent1"/>
+          </a:effectRef>
+          <a:fontRef idx="minor">
+            <a:schemeClr val="lt1"/>
+          </a:fontRef>
+        </p:style>
+        <p:txBody>
+          <a:bodyPr lIns="91440" tIns="45720" rIns="91440" bIns="45720" rtlCol="0" anchor="ctr"/>
+          <a:lstStyle/>
+          <a:p>
+            <a:pPr algn="ctr"/>
+            <a:endParaRPr lang="ko-KR" altLang="en-US" sz="2400">
+              <a:solidFill>
+                <a:prstClr val="white"/>
+              </a:solidFill>
+            </a:endParaRPr>
+          </a:p>
+        </p:txBody>
+      </p:sp>
+      <p:sp>
+        <p:nvSpPr>
+          <p:cNvPr id="7" name="직사각형 6"/>
+          <p:cNvSpPr/>
+          <p:nvPr/>
+        </p:nvSpPr>
+        <p:spPr>
+          <a:xfrm>
+            <a:off x="935120" y="366664"/>
+            <a:ext cx="10613801" cy="72000"/>
+          </a:xfrm>
+          <a:prstGeom prst="rect">
+            <a:avLst/>
+          </a:prstGeom>
+          <a:solidFill>
+            <a:schemeClr val="bg1"/>
+          </a:solidFill>
+          <a:ln>
+            <a:noFill/>
+          </a:ln>
+        </p:spPr>
+        <p:style>
+          <a:lnRef idx="2">
+            <a:schemeClr val="accent1">
+              <a:shade val="50000"/>
+            </a:schemeClr>
+          </a:lnRef>
+          <a:fillRef idx="1">
+            <a:schemeClr val="accent1"/>
+          </a:fillRef>
+          <a:effectRef idx="0">
+            <a:schemeClr val="accent1"/>
+          </a:effectRef>
+          <a:fontRef idx="minor">
+            <a:schemeClr val="lt1"/>
+          </a:fontRef>
+        </p:style>
+        <p:txBody>
+          <a:bodyPr lIns="91440" tIns="45720" rIns="91440" bIns="45720" rtlCol="0" anchor="ctr"/>
+          <a:lstStyle/>
+          <a:p>
+            <a:pPr algn="ctr"/>
+            <a:endParaRPr lang="ko-KR" altLang="en-US" sz="2400">
+              <a:solidFill>
+                <a:prstClr val="white"/>
+              </a:solidFill>
+            </a:endParaRPr>
+          </a:p>
+        </p:txBody>
+      </p:sp>
+      <p:sp>
+        <p:nvSpPr>
+          <p:cNvPr id="8" name="타원 7"/>
+          <p:cNvSpPr/>
+          <p:nvPr/>
+        </p:nvSpPr>
+        <p:spPr>
+          <a:xfrm>
+            <a:off x="576949" y="366664"/>
+            <a:ext cx="75276" cy="72000"/>
+          </a:xfrm>
+          <a:prstGeom prst="ellipse">
+            <a:avLst/>
+          </a:prstGeom>
+          <a:solidFill>
+            <a:srgbClr val="FF6189"/>
+          </a:solidFill>
+          <a:ln>
+            <a:noFill/>
+          </a:ln>
+        </p:spPr>
+        <p:style>
+          <a:lnRef idx="2">
+            <a:schemeClr val="accent1">
+              <a:shade val="50000"/>
+            </a:schemeClr>
+          </a:lnRef>
+          <a:fillRef idx="1">
+            <a:schemeClr val="accent1"/>
+          </a:fillRef>
+          <a:effectRef idx="0">
+            <a:schemeClr val="accent1"/>
+          </a:effectRef>
+          <a:fontRef idx="minor">
+            <a:schemeClr val="lt1"/>
+          </a:fontRef>
+        </p:style>
+        <p:txBody>
+          <a:bodyPr lIns="91440" tIns="45720" rIns="91440" bIns="45720" rtlCol="0" anchor="ctr"/>
+          <a:lstStyle/>
+          <a:p>
+            <a:pPr algn="ctr"/>
+            <a:endParaRPr lang="ko-KR" altLang="en-US" sz="2400">
+              <a:solidFill>
+                <a:prstClr val="white"/>
+              </a:solidFill>
+            </a:endParaRPr>
+          </a:p>
+        </p:txBody>
+      </p:sp>
+      <p:sp>
+        <p:nvSpPr>
+          <p:cNvPr id="9" name="타원 8"/>
+          <p:cNvSpPr/>
+          <p:nvPr/>
+        </p:nvSpPr>
+        <p:spPr>
+          <a:xfrm>
+            <a:off x="766826" y="366664"/>
+            <a:ext cx="75276" cy="72000"/>
+          </a:xfrm>
+          <a:prstGeom prst="ellipse">
+            <a:avLst/>
+          </a:prstGeom>
+          <a:solidFill>
+            <a:srgbClr val="00B0F0"/>
+          </a:solidFill>
+          <a:ln>
+            <a:noFill/>
+          </a:ln>
+        </p:spPr>
+        <p:style>
+          <a:lnRef idx="2">
+            <a:schemeClr val="accent1">
+              <a:shade val="50000"/>
+            </a:schemeClr>
+          </a:lnRef>
+          <a:fillRef idx="1">
+            <a:schemeClr val="accent1"/>
+          </a:fillRef>
+          <a:effectRef idx="0">
+            <a:schemeClr val="accent1"/>
+          </a:effectRef>
+          <a:fontRef idx="minor">
+            <a:schemeClr val="lt1"/>
+          </a:fontRef>
+        </p:style>
+        <p:txBody>
+          <a:bodyPr lIns="91440" tIns="45720" rIns="91440" bIns="45720" rtlCol="0" anchor="ctr"/>
+          <a:lstStyle/>
+          <a:p>
+            <a:pPr algn="ctr"/>
+            <a:endParaRPr lang="ko-KR" altLang="en-US" sz="2400">
+              <a:solidFill>
+                <a:prstClr val="white"/>
+              </a:solidFill>
+            </a:endParaRPr>
+          </a:p>
+        </p:txBody>
+      </p:sp>
+      <p:sp>
+        <p:nvSpPr>
+          <p:cNvPr id="10" name="타원 9"/>
+          <p:cNvSpPr/>
+          <p:nvPr/>
+        </p:nvSpPr>
+        <p:spPr>
+          <a:xfrm>
+            <a:off x="956703" y="366664"/>
+            <a:ext cx="75276" cy="72000"/>
+          </a:xfrm>
+          <a:prstGeom prst="ellipse">
+            <a:avLst/>
+          </a:prstGeom>
+          <a:solidFill>
+            <a:schemeClr val="accent4"/>
+          </a:solidFill>
+          <a:ln>
+            <a:noFill/>
+          </a:ln>
+        </p:spPr>
+        <p:style>
+          <a:lnRef idx="2">
+            <a:schemeClr val="accent1">
+              <a:shade val="50000"/>
+            </a:schemeClr>
+          </a:lnRef>
+          <a:fillRef idx="1">
+            <a:schemeClr val="accent1"/>
+          </a:fillRef>
+          <a:effectRef idx="0">
+            <a:schemeClr val="accent1"/>
+          </a:effectRef>
+          <a:fontRef idx="minor">
+            <a:schemeClr val="lt1"/>
+          </a:fontRef>
+        </p:style>
+        <p:txBody>
+          <a:bodyPr lIns="91440" tIns="45720" rIns="91440" bIns="45720" rtlCol="0" anchor="ctr"/>
+          <a:lstStyle/>
+          <a:p>
+            <a:pPr algn="ctr"/>
+            <a:endParaRPr lang="ko-KR" altLang="en-US" sz="2400">
+              <a:solidFill>
+                <a:prstClr val="white"/>
+              </a:solidFill>
+            </a:endParaRPr>
+          </a:p>
+        </p:txBody>
+      </p:sp>
+      <p:sp>
+        <p:nvSpPr>
+          <p:cNvPr id="15" name="직사각형 14"/>
+          <p:cNvSpPr/>
+          <p:nvPr/>
+        </p:nvSpPr>
+        <p:spPr>
+          <a:xfrm>
+            <a:off x="1314061" y="743464"/>
+            <a:ext cx="6592433" cy="484748"/>
+          </a:xfrm>
+          <a:prstGeom prst="rect">
+            <a:avLst/>
+          </a:prstGeom>
+        </p:spPr>
+        <p:txBody>
+          <a:bodyPr wrap="square" lIns="68580" tIns="34290" rIns="68580" bIns="34290">
+            <a:spAutoFit/>
+          </a:bodyPr>
+          <a:lstStyle/>
+          <a:p>
+            <a:pPr>
+              <a:lnSpc>
+                <a:spcPct val="150000"/>
+              </a:lnSpc>
+            </a:pPr>
+            <a:r>
+              <a:rPr lang="en-US" altLang="ko-KR" sz="1800" b="1">
+                <a:solidFill>
+                  <a:schemeClr val="tx1">
+                    <a:lumMod val="75000"/>
+                    <a:lumOff val="25000"/>
+                  </a:schemeClr>
+                </a:solidFill>
+                <a:latin typeface="나눔고딕" panose="020D0604000000000000" pitchFamily="50" charset="-127"/>
+                <a:ea typeface="나눔고딕" panose="020D0604000000000000" pitchFamily="50" charset="-127"/>
+              </a:rPr>
+              <a:t>[ </a:t>
+            </a:r>
+            <a:r>
+              <a:rPr lang="ko-KR" altLang="en-US" sz="1800" b="1" smtClean="0">
+                <a:solidFill>
+                  <a:schemeClr val="tx1">
+                    <a:lumMod val="75000"/>
+                    <a:lumOff val="25000"/>
+                  </a:schemeClr>
+                </a:solidFill>
+                <a:latin typeface="나눔고딕" panose="020D0604000000000000" pitchFamily="50" charset="-127"/>
+                <a:ea typeface="나눔고딕" panose="020D0604000000000000" pitchFamily="50" charset="-127"/>
+              </a:rPr>
+              <a:t>화면구현 </a:t>
+            </a:r>
+            <a:r>
+              <a:rPr lang="en-US" altLang="ko-KR" sz="1800" b="1" dirty="0">
+                <a:solidFill>
+                  <a:schemeClr val="tx1">
+                    <a:lumMod val="75000"/>
+                    <a:lumOff val="25000"/>
+                  </a:schemeClr>
+                </a:solidFill>
+                <a:latin typeface="나눔고딕" panose="020D0604000000000000" pitchFamily="50" charset="-127"/>
+                <a:ea typeface="나눔고딕" panose="020D0604000000000000" pitchFamily="50" charset="-127"/>
+              </a:rPr>
+              <a:t>] </a:t>
+            </a:r>
+            <a:r>
+              <a:rPr lang="ko-KR" altLang="en-US" sz="1800" b="1" dirty="0" smtClean="0">
+                <a:solidFill>
+                  <a:schemeClr val="tx1">
+                    <a:lumMod val="75000"/>
+                    <a:lumOff val="25000"/>
+                  </a:schemeClr>
+                </a:solidFill>
+                <a:latin typeface="나눔고딕" panose="020D0604000000000000" pitchFamily="50" charset="-127"/>
+                <a:ea typeface="나눔고딕" panose="020D0604000000000000" pitchFamily="50" charset="-127"/>
+              </a:rPr>
+              <a:t>상품목록 </a:t>
+            </a:r>
+            <a:r>
+              <a:rPr lang="en-US" altLang="ko-KR" sz="1800" b="1" dirty="0" smtClean="0">
+                <a:solidFill>
+                  <a:schemeClr val="tx1">
+                    <a:lumMod val="75000"/>
+                    <a:lumOff val="25000"/>
+                  </a:schemeClr>
+                </a:solidFill>
+                <a:latin typeface="나눔고딕" panose="020D0604000000000000" pitchFamily="50" charset="-127"/>
+                <a:ea typeface="나눔고딕" panose="020D0604000000000000" pitchFamily="50" charset="-127"/>
+              </a:rPr>
+              <a:t>– </a:t>
+            </a:r>
+            <a:r>
+              <a:rPr lang="ko-KR" altLang="en-US" sz="1800" b="1" dirty="0" err="1">
+                <a:solidFill>
+                  <a:schemeClr val="tx1">
+                    <a:lumMod val="75000"/>
+                    <a:lumOff val="25000"/>
+                  </a:schemeClr>
+                </a:solidFill>
+                <a:latin typeface="나눔고딕" panose="020D0604000000000000" pitchFamily="50" charset="-127"/>
+                <a:ea typeface="나눔고딕" panose="020D0604000000000000" pitchFamily="50" charset="-127"/>
+              </a:rPr>
+              <a:t>리워드</a:t>
+            </a:r>
+            <a:r>
+              <a:rPr lang="ko-KR" altLang="en-US" sz="1800" b="1" dirty="0">
+                <a:solidFill>
+                  <a:schemeClr val="tx1">
+                    <a:lumMod val="75000"/>
+                    <a:lumOff val="25000"/>
+                  </a:schemeClr>
+                </a:solidFill>
+                <a:latin typeface="나눔고딕" panose="020D0604000000000000" pitchFamily="50" charset="-127"/>
+                <a:ea typeface="나눔고딕" panose="020D0604000000000000" pitchFamily="50" charset="-127"/>
+              </a:rPr>
+              <a:t> 스토어 </a:t>
+            </a:r>
+            <a:r>
+              <a:rPr lang="en-US" altLang="ko-KR" sz="1800" b="1" dirty="0">
+                <a:solidFill>
+                  <a:schemeClr val="tx1">
+                    <a:lumMod val="75000"/>
+                    <a:lumOff val="25000"/>
+                  </a:schemeClr>
+                </a:solidFill>
+                <a:latin typeface="나눔고딕" panose="020D0604000000000000" pitchFamily="50" charset="-127"/>
+                <a:ea typeface="나눔고딕" panose="020D0604000000000000" pitchFamily="50" charset="-127"/>
+              </a:rPr>
+              <a:t>- </a:t>
+            </a:r>
+            <a:r>
+              <a:rPr lang="ko-KR" altLang="en-US" sz="1800" b="1" dirty="0" smtClean="0">
+                <a:solidFill>
+                  <a:schemeClr val="tx1">
+                    <a:lumMod val="75000"/>
+                    <a:lumOff val="25000"/>
+                  </a:schemeClr>
+                </a:solidFill>
+                <a:latin typeface="나눔고딕" panose="020D0604000000000000" pitchFamily="50" charset="-127"/>
+                <a:ea typeface="나눔고딕" panose="020D0604000000000000" pitchFamily="50" charset="-127"/>
+              </a:rPr>
+              <a:t>사용</a:t>
+            </a:r>
+            <a:r>
+              <a:rPr lang="ko-KR" altLang="en-US" sz="1800" b="1" dirty="0">
+                <a:solidFill>
+                  <a:schemeClr val="tx1">
+                    <a:lumMod val="75000"/>
+                    <a:lumOff val="25000"/>
+                  </a:schemeClr>
+                </a:solidFill>
+                <a:latin typeface="나눔고딕" panose="020D0604000000000000" pitchFamily="50" charset="-127"/>
+                <a:ea typeface="나눔고딕" panose="020D0604000000000000" pitchFamily="50" charset="-127"/>
+              </a:rPr>
+              <a:t>자</a:t>
+            </a:r>
+          </a:p>
+        </p:txBody>
+      </p:sp>
+      <p:pic>
+        <p:nvPicPr>
+          <p:cNvPr id="17" name="Picture 2"/>
+          <p:cNvPicPr>
+            <a:picLocks noChangeAspect="1" noChangeArrowheads="1"/>
+          </p:cNvPicPr>
+          <p:nvPr/>
+        </p:nvPicPr>
+        <p:blipFill>
+          <a:blip r:embed="rId2" cstate="print">
+            <a:extLst>
+              <a:ext uri="{28A0092B-C50C-407E-A947-70E740481C1C}">
+                <a14:useLocalDpi xmlns:a14="http://schemas.microsoft.com/office/drawing/2010/main" val="0"/>
+              </a:ext>
+            </a:extLst>
+          </a:blip>
+          <a:srcRect/>
+          <a:stretch>
+            <a:fillRect/>
+          </a:stretch>
+        </p:blipFill>
+        <p:spPr bwMode="auto">
+          <a:xfrm>
+            <a:off x="334899" y="698168"/>
+            <a:ext cx="863854" cy="575340"/>
+          </a:xfrm>
+          <a:prstGeom prst="rect">
+            <a:avLst/>
+          </a:prstGeom>
+          <a:noFill/>
+          <a:ln>
+            <a:noFill/>
+          </a:ln>
+          <a:extLst>
+            <a:ext uri="{909E8E84-426E-40DD-AFC4-6F175D3DCCD1}">
+              <a14:hiddenFill xmlns:a14="http://schemas.microsoft.com/office/drawing/2010/main">
+                <a:solidFill>
+                  <a:schemeClr val="accent1"/>
+                </a:solidFill>
+              </a14:hiddenFill>
+            </a:ext>
+            <a:ext uri="{91240B29-F687-4F45-9708-019B960494DF}">
+              <a14:hiddenLine xmlns:a14="http://schemas.microsoft.com/office/drawing/2010/main" w="9525">
+                <a:solidFill>
+                  <a:schemeClr val="tx1"/>
+                </a:solidFill>
+                <a:miter lim="800000"/>
+                <a:headEnd/>
+                <a:tailEnd/>
+              </a14:hiddenLine>
+            </a:ext>
+          </a:extLst>
+        </p:spPr>
+      </p:pic>
+      <p:pic>
+        <p:nvPicPr>
+          <p:cNvPr id="3" name="그림 2"/>
+          <p:cNvPicPr>
+            <a:picLocks noChangeAspect="1"/>
+          </p:cNvPicPr>
+          <p:nvPr/>
+        </p:nvPicPr>
+        <p:blipFill>
+          <a:blip r:embed="rId3"/>
+          <a:stretch>
+            <a:fillRect/>
+          </a:stretch>
+        </p:blipFill>
+        <p:spPr>
+          <a:xfrm>
+            <a:off x="652225" y="1533012"/>
+            <a:ext cx="2225863" cy="4699686"/>
+          </a:xfrm>
+          <a:prstGeom prst="rect">
+            <a:avLst/>
+          </a:prstGeom>
+        </p:spPr>
+      </p:pic>
+      <p:pic>
+        <p:nvPicPr>
+          <p:cNvPr id="4" name="그림 3"/>
+          <p:cNvPicPr>
+            <a:picLocks noChangeAspect="1"/>
+          </p:cNvPicPr>
+          <p:nvPr/>
+        </p:nvPicPr>
+        <p:blipFill>
+          <a:blip r:embed="rId4"/>
+          <a:stretch>
+            <a:fillRect/>
+          </a:stretch>
+        </p:blipFill>
+        <p:spPr>
+          <a:xfrm>
+            <a:off x="3070919" y="2102407"/>
+            <a:ext cx="4755027" cy="2939150"/>
+          </a:xfrm>
+          <a:prstGeom prst="rect">
+            <a:avLst/>
+          </a:prstGeom>
+          <a:ln>
+            <a:solidFill>
+              <a:schemeClr val="tx1"/>
+            </a:solidFill>
+          </a:ln>
+        </p:spPr>
+      </p:pic>
+      <p:sp>
+        <p:nvSpPr>
+          <p:cNvPr id="18" name="TextBox 17"/>
+          <p:cNvSpPr txBox="1"/>
+          <p:nvPr/>
+        </p:nvSpPr>
+        <p:spPr>
+          <a:xfrm>
+            <a:off x="3092720" y="1623059"/>
+            <a:ext cx="2880019" cy="369332"/>
+          </a:xfrm>
+          <a:prstGeom prst="rect">
+            <a:avLst/>
+          </a:prstGeom>
+          <a:noFill/>
+        </p:spPr>
+        <p:txBody>
+          <a:bodyPr wrap="none" rtlCol="0">
+            <a:spAutoFit/>
+          </a:bodyPr>
+          <a:lstStyle/>
+          <a:p>
+            <a:r>
+              <a:rPr lang="en-US" altLang="ko-KR" smtClean="0"/>
+              <a:t>storeRecyclerViewAdapter</a:t>
+            </a:r>
+            <a:endParaRPr lang="ko-KR" altLang="en-US"/>
+          </a:p>
+        </p:txBody>
+      </p:sp>
+      <p:sp>
+        <p:nvSpPr>
+          <p:cNvPr id="19" name="TextBox 18"/>
+          <p:cNvSpPr txBox="1"/>
+          <p:nvPr/>
+        </p:nvSpPr>
+        <p:spPr>
+          <a:xfrm>
+            <a:off x="8257844" y="1515967"/>
+            <a:ext cx="974947" cy="369332"/>
+          </a:xfrm>
+          <a:prstGeom prst="rect">
+            <a:avLst/>
+          </a:prstGeom>
+          <a:noFill/>
+        </p:spPr>
+        <p:txBody>
+          <a:bodyPr wrap="none" rtlCol="0">
+            <a:spAutoFit/>
+          </a:bodyPr>
+          <a:lstStyle/>
+          <a:p>
+            <a:r>
+              <a:rPr lang="en-US" altLang="ko-KR" smtClean="0"/>
+              <a:t>Spinner</a:t>
+            </a:r>
+            <a:endParaRPr lang="ko-KR" altLang="en-US"/>
+          </a:p>
+        </p:txBody>
+      </p:sp>
+      <p:pic>
+        <p:nvPicPr>
+          <p:cNvPr id="20" name="그림 19"/>
+          <p:cNvPicPr>
+            <a:picLocks noChangeAspect="1"/>
+          </p:cNvPicPr>
+          <p:nvPr/>
+        </p:nvPicPr>
+        <p:blipFill>
+          <a:blip r:embed="rId5"/>
+          <a:stretch>
+            <a:fillRect/>
+          </a:stretch>
+        </p:blipFill>
+        <p:spPr>
+          <a:xfrm>
+            <a:off x="8015146" y="2102407"/>
+            <a:ext cx="3533775" cy="1882543"/>
+          </a:xfrm>
+          <a:prstGeom prst="rect">
+            <a:avLst/>
+          </a:prstGeom>
+          <a:ln>
+            <a:solidFill>
+              <a:schemeClr val="tx1"/>
+            </a:solidFill>
+          </a:ln>
+        </p:spPr>
+      </p:pic>
+      <p:pic>
+        <p:nvPicPr>
+          <p:cNvPr id="21" name="그림 20"/>
+          <p:cNvPicPr>
+            <a:picLocks noChangeAspect="1"/>
+          </p:cNvPicPr>
+          <p:nvPr/>
+        </p:nvPicPr>
+        <p:blipFill>
+          <a:blip r:embed="rId6"/>
+          <a:stretch>
+            <a:fillRect/>
+          </a:stretch>
+        </p:blipFill>
+        <p:spPr>
+          <a:xfrm>
+            <a:off x="8015145" y="4202058"/>
+            <a:ext cx="3533775" cy="1762125"/>
+          </a:xfrm>
+          <a:prstGeom prst="rect">
+            <a:avLst/>
+          </a:prstGeom>
+          <a:ln>
+            <a:solidFill>
+              <a:schemeClr val="tx1"/>
+            </a:solidFill>
+          </a:ln>
+        </p:spPr>
+      </p:pic>
+    </p:spTree>
+    <p:extLst>
+      <p:ext uri="{BB962C8B-B14F-4D97-AF65-F5344CB8AC3E}">
+        <p14:creationId xmlns:p14="http://schemas.microsoft.com/office/powerpoint/2010/main" val="1287121218"/>
       </p:ext>
     </p:extLst>
   </p:cSld>

--- a/0 발표용 파워포인트/0515 2차발표/0515 project06 - 파워포인트 - 기범.pptx
+++ b/0 발표용 파워포인트/0515 2차발표/0515 project06 - 파워포인트 - 기범.pptx
@@ -5,16 +5,15 @@
     <p:sldMasterId id="2147483648" r:id="rId1"/>
   </p:sldMasterIdLst>
   <p:notesMasterIdLst>
-    <p:notesMasterId r:id="rId9"/>
+    <p:notesMasterId r:id="rId8"/>
   </p:notesMasterIdLst>
   <p:sldIdLst>
     <p:sldId id="256" r:id="rId2"/>
     <p:sldId id="257" r:id="rId3"/>
     <p:sldId id="258" r:id="rId4"/>
-    <p:sldId id="259" r:id="rId5"/>
-    <p:sldId id="260" r:id="rId6"/>
-    <p:sldId id="261" r:id="rId7"/>
-    <p:sldId id="262" r:id="rId8"/>
+    <p:sldId id="260" r:id="rId5"/>
+    <p:sldId id="261" r:id="rId6"/>
+    <p:sldId id="262" r:id="rId7"/>
   </p:sldIdLst>
   <p:sldSz cx="12192000" cy="6858000"/>
   <p:notesSz cx="6858000" cy="9144000"/>
@@ -6500,640 +6499,6 @@
       </p:pic>
       <p:sp>
         <p:nvSpPr>
-          <p:cNvPr id="17" name="TextBox 16"/>
-          <p:cNvSpPr txBox="1"/>
-          <p:nvPr/>
-        </p:nvSpPr>
-        <p:spPr>
-          <a:xfrm>
-            <a:off x="1375719" y="1364419"/>
-            <a:ext cx="679994" cy="369332"/>
-          </a:xfrm>
-          <a:prstGeom prst="rect">
-            <a:avLst/>
-          </a:prstGeom>
-          <a:noFill/>
-        </p:spPr>
-        <p:txBody>
-          <a:bodyPr wrap="none" rtlCol="0">
-            <a:spAutoFit/>
-          </a:bodyPr>
-          <a:lstStyle/>
-          <a:p>
-            <a:r>
-              <a:rPr lang="en-US" altLang="ko-KR" smtClean="0"/>
-              <a:t>View</a:t>
-            </a:r>
-            <a:endParaRPr lang="ko-KR" altLang="en-US"/>
-          </a:p>
-        </p:txBody>
-      </p:sp>
-      <p:pic>
-        <p:nvPicPr>
-          <p:cNvPr id="18" name="그림 17"/>
-          <p:cNvPicPr>
-            <a:picLocks noChangeAspect="1"/>
-          </p:cNvPicPr>
-          <p:nvPr/>
-        </p:nvPicPr>
-        <p:blipFill>
-          <a:blip r:embed="rId3"/>
-          <a:stretch>
-            <a:fillRect/>
-          </a:stretch>
-        </p:blipFill>
-        <p:spPr>
-          <a:xfrm>
-            <a:off x="1295063" y="1794864"/>
-            <a:ext cx="8985804" cy="2371725"/>
-          </a:xfrm>
-          <a:prstGeom prst="rect">
-            <a:avLst/>
-          </a:prstGeom>
-          <a:ln>
-            <a:solidFill>
-              <a:schemeClr val="tx1"/>
-            </a:solidFill>
-          </a:ln>
-        </p:spPr>
-      </p:pic>
-      <p:pic>
-        <p:nvPicPr>
-          <p:cNvPr id="19" name="그림 18"/>
-          <p:cNvPicPr>
-            <a:picLocks noChangeAspect="1"/>
-          </p:cNvPicPr>
-          <p:nvPr/>
-        </p:nvPicPr>
-        <p:blipFill>
-          <a:blip r:embed="rId4"/>
-          <a:stretch>
-            <a:fillRect/>
-          </a:stretch>
-        </p:blipFill>
-        <p:spPr>
-          <a:xfrm>
-            <a:off x="1295063" y="4290257"/>
-            <a:ext cx="8985804" cy="1741721"/>
-          </a:xfrm>
-          <a:prstGeom prst="rect">
-            <a:avLst/>
-          </a:prstGeom>
-          <a:ln>
-            <a:solidFill>
-              <a:schemeClr val="tx1"/>
-            </a:solidFill>
-          </a:ln>
-        </p:spPr>
-      </p:pic>
-    </p:spTree>
-    <p:extLst>
-      <p:ext uri="{BB962C8B-B14F-4D97-AF65-F5344CB8AC3E}">
-        <p14:creationId xmlns:p14="http://schemas.microsoft.com/office/powerpoint/2010/main" val="2203540630"/>
-      </p:ext>
-    </p:extLst>
-  </p:cSld>
-  <p:clrMapOvr>
-    <a:masterClrMapping/>
-  </p:clrMapOvr>
-  <p:timing>
-    <p:tnLst>
-      <p:par>
-        <p:cTn id="1" dur="indefinite" restart="never" nodeType="tmRoot"/>
-      </p:par>
-    </p:tnLst>
-  </p:timing>
-</p:sld>
-</file>
-
-<file path=ppt/slides/slide5.xml><?xml version="1.0" encoding="utf-8"?>
-<p:sld xmlns:a="http://schemas.openxmlformats.org/drawingml/2006/main" xmlns:r="http://schemas.openxmlformats.org/officeDocument/2006/relationships" xmlns:p="http://schemas.openxmlformats.org/presentationml/2006/main">
-  <p:cSld>
-    <p:spTree>
-      <p:nvGrpSpPr>
-        <p:cNvPr id="1" name=""/>
-        <p:cNvGrpSpPr/>
-        <p:nvPr/>
-      </p:nvGrpSpPr>
-      <p:grpSpPr>
-        <a:xfrm>
-          <a:off x="0" y="0"/>
-          <a:ext cx="0" cy="0"/>
-          <a:chOff x="0" y="0"/>
-          <a:chExt cx="0" cy="0"/>
-        </a:xfrm>
-      </p:grpSpPr>
-      <p:sp>
-        <p:nvSpPr>
-          <p:cNvPr id="6" name="양쪽 모서리가 둥근 사각형 5"/>
-          <p:cNvSpPr/>
-          <p:nvPr/>
-        </p:nvSpPr>
-        <p:spPr>
-          <a:xfrm>
-            <a:off x="143339" y="548680"/>
-            <a:ext cx="11905323" cy="6144683"/>
-          </a:xfrm>
-          <a:prstGeom prst="round2SameRect">
-            <a:avLst>
-              <a:gd name="adj1" fmla="val 0"/>
-              <a:gd name="adj2" fmla="val 2405"/>
-            </a:avLst>
-          </a:prstGeom>
-          <a:solidFill>
-            <a:schemeClr val="bg1"/>
-          </a:solidFill>
-          <a:ln>
-            <a:noFill/>
-          </a:ln>
-          <a:effectLst>
-            <a:outerShdw dist="254000" dir="5400000" sx="97000" sy="97000" algn="t" rotWithShape="0">
-              <a:prstClr val="black">
-                <a:alpha val="40000"/>
-              </a:prstClr>
-            </a:outerShdw>
-          </a:effectLst>
-        </p:spPr>
-        <p:style>
-          <a:lnRef idx="2">
-            <a:schemeClr val="accent1">
-              <a:shade val="50000"/>
-            </a:schemeClr>
-          </a:lnRef>
-          <a:fillRef idx="1">
-            <a:schemeClr val="accent1"/>
-          </a:fillRef>
-          <a:effectRef idx="0">
-            <a:schemeClr val="accent1"/>
-          </a:effectRef>
-          <a:fontRef idx="minor">
-            <a:schemeClr val="lt1"/>
-          </a:fontRef>
-        </p:style>
-        <p:txBody>
-          <a:bodyPr lIns="91440" tIns="45720" rIns="91440" bIns="45720" rtlCol="0" anchor="ctr"/>
-          <a:lstStyle/>
-          <a:p>
-            <a:pPr algn="ctr"/>
-            <a:endParaRPr lang="ko-KR" altLang="en-US" sz="2400">
-              <a:solidFill>
-                <a:prstClr val="white"/>
-              </a:solidFill>
-            </a:endParaRPr>
-          </a:p>
-        </p:txBody>
-      </p:sp>
-      <p:sp>
-        <p:nvSpPr>
-          <p:cNvPr id="5" name="양쪽 모서리가 둥근 사각형 4"/>
-          <p:cNvSpPr/>
-          <p:nvPr/>
-        </p:nvSpPr>
-        <p:spPr>
-          <a:xfrm>
-            <a:off x="143339" y="243880"/>
-            <a:ext cx="11905323" cy="304800"/>
-          </a:xfrm>
-          <a:prstGeom prst="round2SameRect">
-            <a:avLst>
-              <a:gd name="adj1" fmla="val 44667"/>
-              <a:gd name="adj2" fmla="val 0"/>
-            </a:avLst>
-          </a:prstGeom>
-          <a:solidFill>
-            <a:srgbClr val="411F42"/>
-          </a:solidFill>
-          <a:ln>
-            <a:noFill/>
-          </a:ln>
-          <a:effectLst>
-            <a:outerShdw dist="76200" dir="16200000" sx="97000" sy="97000" rotWithShape="0">
-              <a:prstClr val="black">
-                <a:alpha val="40000"/>
-              </a:prstClr>
-            </a:outerShdw>
-          </a:effectLst>
-        </p:spPr>
-        <p:style>
-          <a:lnRef idx="2">
-            <a:schemeClr val="accent1">
-              <a:shade val="50000"/>
-            </a:schemeClr>
-          </a:lnRef>
-          <a:fillRef idx="1">
-            <a:schemeClr val="accent1"/>
-          </a:fillRef>
-          <a:effectRef idx="0">
-            <a:schemeClr val="accent1"/>
-          </a:effectRef>
-          <a:fontRef idx="minor">
-            <a:schemeClr val="lt1"/>
-          </a:fontRef>
-        </p:style>
-        <p:txBody>
-          <a:bodyPr lIns="91440" tIns="45720" rIns="91440" bIns="45720" rtlCol="0" anchor="ctr"/>
-          <a:lstStyle/>
-          <a:p>
-            <a:pPr algn="ctr"/>
-            <a:endParaRPr lang="ko-KR" altLang="en-US" sz="2400">
-              <a:solidFill>
-                <a:prstClr val="white"/>
-              </a:solidFill>
-            </a:endParaRPr>
-          </a:p>
-        </p:txBody>
-      </p:sp>
-      <p:sp>
-        <p:nvSpPr>
-          <p:cNvPr id="7" name="직사각형 6"/>
-          <p:cNvSpPr/>
-          <p:nvPr/>
-        </p:nvSpPr>
-        <p:spPr>
-          <a:xfrm>
-            <a:off x="935120" y="366664"/>
-            <a:ext cx="10613801" cy="72000"/>
-          </a:xfrm>
-          <a:prstGeom prst="rect">
-            <a:avLst/>
-          </a:prstGeom>
-          <a:solidFill>
-            <a:schemeClr val="bg1"/>
-          </a:solidFill>
-          <a:ln>
-            <a:noFill/>
-          </a:ln>
-        </p:spPr>
-        <p:style>
-          <a:lnRef idx="2">
-            <a:schemeClr val="accent1">
-              <a:shade val="50000"/>
-            </a:schemeClr>
-          </a:lnRef>
-          <a:fillRef idx="1">
-            <a:schemeClr val="accent1"/>
-          </a:fillRef>
-          <a:effectRef idx="0">
-            <a:schemeClr val="accent1"/>
-          </a:effectRef>
-          <a:fontRef idx="minor">
-            <a:schemeClr val="lt1"/>
-          </a:fontRef>
-        </p:style>
-        <p:txBody>
-          <a:bodyPr lIns="91440" tIns="45720" rIns="91440" bIns="45720" rtlCol="0" anchor="ctr"/>
-          <a:lstStyle/>
-          <a:p>
-            <a:pPr algn="ctr"/>
-            <a:endParaRPr lang="ko-KR" altLang="en-US" sz="2400">
-              <a:solidFill>
-                <a:prstClr val="white"/>
-              </a:solidFill>
-            </a:endParaRPr>
-          </a:p>
-        </p:txBody>
-      </p:sp>
-      <p:sp>
-        <p:nvSpPr>
-          <p:cNvPr id="8" name="타원 7"/>
-          <p:cNvSpPr/>
-          <p:nvPr/>
-        </p:nvSpPr>
-        <p:spPr>
-          <a:xfrm>
-            <a:off x="576949" y="366664"/>
-            <a:ext cx="75276" cy="72000"/>
-          </a:xfrm>
-          <a:prstGeom prst="ellipse">
-            <a:avLst/>
-          </a:prstGeom>
-          <a:solidFill>
-            <a:srgbClr val="FF6189"/>
-          </a:solidFill>
-          <a:ln>
-            <a:noFill/>
-          </a:ln>
-        </p:spPr>
-        <p:style>
-          <a:lnRef idx="2">
-            <a:schemeClr val="accent1">
-              <a:shade val="50000"/>
-            </a:schemeClr>
-          </a:lnRef>
-          <a:fillRef idx="1">
-            <a:schemeClr val="accent1"/>
-          </a:fillRef>
-          <a:effectRef idx="0">
-            <a:schemeClr val="accent1"/>
-          </a:effectRef>
-          <a:fontRef idx="minor">
-            <a:schemeClr val="lt1"/>
-          </a:fontRef>
-        </p:style>
-        <p:txBody>
-          <a:bodyPr lIns="91440" tIns="45720" rIns="91440" bIns="45720" rtlCol="0" anchor="ctr"/>
-          <a:lstStyle/>
-          <a:p>
-            <a:pPr algn="ctr"/>
-            <a:endParaRPr lang="ko-KR" altLang="en-US" sz="2400">
-              <a:solidFill>
-                <a:prstClr val="white"/>
-              </a:solidFill>
-            </a:endParaRPr>
-          </a:p>
-        </p:txBody>
-      </p:sp>
-      <p:sp>
-        <p:nvSpPr>
-          <p:cNvPr id="9" name="타원 8"/>
-          <p:cNvSpPr/>
-          <p:nvPr/>
-        </p:nvSpPr>
-        <p:spPr>
-          <a:xfrm>
-            <a:off x="766826" y="366664"/>
-            <a:ext cx="75276" cy="72000"/>
-          </a:xfrm>
-          <a:prstGeom prst="ellipse">
-            <a:avLst/>
-          </a:prstGeom>
-          <a:solidFill>
-            <a:srgbClr val="00B0F0"/>
-          </a:solidFill>
-          <a:ln>
-            <a:noFill/>
-          </a:ln>
-        </p:spPr>
-        <p:style>
-          <a:lnRef idx="2">
-            <a:schemeClr val="accent1">
-              <a:shade val="50000"/>
-            </a:schemeClr>
-          </a:lnRef>
-          <a:fillRef idx="1">
-            <a:schemeClr val="accent1"/>
-          </a:fillRef>
-          <a:effectRef idx="0">
-            <a:schemeClr val="accent1"/>
-          </a:effectRef>
-          <a:fontRef idx="minor">
-            <a:schemeClr val="lt1"/>
-          </a:fontRef>
-        </p:style>
-        <p:txBody>
-          <a:bodyPr lIns="91440" tIns="45720" rIns="91440" bIns="45720" rtlCol="0" anchor="ctr"/>
-          <a:lstStyle/>
-          <a:p>
-            <a:pPr algn="ctr"/>
-            <a:endParaRPr lang="ko-KR" altLang="en-US" sz="2400">
-              <a:solidFill>
-                <a:prstClr val="white"/>
-              </a:solidFill>
-            </a:endParaRPr>
-          </a:p>
-        </p:txBody>
-      </p:sp>
-      <p:sp>
-        <p:nvSpPr>
-          <p:cNvPr id="10" name="타원 9"/>
-          <p:cNvSpPr/>
-          <p:nvPr/>
-        </p:nvSpPr>
-        <p:spPr>
-          <a:xfrm>
-            <a:off x="956703" y="366664"/>
-            <a:ext cx="75276" cy="72000"/>
-          </a:xfrm>
-          <a:prstGeom prst="ellipse">
-            <a:avLst/>
-          </a:prstGeom>
-          <a:solidFill>
-            <a:schemeClr val="accent4"/>
-          </a:solidFill>
-          <a:ln>
-            <a:noFill/>
-          </a:ln>
-        </p:spPr>
-        <p:style>
-          <a:lnRef idx="2">
-            <a:schemeClr val="accent1">
-              <a:shade val="50000"/>
-            </a:schemeClr>
-          </a:lnRef>
-          <a:fillRef idx="1">
-            <a:schemeClr val="accent1"/>
-          </a:fillRef>
-          <a:effectRef idx="0">
-            <a:schemeClr val="accent1"/>
-          </a:effectRef>
-          <a:fontRef idx="minor">
-            <a:schemeClr val="lt1"/>
-          </a:fontRef>
-        </p:style>
-        <p:txBody>
-          <a:bodyPr lIns="91440" tIns="45720" rIns="91440" bIns="45720" rtlCol="0" anchor="ctr"/>
-          <a:lstStyle/>
-          <a:p>
-            <a:pPr algn="ctr"/>
-            <a:endParaRPr lang="ko-KR" altLang="en-US" sz="2400">
-              <a:solidFill>
-                <a:prstClr val="white"/>
-              </a:solidFill>
-            </a:endParaRPr>
-          </a:p>
-        </p:txBody>
-      </p:sp>
-      <p:sp>
-        <p:nvSpPr>
-          <p:cNvPr id="15" name="직사각형 14"/>
-          <p:cNvSpPr/>
-          <p:nvPr/>
-        </p:nvSpPr>
-        <p:spPr>
-          <a:xfrm>
-            <a:off x="935120" y="743464"/>
-            <a:ext cx="6592433" cy="484748"/>
-          </a:xfrm>
-          <a:prstGeom prst="rect">
-            <a:avLst/>
-          </a:prstGeom>
-        </p:spPr>
-        <p:txBody>
-          <a:bodyPr wrap="square" lIns="68580" tIns="34290" rIns="68580" bIns="34290">
-            <a:spAutoFit/>
-          </a:bodyPr>
-          <a:lstStyle/>
-          <a:p>
-            <a:pPr>
-              <a:lnSpc>
-                <a:spcPct val="150000"/>
-              </a:lnSpc>
-            </a:pPr>
-            <a:r>
-              <a:rPr lang="en-US" altLang="ko-KR" sz="1800" b="1">
-                <a:solidFill>
-                  <a:schemeClr val="tx1">
-                    <a:lumMod val="75000"/>
-                    <a:lumOff val="25000"/>
-                  </a:schemeClr>
-                </a:solidFill>
-                <a:latin typeface="나눔고딕" panose="020D0604000000000000" pitchFamily="50" charset="-127"/>
-                <a:ea typeface="나눔고딕" panose="020D0604000000000000" pitchFamily="50" charset="-127"/>
-              </a:rPr>
-              <a:t>[ </a:t>
-            </a:r>
-            <a:r>
-              <a:rPr lang="ko-KR" altLang="en-US" sz="1800" b="1" smtClean="0">
-                <a:solidFill>
-                  <a:schemeClr val="tx1">
-                    <a:lumMod val="75000"/>
-                    <a:lumOff val="25000"/>
-                  </a:schemeClr>
-                </a:solidFill>
-                <a:latin typeface="나눔고딕" panose="020D0604000000000000" pitchFamily="50" charset="-127"/>
-                <a:ea typeface="나눔고딕" panose="020D0604000000000000" pitchFamily="50" charset="-127"/>
-              </a:rPr>
-              <a:t>화면구현 </a:t>
-            </a:r>
-            <a:r>
-              <a:rPr lang="en-US" altLang="ko-KR" sz="1800" b="1" dirty="0">
-                <a:solidFill>
-                  <a:schemeClr val="tx1">
-                    <a:lumMod val="75000"/>
-                    <a:lumOff val="25000"/>
-                  </a:schemeClr>
-                </a:solidFill>
-                <a:latin typeface="나눔고딕" panose="020D0604000000000000" pitchFamily="50" charset="-127"/>
-                <a:ea typeface="나눔고딕" panose="020D0604000000000000" pitchFamily="50" charset="-127"/>
-              </a:rPr>
-              <a:t>] </a:t>
-            </a:r>
-            <a:r>
-              <a:rPr lang="ko-KR" altLang="en-US" sz="1800" b="1" dirty="0" smtClean="0">
-                <a:solidFill>
-                  <a:schemeClr val="tx1">
-                    <a:lumMod val="75000"/>
-                    <a:lumOff val="25000"/>
-                  </a:schemeClr>
-                </a:solidFill>
-                <a:latin typeface="나눔고딕" panose="020D0604000000000000" pitchFamily="50" charset="-127"/>
-                <a:ea typeface="나눔고딕" panose="020D0604000000000000" pitchFamily="50" charset="-127"/>
-              </a:rPr>
-              <a:t>상품목록 </a:t>
-            </a:r>
-            <a:r>
-              <a:rPr lang="en-US" altLang="ko-KR" sz="1800" b="1" dirty="0" smtClean="0">
-                <a:solidFill>
-                  <a:schemeClr val="tx1">
-                    <a:lumMod val="75000"/>
-                    <a:lumOff val="25000"/>
-                  </a:schemeClr>
-                </a:solidFill>
-                <a:latin typeface="나눔고딕" panose="020D0604000000000000" pitchFamily="50" charset="-127"/>
-                <a:ea typeface="나눔고딕" panose="020D0604000000000000" pitchFamily="50" charset="-127"/>
-              </a:rPr>
-              <a:t>– </a:t>
-            </a:r>
-            <a:r>
-              <a:rPr lang="ko-KR" altLang="en-US" sz="1800" b="1" dirty="0" err="1">
-                <a:solidFill>
-                  <a:schemeClr val="tx1">
-                    <a:lumMod val="75000"/>
-                    <a:lumOff val="25000"/>
-                  </a:schemeClr>
-                </a:solidFill>
-                <a:latin typeface="나눔고딕" panose="020D0604000000000000" pitchFamily="50" charset="-127"/>
-                <a:ea typeface="나눔고딕" panose="020D0604000000000000" pitchFamily="50" charset="-127"/>
-              </a:rPr>
-              <a:t>리워드</a:t>
-            </a:r>
-            <a:r>
-              <a:rPr lang="ko-KR" altLang="en-US" sz="1800" b="1" dirty="0">
-                <a:solidFill>
-                  <a:schemeClr val="tx1">
-                    <a:lumMod val="75000"/>
-                    <a:lumOff val="25000"/>
-                  </a:schemeClr>
-                </a:solidFill>
-                <a:latin typeface="나눔고딕" panose="020D0604000000000000" pitchFamily="50" charset="-127"/>
-                <a:ea typeface="나눔고딕" panose="020D0604000000000000" pitchFamily="50" charset="-127"/>
-              </a:rPr>
-              <a:t> 스토어 </a:t>
-            </a:r>
-            <a:r>
-              <a:rPr lang="en-US" altLang="ko-KR" sz="1800" b="1" dirty="0">
-                <a:solidFill>
-                  <a:schemeClr val="tx1">
-                    <a:lumMod val="75000"/>
-                    <a:lumOff val="25000"/>
-                  </a:schemeClr>
-                </a:solidFill>
-                <a:latin typeface="나눔고딕" panose="020D0604000000000000" pitchFamily="50" charset="-127"/>
-                <a:ea typeface="나눔고딕" panose="020D0604000000000000" pitchFamily="50" charset="-127"/>
-              </a:rPr>
-              <a:t>- </a:t>
-            </a:r>
-            <a:r>
-              <a:rPr lang="ko-KR" altLang="en-US" sz="1800" b="1" dirty="0" smtClean="0">
-                <a:solidFill>
-                  <a:schemeClr val="tx1">
-                    <a:lumMod val="75000"/>
-                    <a:lumOff val="25000"/>
-                  </a:schemeClr>
-                </a:solidFill>
-                <a:latin typeface="나눔고딕" panose="020D0604000000000000" pitchFamily="50" charset="-127"/>
-                <a:ea typeface="나눔고딕" panose="020D0604000000000000" pitchFamily="50" charset="-127"/>
-              </a:rPr>
-              <a:t>사용</a:t>
-            </a:r>
-            <a:r>
-              <a:rPr lang="ko-KR" altLang="en-US" sz="1800" b="1" dirty="0">
-                <a:solidFill>
-                  <a:schemeClr val="tx1">
-                    <a:lumMod val="75000"/>
-                    <a:lumOff val="25000"/>
-                  </a:schemeClr>
-                </a:solidFill>
-                <a:latin typeface="나눔고딕" panose="020D0604000000000000" pitchFamily="50" charset="-127"/>
-                <a:ea typeface="나눔고딕" panose="020D0604000000000000" pitchFamily="50" charset="-127"/>
-              </a:rPr>
-              <a:t>자</a:t>
-            </a:r>
-          </a:p>
-        </p:txBody>
-      </p:sp>
-      <p:pic>
-        <p:nvPicPr>
-          <p:cNvPr id="16" name="그림 15"/>
-          <p:cNvPicPr>
-            <a:picLocks noChangeAspect="1"/>
-          </p:cNvPicPr>
-          <p:nvPr/>
-        </p:nvPicPr>
-        <p:blipFill>
-          <a:blip r:embed="rId2" cstate="print">
-            <a:extLst>
-              <a:ext uri="{28A0092B-C50C-407E-A947-70E740481C1C}">
-                <a14:useLocalDpi xmlns:a14="http://schemas.microsoft.com/office/drawing/2010/main" val="0"/>
-              </a:ext>
-            </a:extLst>
-          </a:blip>
-          <a:stretch>
-            <a:fillRect/>
-          </a:stretch>
-        </p:blipFill>
-        <p:spPr>
-          <a:xfrm>
-            <a:off x="362442" y="743464"/>
-            <a:ext cx="500395" cy="500395"/>
-          </a:xfrm>
-          <a:prstGeom prst="rect">
-            <a:avLst/>
-          </a:prstGeom>
-        </p:spPr>
-      </p:pic>
-      <p:sp>
-        <p:nvSpPr>
           <p:cNvPr id="13" name="TextBox 12"/>
           <p:cNvSpPr txBox="1"/>
           <p:nvPr/>
@@ -7223,7 +6588,7 @@
       </p:sp>
       <p:pic>
         <p:nvPicPr>
-          <p:cNvPr id="21" name="그림 20"/>
+          <p:cNvPr id="2" name="그림 1"/>
           <p:cNvPicPr>
             <a:picLocks noChangeAspect="1"/>
           </p:cNvPicPr>
@@ -7237,22 +6602,17 @@
         </p:blipFill>
         <p:spPr>
           <a:xfrm>
-            <a:off x="6549330" y="1871375"/>
-            <a:ext cx="5058418" cy="1343025"/>
+            <a:off x="6242020" y="2080164"/>
+            <a:ext cx="6082948" cy="285750"/>
           </a:xfrm>
           <a:prstGeom prst="rect">
             <a:avLst/>
           </a:prstGeom>
-          <a:ln>
-            <a:solidFill>
-              <a:schemeClr val="tx1"/>
-            </a:solidFill>
-          </a:ln>
         </p:spPr>
       </p:pic>
       <p:pic>
         <p:nvPicPr>
-          <p:cNvPr id="22" name="그림 21"/>
+          <p:cNvPr id="3" name="그림 2"/>
           <p:cNvPicPr>
             <a:picLocks noChangeAspect="1"/>
           </p:cNvPicPr>
@@ -7266,17 +6626,12 @@
         </p:blipFill>
         <p:spPr>
           <a:xfrm>
-            <a:off x="7156996" y="3421901"/>
-            <a:ext cx="2473335" cy="2820008"/>
+            <a:off x="6324600" y="2854642"/>
+            <a:ext cx="5417820" cy="1362075"/>
           </a:xfrm>
           <a:prstGeom prst="rect">
             <a:avLst/>
           </a:prstGeom>
-          <a:ln>
-            <a:solidFill>
-              <a:schemeClr val="tx1"/>
-            </a:solidFill>
-          </a:ln>
         </p:spPr>
       </p:pic>
     </p:spTree>
@@ -7299,7 +6654,7 @@
 </p:sld>
 </file>
 
-<file path=ppt/slides/slide6.xml><?xml version="1.0" encoding="utf-8"?>
+<file path=ppt/slides/slide5.xml><?xml version="1.0" encoding="utf-8"?>
 <p:sld xmlns:a="http://schemas.openxmlformats.org/drawingml/2006/main" xmlns:r="http://schemas.openxmlformats.org/officeDocument/2006/relationships" xmlns:p="http://schemas.openxmlformats.org/presentationml/2006/main">
   <p:cSld>
     <p:spTree>
@@ -8902,7 +8257,7 @@
 </p:sld>
 </file>
 
-<file path=ppt/slides/slide7.xml><?xml version="1.0" encoding="utf-8"?>
+<file path=ppt/slides/slide6.xml><?xml version="1.0" encoding="utf-8"?>
 <p:sld xmlns:a="http://schemas.openxmlformats.org/drawingml/2006/main" xmlns:r="http://schemas.openxmlformats.org/officeDocument/2006/relationships" xmlns:p="http://schemas.openxmlformats.org/presentationml/2006/main">
   <p:cSld>
     <p:spTree>
@@ -9476,9 +8831,39 @@
           </a:prstGeom>
         </p:spPr>
       </p:pic>
+      <p:sp>
+        <p:nvSpPr>
+          <p:cNvPr id="18" name="TextBox 17"/>
+          <p:cNvSpPr txBox="1"/>
+          <p:nvPr/>
+        </p:nvSpPr>
+        <p:spPr>
+          <a:xfrm>
+            <a:off x="3092720" y="1623059"/>
+            <a:ext cx="2880019" cy="369332"/>
+          </a:xfrm>
+          <a:prstGeom prst="rect">
+            <a:avLst/>
+          </a:prstGeom>
+          <a:noFill/>
+        </p:spPr>
+        <p:txBody>
+          <a:bodyPr wrap="none" rtlCol="0">
+            <a:spAutoFit/>
+          </a:bodyPr>
+          <a:lstStyle/>
+          <a:p>
+            <a:r>
+              <a:rPr lang="en-US" altLang="ko-KR" smtClean="0"/>
+              <a:t>storeRecyclerViewAdapter</a:t>
+            </a:r>
+            <a:endParaRPr lang="ko-KR" altLang="en-US"/>
+          </a:p>
+        </p:txBody>
+      </p:sp>
       <p:pic>
         <p:nvPicPr>
-          <p:cNvPr id="4" name="그림 3"/>
+          <p:cNvPr id="11" name="그림 10"/>
           <p:cNvPicPr>
             <a:picLocks noChangeAspect="1"/>
           </p:cNvPicPr>
@@ -9492,82 +8877,17 @@
         </p:blipFill>
         <p:spPr>
           <a:xfrm>
-            <a:off x="3070919" y="2102407"/>
-            <a:ext cx="4755027" cy="2939150"/>
+            <a:off x="3092720" y="2253337"/>
+            <a:ext cx="8352520" cy="1835805"/>
           </a:xfrm>
           <a:prstGeom prst="rect">
             <a:avLst/>
           </a:prstGeom>
-          <a:ln>
-            <a:solidFill>
-              <a:schemeClr val="tx1"/>
-            </a:solidFill>
-          </a:ln>
         </p:spPr>
       </p:pic>
-      <p:sp>
-        <p:nvSpPr>
-          <p:cNvPr id="18" name="TextBox 17"/>
-          <p:cNvSpPr txBox="1"/>
-          <p:nvPr/>
-        </p:nvSpPr>
-        <p:spPr>
-          <a:xfrm>
-            <a:off x="3092720" y="1623059"/>
-            <a:ext cx="2880019" cy="369332"/>
-          </a:xfrm>
-          <a:prstGeom prst="rect">
-            <a:avLst/>
-          </a:prstGeom>
-          <a:noFill/>
-        </p:spPr>
-        <p:txBody>
-          <a:bodyPr wrap="none" rtlCol="0">
-            <a:spAutoFit/>
-          </a:bodyPr>
-          <a:lstStyle/>
-          <a:p>
-            <a:r>
-              <a:rPr lang="en-US" altLang="ko-KR" smtClean="0"/>
-              <a:t>storeRecyclerViewAdapter</a:t>
-            </a:r>
-            <a:endParaRPr lang="ko-KR" altLang="en-US"/>
-          </a:p>
-        </p:txBody>
-      </p:sp>
-      <p:sp>
-        <p:nvSpPr>
-          <p:cNvPr id="19" name="TextBox 18"/>
-          <p:cNvSpPr txBox="1"/>
-          <p:nvPr/>
-        </p:nvSpPr>
-        <p:spPr>
-          <a:xfrm>
-            <a:off x="8257844" y="1515967"/>
-            <a:ext cx="974947" cy="369332"/>
-          </a:xfrm>
-          <a:prstGeom prst="rect">
-            <a:avLst/>
-          </a:prstGeom>
-          <a:noFill/>
-        </p:spPr>
-        <p:txBody>
-          <a:bodyPr wrap="none" rtlCol="0">
-            <a:spAutoFit/>
-          </a:bodyPr>
-          <a:lstStyle/>
-          <a:p>
-            <a:r>
-              <a:rPr lang="en-US" altLang="ko-KR" smtClean="0"/>
-              <a:t>Spinner</a:t>
-            </a:r>
-            <a:endParaRPr lang="ko-KR" altLang="en-US"/>
-          </a:p>
-        </p:txBody>
-      </p:sp>
       <p:pic>
         <p:nvPicPr>
-          <p:cNvPr id="20" name="그림 19"/>
+          <p:cNvPr id="12" name="그림 11"/>
           <p:cNvPicPr>
             <a:picLocks noChangeAspect="1"/>
           </p:cNvPicPr>
@@ -9581,46 +8901,12 @@
         </p:blipFill>
         <p:spPr>
           <a:xfrm>
-            <a:off x="8015146" y="2102407"/>
-            <a:ext cx="3533775" cy="1882543"/>
+            <a:off x="3026550" y="4350088"/>
+            <a:ext cx="8708250" cy="1615431"/>
           </a:xfrm>
           <a:prstGeom prst="rect">
             <a:avLst/>
           </a:prstGeom>
-          <a:ln>
-            <a:solidFill>
-              <a:schemeClr val="tx1"/>
-            </a:solidFill>
-          </a:ln>
-        </p:spPr>
-      </p:pic>
-      <p:pic>
-        <p:nvPicPr>
-          <p:cNvPr id="21" name="그림 20"/>
-          <p:cNvPicPr>
-            <a:picLocks noChangeAspect="1"/>
-          </p:cNvPicPr>
-          <p:nvPr/>
-        </p:nvPicPr>
-        <p:blipFill>
-          <a:blip r:embed="rId6"/>
-          <a:stretch>
-            <a:fillRect/>
-          </a:stretch>
-        </p:blipFill>
-        <p:spPr>
-          <a:xfrm>
-            <a:off x="8015145" y="4202058"/>
-            <a:ext cx="3533775" cy="1762125"/>
-          </a:xfrm>
-          <a:prstGeom prst="rect">
-            <a:avLst/>
-          </a:prstGeom>
-          <a:ln>
-            <a:solidFill>
-              <a:schemeClr val="tx1"/>
-            </a:solidFill>
-          </a:ln>
         </p:spPr>
       </p:pic>
     </p:spTree>
